--- a/Docs/Stock Market Sentiment Analysis and Price Prediction.pptx
+++ b/Docs/Stock Market Sentiment Analysis and Price Prediction.pptx
@@ -12,10 +12,14 @@
     <p:sldId id="263" r:id="rId6"/>
     <p:sldId id="262" r:id="rId7"/>
     <p:sldId id="265" r:id="rId8"/>
-    <p:sldId id="259" r:id="rId9"/>
-    <p:sldId id="260" r:id="rId10"/>
-    <p:sldId id="261" r:id="rId11"/>
-    <p:sldId id="266" r:id="rId12"/>
+    <p:sldId id="267" r:id="rId9"/>
+    <p:sldId id="261" r:id="rId10"/>
+    <p:sldId id="269" r:id="rId11"/>
+    <p:sldId id="259" r:id="rId12"/>
+    <p:sldId id="271" r:id="rId13"/>
+    <p:sldId id="272" r:id="rId14"/>
+    <p:sldId id="260" r:id="rId15"/>
+    <p:sldId id="266" r:id="rId16"/>
   </p:sldIdLst>
   <p:sldSz cx="12192000" cy="6858000"/>
   <p:notesSz cx="6858000" cy="9144000"/>
@@ -134,9 +138,13 @@
         <p14:section name="Core" id="{E4884D7A-C2F1-4EDA-BC26-A74D3CF929B5}">
           <p14:sldIdLst>
             <p14:sldId id="265"/>
+            <p14:sldId id="267"/>
+            <p14:sldId id="261"/>
+            <p14:sldId id="269"/>
             <p14:sldId id="259"/>
+            <p14:sldId id="271"/>
+            <p14:sldId id="272"/>
             <p14:sldId id="260"/>
-            <p14:sldId id="261"/>
           </p14:sldIdLst>
         </p14:section>
         <p14:section name="Outro" id="{51CEB877-25CF-4EE5-85B6-F85AA4593AD0}">
@@ -151,6 +159,3668 @@
     </p:ext>
   </p:extLst>
 </p:presentation>
+</file>
+
+<file path=ppt/diagrams/colors1.xml><?xml version="1.0" encoding="utf-8"?>
+<dgm:colorsDef xmlns:dgm="http://schemas.openxmlformats.org/drawingml/2006/diagram" xmlns:a="http://schemas.openxmlformats.org/drawingml/2006/main" uniqueId="urn:microsoft.com/office/officeart/2005/8/colors/colorful1">
+  <dgm:title val=""/>
+  <dgm:desc val=""/>
+  <dgm:catLst>
+    <dgm:cat type="colorful" pri="10100"/>
+  </dgm:catLst>
+  <dgm:styleLbl name="node0">
+    <dgm:fillClrLst meth="repeat">
+      <a:schemeClr val="accent1"/>
+    </dgm:fillClrLst>
+    <dgm:linClrLst meth="repeat">
+      <a:schemeClr val="lt1"/>
+    </dgm:linClrLst>
+    <dgm:effectClrLst/>
+    <dgm:txLinClrLst/>
+    <dgm:txFillClrLst/>
+    <dgm:txEffectClrLst/>
+  </dgm:styleLbl>
+  <dgm:styleLbl name="node1">
+    <dgm:fillClrLst meth="repeat">
+      <a:schemeClr val="accent2"/>
+      <a:schemeClr val="accent3"/>
+      <a:schemeClr val="accent4"/>
+      <a:schemeClr val="accent5"/>
+      <a:schemeClr val="accent6"/>
+    </dgm:fillClrLst>
+    <dgm:linClrLst meth="repeat">
+      <a:schemeClr val="lt1"/>
+    </dgm:linClrLst>
+    <dgm:effectClrLst/>
+    <dgm:txLinClrLst/>
+    <dgm:txFillClrLst/>
+    <dgm:txEffectClrLst/>
+  </dgm:styleLbl>
+  <dgm:styleLbl name="alignNode1">
+    <dgm:fillClrLst meth="repeat">
+      <a:schemeClr val="accent2"/>
+      <a:schemeClr val="accent3"/>
+      <a:schemeClr val="accent4"/>
+      <a:schemeClr val="accent5"/>
+      <a:schemeClr val="accent6"/>
+    </dgm:fillClrLst>
+    <dgm:linClrLst meth="repeat">
+      <a:schemeClr val="accent2"/>
+      <a:schemeClr val="accent3"/>
+      <a:schemeClr val="accent4"/>
+      <a:schemeClr val="accent5"/>
+      <a:schemeClr val="accent6"/>
+    </dgm:linClrLst>
+    <dgm:effectClrLst/>
+    <dgm:txLinClrLst/>
+    <dgm:txFillClrLst/>
+    <dgm:txEffectClrLst/>
+  </dgm:styleLbl>
+  <dgm:styleLbl name="lnNode1">
+    <dgm:fillClrLst meth="repeat">
+      <a:schemeClr val="accent2"/>
+      <a:schemeClr val="accent3"/>
+      <a:schemeClr val="accent4"/>
+      <a:schemeClr val="accent5"/>
+      <a:schemeClr val="accent6"/>
+    </dgm:fillClrLst>
+    <dgm:linClrLst meth="repeat">
+      <a:schemeClr val="lt1"/>
+    </dgm:linClrLst>
+    <dgm:effectClrLst/>
+    <dgm:txLinClrLst/>
+    <dgm:txFillClrLst/>
+    <dgm:txEffectClrLst/>
+  </dgm:styleLbl>
+  <dgm:styleLbl name="vennNode1">
+    <dgm:fillClrLst meth="repeat">
+      <a:schemeClr val="accent2">
+        <a:alpha val="50000"/>
+      </a:schemeClr>
+      <a:schemeClr val="accent3">
+        <a:alpha val="50000"/>
+      </a:schemeClr>
+      <a:schemeClr val="accent4">
+        <a:alpha val="50000"/>
+      </a:schemeClr>
+      <a:schemeClr val="accent5">
+        <a:alpha val="50000"/>
+      </a:schemeClr>
+      <a:schemeClr val="accent6">
+        <a:alpha val="50000"/>
+      </a:schemeClr>
+    </dgm:fillClrLst>
+    <dgm:linClrLst meth="repeat">
+      <a:schemeClr val="lt1"/>
+    </dgm:linClrLst>
+    <dgm:effectClrLst/>
+    <dgm:txLinClrLst/>
+    <dgm:txFillClrLst/>
+    <dgm:txEffectClrLst/>
+  </dgm:styleLbl>
+  <dgm:styleLbl name="node2">
+    <dgm:fillClrLst>
+      <a:schemeClr val="accent2"/>
+    </dgm:fillClrLst>
+    <dgm:linClrLst meth="repeat">
+      <a:schemeClr val="lt1"/>
+    </dgm:linClrLst>
+    <dgm:effectClrLst/>
+    <dgm:txLinClrLst/>
+    <dgm:txFillClrLst/>
+    <dgm:txEffectClrLst/>
+  </dgm:styleLbl>
+  <dgm:styleLbl name="node3">
+    <dgm:fillClrLst>
+      <a:schemeClr val="accent3"/>
+    </dgm:fillClrLst>
+    <dgm:linClrLst meth="repeat">
+      <a:schemeClr val="lt1"/>
+    </dgm:linClrLst>
+    <dgm:effectClrLst/>
+    <dgm:txLinClrLst/>
+    <dgm:txFillClrLst/>
+    <dgm:txEffectClrLst/>
+  </dgm:styleLbl>
+  <dgm:styleLbl name="node4">
+    <dgm:fillClrLst>
+      <a:schemeClr val="accent4"/>
+    </dgm:fillClrLst>
+    <dgm:linClrLst meth="repeat">
+      <a:schemeClr val="lt1"/>
+    </dgm:linClrLst>
+    <dgm:effectClrLst/>
+    <dgm:txLinClrLst/>
+    <dgm:txFillClrLst/>
+    <dgm:txEffectClrLst/>
+  </dgm:styleLbl>
+  <dgm:styleLbl name="fgImgPlace1">
+    <dgm:fillClrLst meth="repeat">
+      <a:schemeClr val="accent2">
+        <a:tint val="50000"/>
+      </a:schemeClr>
+      <a:schemeClr val="accent3">
+        <a:tint val="50000"/>
+      </a:schemeClr>
+      <a:schemeClr val="accent4">
+        <a:tint val="50000"/>
+      </a:schemeClr>
+      <a:schemeClr val="accent5">
+        <a:tint val="50000"/>
+      </a:schemeClr>
+      <a:schemeClr val="accent6">
+        <a:tint val="50000"/>
+      </a:schemeClr>
+    </dgm:fillClrLst>
+    <dgm:linClrLst meth="repeat">
+      <a:schemeClr val="lt1"/>
+    </dgm:linClrLst>
+    <dgm:effectClrLst/>
+    <dgm:txLinClrLst/>
+    <dgm:txFillClrLst meth="repeat">
+      <a:schemeClr val="lt1"/>
+    </dgm:txFillClrLst>
+    <dgm:txEffectClrLst/>
+  </dgm:styleLbl>
+  <dgm:styleLbl name="alignImgPlace1">
+    <dgm:fillClrLst>
+      <a:schemeClr val="accent1">
+        <a:tint val="50000"/>
+      </a:schemeClr>
+      <a:schemeClr val="accent2">
+        <a:tint val="20000"/>
+      </a:schemeClr>
+    </dgm:fillClrLst>
+    <dgm:linClrLst meth="repeat">
+      <a:schemeClr val="lt1"/>
+    </dgm:linClrLst>
+    <dgm:effectClrLst/>
+    <dgm:txLinClrLst/>
+    <dgm:txFillClrLst meth="repeat">
+      <a:schemeClr val="lt1"/>
+    </dgm:txFillClrLst>
+    <dgm:txEffectClrLst/>
+  </dgm:styleLbl>
+  <dgm:styleLbl name="bgImgPlace1">
+    <dgm:fillClrLst>
+      <a:schemeClr val="accent1">
+        <a:tint val="50000"/>
+      </a:schemeClr>
+      <a:schemeClr val="accent2">
+        <a:tint val="20000"/>
+      </a:schemeClr>
+    </dgm:fillClrLst>
+    <dgm:linClrLst meth="repeat">
+      <a:schemeClr val="lt1"/>
+    </dgm:linClrLst>
+    <dgm:effectClrLst/>
+    <dgm:txLinClrLst/>
+    <dgm:txFillClrLst meth="repeat">
+      <a:schemeClr val="lt1"/>
+    </dgm:txFillClrLst>
+    <dgm:txEffectClrLst/>
+  </dgm:styleLbl>
+  <dgm:styleLbl name="sibTrans2D1">
+    <dgm:fillClrLst meth="repeat">
+      <a:schemeClr val="accent2"/>
+      <a:schemeClr val="accent3"/>
+      <a:schemeClr val="accent4"/>
+      <a:schemeClr val="accent5"/>
+      <a:schemeClr val="accent6"/>
+    </dgm:fillClrLst>
+    <dgm:linClrLst meth="cycle">
+      <a:schemeClr val="lt1"/>
+    </dgm:linClrLst>
+    <dgm:effectClrLst/>
+    <dgm:txLinClrLst/>
+    <dgm:txFillClrLst/>
+    <dgm:txEffectClrLst/>
+  </dgm:styleLbl>
+  <dgm:styleLbl name="fgSibTrans2D1">
+    <dgm:fillClrLst meth="repeat">
+      <a:schemeClr val="accent2"/>
+      <a:schemeClr val="accent3"/>
+      <a:schemeClr val="accent4"/>
+      <a:schemeClr val="accent5"/>
+      <a:schemeClr val="accent6"/>
+    </dgm:fillClrLst>
+    <dgm:linClrLst meth="cycle">
+      <a:schemeClr val="lt1"/>
+    </dgm:linClrLst>
+    <dgm:effectClrLst/>
+    <dgm:txLinClrLst/>
+    <dgm:txFillClrLst meth="repeat">
+      <a:schemeClr val="lt1"/>
+    </dgm:txFillClrLst>
+    <dgm:txEffectClrLst/>
+  </dgm:styleLbl>
+  <dgm:styleLbl name="bgSibTrans2D1">
+    <dgm:fillClrLst meth="repeat">
+      <a:schemeClr val="accent2"/>
+      <a:schemeClr val="accent3"/>
+      <a:schemeClr val="accent4"/>
+      <a:schemeClr val="accent5"/>
+      <a:schemeClr val="accent6"/>
+    </dgm:fillClrLst>
+    <dgm:linClrLst meth="cycle">
+      <a:schemeClr val="lt1"/>
+    </dgm:linClrLst>
+    <dgm:effectClrLst/>
+    <dgm:txLinClrLst/>
+    <dgm:txFillClrLst meth="repeat">
+      <a:schemeClr val="lt1"/>
+    </dgm:txFillClrLst>
+    <dgm:txEffectClrLst/>
+  </dgm:styleLbl>
+  <dgm:styleLbl name="sibTrans1D1">
+    <dgm:fillClrLst meth="repeat">
+      <a:schemeClr val="accent2"/>
+      <a:schemeClr val="accent3"/>
+      <a:schemeClr val="accent4"/>
+      <a:schemeClr val="accent5"/>
+      <a:schemeClr val="accent6"/>
+    </dgm:fillClrLst>
+    <dgm:linClrLst meth="repeat">
+      <a:schemeClr val="accent2"/>
+      <a:schemeClr val="accent3"/>
+      <a:schemeClr val="accent4"/>
+      <a:schemeClr val="accent5"/>
+      <a:schemeClr val="accent6"/>
+    </dgm:linClrLst>
+    <dgm:effectClrLst/>
+    <dgm:txLinClrLst/>
+    <dgm:txFillClrLst meth="repeat">
+      <a:schemeClr val="tx1"/>
+    </dgm:txFillClrLst>
+    <dgm:txEffectClrLst/>
+  </dgm:styleLbl>
+  <dgm:styleLbl name="callout">
+    <dgm:fillClrLst meth="repeat">
+      <a:schemeClr val="accent2"/>
+    </dgm:fillClrLst>
+    <dgm:linClrLst meth="repeat">
+      <a:schemeClr val="accent2">
+        <a:tint val="50000"/>
+      </a:schemeClr>
+    </dgm:linClrLst>
+    <dgm:effectClrLst/>
+    <dgm:txLinClrLst/>
+    <dgm:txFillClrLst meth="repeat">
+      <a:schemeClr val="tx1"/>
+    </dgm:txFillClrLst>
+    <dgm:txEffectClrLst/>
+  </dgm:styleLbl>
+  <dgm:styleLbl name="asst0">
+    <dgm:fillClrLst meth="repeat">
+      <a:schemeClr val="accent1"/>
+    </dgm:fillClrLst>
+    <dgm:linClrLst meth="repeat">
+      <a:schemeClr val="lt1"/>
+    </dgm:linClrLst>
+    <dgm:effectClrLst/>
+    <dgm:txLinClrLst/>
+    <dgm:txFillClrLst/>
+    <dgm:txEffectClrLst/>
+  </dgm:styleLbl>
+  <dgm:styleLbl name="asst1">
+    <dgm:fillClrLst meth="repeat">
+      <a:schemeClr val="accent2"/>
+    </dgm:fillClrLst>
+    <dgm:linClrLst meth="repeat">
+      <a:schemeClr val="lt1"/>
+    </dgm:linClrLst>
+    <dgm:effectClrLst/>
+    <dgm:txLinClrLst/>
+    <dgm:txFillClrLst/>
+    <dgm:txEffectClrLst/>
+  </dgm:styleLbl>
+  <dgm:styleLbl name="asst2">
+    <dgm:fillClrLst>
+      <a:schemeClr val="accent3"/>
+    </dgm:fillClrLst>
+    <dgm:linClrLst meth="repeat">
+      <a:schemeClr val="lt1"/>
+    </dgm:linClrLst>
+    <dgm:effectClrLst/>
+    <dgm:txLinClrLst/>
+    <dgm:txFillClrLst/>
+    <dgm:txEffectClrLst/>
+  </dgm:styleLbl>
+  <dgm:styleLbl name="asst3">
+    <dgm:fillClrLst>
+      <a:schemeClr val="accent4"/>
+    </dgm:fillClrLst>
+    <dgm:linClrLst meth="repeat">
+      <a:schemeClr val="lt1"/>
+    </dgm:linClrLst>
+    <dgm:effectClrLst/>
+    <dgm:txLinClrLst/>
+    <dgm:txFillClrLst/>
+    <dgm:txEffectClrLst/>
+  </dgm:styleLbl>
+  <dgm:styleLbl name="asst4">
+    <dgm:fillClrLst>
+      <a:schemeClr val="accent5"/>
+    </dgm:fillClrLst>
+    <dgm:linClrLst meth="repeat">
+      <a:schemeClr val="lt1"/>
+    </dgm:linClrLst>
+    <dgm:effectClrLst/>
+    <dgm:txLinClrLst/>
+    <dgm:txFillClrLst/>
+    <dgm:txEffectClrLst/>
+  </dgm:styleLbl>
+  <dgm:styleLbl name="parChTrans2D1">
+    <dgm:fillClrLst meth="repeat">
+      <a:schemeClr val="accent2"/>
+    </dgm:fillClrLst>
+    <dgm:linClrLst meth="repeat">
+      <a:schemeClr val="lt1"/>
+    </dgm:linClrLst>
+    <dgm:effectClrLst/>
+    <dgm:txLinClrLst/>
+    <dgm:txFillClrLst meth="repeat">
+      <a:schemeClr val="lt1"/>
+    </dgm:txFillClrLst>
+    <dgm:txEffectClrLst/>
+  </dgm:styleLbl>
+  <dgm:styleLbl name="parChTrans2D2">
+    <dgm:fillClrLst meth="repeat">
+      <a:schemeClr val="accent3"/>
+    </dgm:fillClrLst>
+    <dgm:linClrLst meth="repeat">
+      <a:schemeClr val="lt1"/>
+    </dgm:linClrLst>
+    <dgm:effectClrLst/>
+    <dgm:txLinClrLst/>
+    <dgm:txFillClrLst/>
+    <dgm:txEffectClrLst/>
+  </dgm:styleLbl>
+  <dgm:styleLbl name="parChTrans2D3">
+    <dgm:fillClrLst meth="repeat">
+      <a:schemeClr val="accent4"/>
+    </dgm:fillClrLst>
+    <dgm:linClrLst meth="repeat">
+      <a:schemeClr val="lt1"/>
+    </dgm:linClrLst>
+    <dgm:effectClrLst/>
+    <dgm:txLinClrLst/>
+    <dgm:txFillClrLst/>
+    <dgm:txEffectClrLst/>
+  </dgm:styleLbl>
+  <dgm:styleLbl name="parChTrans2D4">
+    <dgm:fillClrLst meth="repeat">
+      <a:schemeClr val="accent5"/>
+    </dgm:fillClrLst>
+    <dgm:linClrLst meth="repeat">
+      <a:schemeClr val="lt1"/>
+    </dgm:linClrLst>
+    <dgm:effectClrLst/>
+    <dgm:txLinClrLst/>
+    <dgm:txFillClrLst meth="repeat">
+      <a:schemeClr val="lt1"/>
+    </dgm:txFillClrLst>
+    <dgm:txEffectClrLst/>
+  </dgm:styleLbl>
+  <dgm:styleLbl name="parChTrans1D1">
+    <dgm:fillClrLst meth="repeat">
+      <a:schemeClr val="accent2"/>
+    </dgm:fillClrLst>
+    <dgm:linClrLst meth="repeat">
+      <a:schemeClr val="accent1"/>
+    </dgm:linClrLst>
+    <dgm:effectClrLst/>
+    <dgm:txLinClrLst/>
+    <dgm:txFillClrLst meth="repeat">
+      <a:schemeClr val="tx1"/>
+    </dgm:txFillClrLst>
+    <dgm:txEffectClrLst/>
+  </dgm:styleLbl>
+  <dgm:styleLbl name="parChTrans1D2">
+    <dgm:fillClrLst meth="repeat">
+      <a:schemeClr val="accent3">
+        <a:tint val="90000"/>
+      </a:schemeClr>
+    </dgm:fillClrLst>
+    <dgm:linClrLst meth="repeat">
+      <a:schemeClr val="accent2"/>
+    </dgm:linClrLst>
+    <dgm:effectClrLst/>
+    <dgm:txLinClrLst/>
+    <dgm:txFillClrLst meth="repeat">
+      <a:schemeClr val="tx1"/>
+    </dgm:txFillClrLst>
+    <dgm:txEffectClrLst/>
+  </dgm:styleLbl>
+  <dgm:styleLbl name="parChTrans1D3">
+    <dgm:fillClrLst meth="repeat">
+      <a:schemeClr val="accent4">
+        <a:tint val="70000"/>
+      </a:schemeClr>
+    </dgm:fillClrLst>
+    <dgm:linClrLst meth="repeat">
+      <a:schemeClr val="accent3"/>
+    </dgm:linClrLst>
+    <dgm:effectClrLst/>
+    <dgm:txLinClrLst/>
+    <dgm:txFillClrLst meth="repeat">
+      <a:schemeClr val="tx1"/>
+    </dgm:txFillClrLst>
+    <dgm:txEffectClrLst/>
+  </dgm:styleLbl>
+  <dgm:styleLbl name="parChTrans1D4">
+    <dgm:fillClrLst meth="repeat">
+      <a:schemeClr val="accent5">
+        <a:tint val="50000"/>
+      </a:schemeClr>
+    </dgm:fillClrLst>
+    <dgm:linClrLst meth="repeat">
+      <a:schemeClr val="accent4"/>
+    </dgm:linClrLst>
+    <dgm:effectClrLst/>
+    <dgm:txLinClrLst/>
+    <dgm:txFillClrLst meth="repeat">
+      <a:schemeClr val="tx1"/>
+    </dgm:txFillClrLst>
+    <dgm:txEffectClrLst/>
+  </dgm:styleLbl>
+  <dgm:styleLbl name="fgAcc1">
+    <dgm:fillClrLst meth="repeat">
+      <a:schemeClr val="lt1">
+        <a:alpha val="90000"/>
+      </a:schemeClr>
+    </dgm:fillClrLst>
+    <dgm:linClrLst meth="repeat">
+      <a:schemeClr val="accent2"/>
+      <a:schemeClr val="accent3"/>
+      <a:schemeClr val="accent4"/>
+      <a:schemeClr val="accent5"/>
+      <a:schemeClr val="accent6"/>
+    </dgm:linClrLst>
+    <dgm:effectClrLst/>
+    <dgm:txLinClrLst/>
+    <dgm:txFillClrLst meth="repeat">
+      <a:schemeClr val="dk1"/>
+    </dgm:txFillClrLst>
+    <dgm:txEffectClrLst/>
+  </dgm:styleLbl>
+  <dgm:styleLbl name="conFgAcc1">
+    <dgm:fillClrLst meth="repeat">
+      <a:schemeClr val="lt1">
+        <a:alpha val="90000"/>
+      </a:schemeClr>
+    </dgm:fillClrLst>
+    <dgm:linClrLst meth="repeat">
+      <a:schemeClr val="accent2"/>
+      <a:schemeClr val="accent3"/>
+      <a:schemeClr val="accent4"/>
+      <a:schemeClr val="accent5"/>
+      <a:schemeClr val="accent6"/>
+    </dgm:linClrLst>
+    <dgm:effectClrLst/>
+    <dgm:txLinClrLst/>
+    <dgm:txFillClrLst meth="repeat">
+      <a:schemeClr val="dk1"/>
+    </dgm:txFillClrLst>
+    <dgm:txEffectClrLst/>
+  </dgm:styleLbl>
+  <dgm:styleLbl name="alignAcc1">
+    <dgm:fillClrLst meth="repeat">
+      <a:schemeClr val="lt1">
+        <a:alpha val="90000"/>
+      </a:schemeClr>
+    </dgm:fillClrLst>
+    <dgm:linClrLst meth="repeat">
+      <a:schemeClr val="accent2"/>
+      <a:schemeClr val="accent3"/>
+      <a:schemeClr val="accent4"/>
+      <a:schemeClr val="accent5"/>
+      <a:schemeClr val="accent6"/>
+    </dgm:linClrLst>
+    <dgm:effectClrLst/>
+    <dgm:txLinClrLst/>
+    <dgm:txFillClrLst meth="repeat">
+      <a:schemeClr val="dk1"/>
+    </dgm:txFillClrLst>
+    <dgm:txEffectClrLst/>
+  </dgm:styleLbl>
+  <dgm:styleLbl name="trAlignAcc1">
+    <dgm:fillClrLst meth="repeat">
+      <a:schemeClr val="lt1">
+        <a:alpha val="40000"/>
+      </a:schemeClr>
+    </dgm:fillClrLst>
+    <dgm:linClrLst meth="repeat">
+      <a:schemeClr val="accent1"/>
+    </dgm:linClrLst>
+    <dgm:effectClrLst/>
+    <dgm:txLinClrLst/>
+    <dgm:txFillClrLst meth="repeat">
+      <a:schemeClr val="dk1"/>
+    </dgm:txFillClrLst>
+    <dgm:txEffectClrLst/>
+  </dgm:styleLbl>
+  <dgm:styleLbl name="bgAcc1">
+    <dgm:fillClrLst meth="repeat">
+      <a:schemeClr val="lt1">
+        <a:alpha val="90000"/>
+      </a:schemeClr>
+    </dgm:fillClrLst>
+    <dgm:linClrLst meth="repeat">
+      <a:schemeClr val="accent2"/>
+      <a:schemeClr val="accent3"/>
+      <a:schemeClr val="accent4"/>
+      <a:schemeClr val="accent5"/>
+      <a:schemeClr val="accent6"/>
+    </dgm:linClrLst>
+    <dgm:effectClrLst/>
+    <dgm:txLinClrLst/>
+    <dgm:txFillClrLst meth="repeat">
+      <a:schemeClr val="dk1"/>
+    </dgm:txFillClrLst>
+    <dgm:txEffectClrLst/>
+  </dgm:styleLbl>
+  <dgm:styleLbl name="solidFgAcc1">
+    <dgm:fillClrLst meth="repeat">
+      <a:schemeClr val="lt1"/>
+    </dgm:fillClrLst>
+    <dgm:linClrLst meth="repeat">
+      <a:schemeClr val="accent2"/>
+      <a:schemeClr val="accent3"/>
+      <a:schemeClr val="accent4"/>
+      <a:schemeClr val="accent5"/>
+      <a:schemeClr val="accent6"/>
+    </dgm:linClrLst>
+    <dgm:effectClrLst/>
+    <dgm:txLinClrLst/>
+    <dgm:txFillClrLst meth="repeat">
+      <a:schemeClr val="dk1"/>
+    </dgm:txFillClrLst>
+    <dgm:txEffectClrLst/>
+  </dgm:styleLbl>
+  <dgm:styleLbl name="solidAlignAcc1">
+    <dgm:fillClrLst meth="repeat">
+      <a:schemeClr val="lt1"/>
+    </dgm:fillClrLst>
+    <dgm:linClrLst meth="repeat">
+      <a:schemeClr val="accent2"/>
+      <a:schemeClr val="accent3"/>
+      <a:schemeClr val="accent4"/>
+      <a:schemeClr val="accent5"/>
+      <a:schemeClr val="accent6"/>
+    </dgm:linClrLst>
+    <dgm:effectClrLst/>
+    <dgm:txLinClrLst/>
+    <dgm:txFillClrLst meth="repeat">
+      <a:schemeClr val="dk1"/>
+    </dgm:txFillClrLst>
+    <dgm:txEffectClrLst/>
+  </dgm:styleLbl>
+  <dgm:styleLbl name="solidBgAcc1">
+    <dgm:fillClrLst meth="repeat">
+      <a:schemeClr val="lt1"/>
+    </dgm:fillClrLst>
+    <dgm:linClrLst meth="repeat">
+      <a:schemeClr val="accent2"/>
+      <a:schemeClr val="accent3"/>
+      <a:schemeClr val="accent4"/>
+      <a:schemeClr val="accent5"/>
+      <a:schemeClr val="accent6"/>
+    </dgm:linClrLst>
+    <dgm:effectClrLst/>
+    <dgm:txLinClrLst/>
+    <dgm:txFillClrLst meth="repeat">
+      <a:schemeClr val="dk1"/>
+    </dgm:txFillClrLst>
+    <dgm:txEffectClrLst/>
+  </dgm:styleLbl>
+  <dgm:styleLbl name="fgAccFollowNode1">
+    <dgm:fillClrLst meth="repeat">
+      <a:schemeClr val="accent2">
+        <a:tint val="40000"/>
+        <a:alpha val="90000"/>
+      </a:schemeClr>
+      <a:schemeClr val="accent3">
+        <a:tint val="40000"/>
+        <a:alpha val="90000"/>
+      </a:schemeClr>
+      <a:schemeClr val="accent4">
+        <a:tint val="40000"/>
+        <a:alpha val="90000"/>
+      </a:schemeClr>
+      <a:schemeClr val="accent5">
+        <a:tint val="40000"/>
+        <a:alpha val="90000"/>
+      </a:schemeClr>
+      <a:schemeClr val="accent6">
+        <a:tint val="40000"/>
+        <a:alpha val="90000"/>
+      </a:schemeClr>
+    </dgm:fillClrLst>
+    <dgm:linClrLst meth="repeat">
+      <a:schemeClr val="accent2">
+        <a:tint val="40000"/>
+        <a:alpha val="90000"/>
+      </a:schemeClr>
+      <a:schemeClr val="accent3">
+        <a:tint val="40000"/>
+        <a:alpha val="90000"/>
+      </a:schemeClr>
+      <a:schemeClr val="accent4">
+        <a:tint val="40000"/>
+        <a:alpha val="90000"/>
+      </a:schemeClr>
+      <a:schemeClr val="accent5">
+        <a:tint val="40000"/>
+        <a:alpha val="90000"/>
+      </a:schemeClr>
+      <a:schemeClr val="accent6">
+        <a:tint val="40000"/>
+        <a:alpha val="90000"/>
+      </a:schemeClr>
+    </dgm:linClrLst>
+    <dgm:effectClrLst/>
+    <dgm:txLinClrLst/>
+    <dgm:txFillClrLst meth="repeat">
+      <a:schemeClr val="dk1"/>
+    </dgm:txFillClrLst>
+    <dgm:txEffectClrLst/>
+  </dgm:styleLbl>
+  <dgm:styleLbl name="alignAccFollowNode1">
+    <dgm:fillClrLst meth="repeat">
+      <a:schemeClr val="accent2">
+        <a:tint val="40000"/>
+        <a:alpha val="90000"/>
+      </a:schemeClr>
+      <a:schemeClr val="accent3">
+        <a:tint val="40000"/>
+        <a:alpha val="90000"/>
+      </a:schemeClr>
+      <a:schemeClr val="accent4">
+        <a:tint val="40000"/>
+        <a:alpha val="90000"/>
+      </a:schemeClr>
+      <a:schemeClr val="accent5">
+        <a:tint val="40000"/>
+        <a:alpha val="90000"/>
+      </a:schemeClr>
+      <a:schemeClr val="accent6">
+        <a:tint val="40000"/>
+        <a:alpha val="90000"/>
+      </a:schemeClr>
+    </dgm:fillClrLst>
+    <dgm:linClrLst meth="repeat">
+      <a:schemeClr val="accent2">
+        <a:tint val="40000"/>
+        <a:alpha val="90000"/>
+      </a:schemeClr>
+      <a:schemeClr val="accent3">
+        <a:tint val="40000"/>
+        <a:alpha val="90000"/>
+      </a:schemeClr>
+      <a:schemeClr val="accent4">
+        <a:tint val="40000"/>
+        <a:alpha val="90000"/>
+      </a:schemeClr>
+      <a:schemeClr val="accent5">
+        <a:tint val="40000"/>
+        <a:alpha val="90000"/>
+      </a:schemeClr>
+      <a:schemeClr val="accent6">
+        <a:tint val="40000"/>
+        <a:alpha val="90000"/>
+      </a:schemeClr>
+    </dgm:linClrLst>
+    <dgm:effectClrLst/>
+    <dgm:txLinClrLst/>
+    <dgm:txFillClrLst meth="repeat">
+      <a:schemeClr val="dk1"/>
+    </dgm:txFillClrLst>
+    <dgm:txEffectClrLst/>
+  </dgm:styleLbl>
+  <dgm:styleLbl name="bgAccFollowNode1">
+    <dgm:fillClrLst meth="repeat">
+      <a:schemeClr val="accent2">
+        <a:tint val="40000"/>
+        <a:alpha val="90000"/>
+      </a:schemeClr>
+      <a:schemeClr val="accent3">
+        <a:tint val="40000"/>
+        <a:alpha val="90000"/>
+      </a:schemeClr>
+      <a:schemeClr val="accent4">
+        <a:tint val="40000"/>
+        <a:alpha val="90000"/>
+      </a:schemeClr>
+      <a:schemeClr val="accent5">
+        <a:tint val="40000"/>
+        <a:alpha val="90000"/>
+      </a:schemeClr>
+      <a:schemeClr val="accent6">
+        <a:tint val="40000"/>
+        <a:alpha val="90000"/>
+      </a:schemeClr>
+    </dgm:fillClrLst>
+    <dgm:linClrLst meth="repeat">
+      <a:schemeClr val="accent2">
+        <a:tint val="40000"/>
+        <a:alpha val="90000"/>
+      </a:schemeClr>
+      <a:schemeClr val="accent3">
+        <a:tint val="40000"/>
+        <a:alpha val="90000"/>
+      </a:schemeClr>
+      <a:schemeClr val="accent4">
+        <a:tint val="40000"/>
+        <a:alpha val="90000"/>
+      </a:schemeClr>
+      <a:schemeClr val="accent5">
+        <a:tint val="40000"/>
+        <a:alpha val="90000"/>
+      </a:schemeClr>
+      <a:schemeClr val="accent6">
+        <a:tint val="40000"/>
+        <a:alpha val="90000"/>
+      </a:schemeClr>
+    </dgm:linClrLst>
+    <dgm:effectClrLst/>
+    <dgm:txLinClrLst/>
+    <dgm:txFillClrLst meth="repeat">
+      <a:schemeClr val="dk1"/>
+    </dgm:txFillClrLst>
+    <dgm:txEffectClrLst/>
+  </dgm:styleLbl>
+  <dgm:styleLbl name="fgAcc0">
+    <dgm:fillClrLst meth="repeat">
+      <a:schemeClr val="lt1">
+        <a:alpha val="90000"/>
+      </a:schemeClr>
+    </dgm:fillClrLst>
+    <dgm:linClrLst>
+      <a:schemeClr val="accent1"/>
+    </dgm:linClrLst>
+    <dgm:effectClrLst/>
+    <dgm:txLinClrLst/>
+    <dgm:txFillClrLst meth="repeat">
+      <a:schemeClr val="dk1"/>
+    </dgm:txFillClrLst>
+    <dgm:txEffectClrLst/>
+  </dgm:styleLbl>
+  <dgm:styleLbl name="fgAcc2">
+    <dgm:fillClrLst meth="repeat">
+      <a:schemeClr val="lt1">
+        <a:alpha val="90000"/>
+      </a:schemeClr>
+    </dgm:fillClrLst>
+    <dgm:linClrLst>
+      <a:schemeClr val="accent2"/>
+    </dgm:linClrLst>
+    <dgm:effectClrLst/>
+    <dgm:txLinClrLst/>
+    <dgm:txFillClrLst meth="repeat">
+      <a:schemeClr val="dk1"/>
+    </dgm:txFillClrLst>
+    <dgm:txEffectClrLst/>
+  </dgm:styleLbl>
+  <dgm:styleLbl name="fgAcc3">
+    <dgm:fillClrLst meth="repeat">
+      <a:schemeClr val="lt1">
+        <a:alpha val="90000"/>
+      </a:schemeClr>
+    </dgm:fillClrLst>
+    <dgm:linClrLst>
+      <a:schemeClr val="accent3"/>
+    </dgm:linClrLst>
+    <dgm:effectClrLst/>
+    <dgm:txLinClrLst/>
+    <dgm:txFillClrLst meth="repeat">
+      <a:schemeClr val="dk1"/>
+    </dgm:txFillClrLst>
+    <dgm:txEffectClrLst/>
+  </dgm:styleLbl>
+  <dgm:styleLbl name="fgAcc4">
+    <dgm:fillClrLst meth="repeat">
+      <a:schemeClr val="lt1">
+        <a:alpha val="90000"/>
+      </a:schemeClr>
+    </dgm:fillClrLst>
+    <dgm:linClrLst>
+      <a:schemeClr val="accent4"/>
+    </dgm:linClrLst>
+    <dgm:effectClrLst/>
+    <dgm:txLinClrLst/>
+    <dgm:txFillClrLst meth="repeat">
+      <a:schemeClr val="dk1"/>
+    </dgm:txFillClrLst>
+    <dgm:txEffectClrLst/>
+  </dgm:styleLbl>
+  <dgm:styleLbl name="bgShp">
+    <dgm:fillClrLst meth="repeat">
+      <a:schemeClr val="accent2">
+        <a:tint val="40000"/>
+      </a:schemeClr>
+    </dgm:fillClrLst>
+    <dgm:linClrLst meth="repeat">
+      <a:schemeClr val="dk1"/>
+    </dgm:linClrLst>
+    <dgm:effectClrLst/>
+    <dgm:txLinClrLst/>
+    <dgm:txFillClrLst meth="repeat">
+      <a:schemeClr val="dk1"/>
+    </dgm:txFillClrLst>
+    <dgm:txEffectClrLst/>
+  </dgm:styleLbl>
+  <dgm:styleLbl name="dkBgShp">
+    <dgm:fillClrLst meth="repeat">
+      <a:schemeClr val="accent2">
+        <a:shade val="90000"/>
+      </a:schemeClr>
+    </dgm:fillClrLst>
+    <dgm:linClrLst meth="repeat">
+      <a:schemeClr val="dk1"/>
+    </dgm:linClrLst>
+    <dgm:effectClrLst/>
+    <dgm:txLinClrLst/>
+    <dgm:txFillClrLst meth="repeat">
+      <a:schemeClr val="lt1"/>
+    </dgm:txFillClrLst>
+    <dgm:txEffectClrLst/>
+  </dgm:styleLbl>
+  <dgm:styleLbl name="trBgShp">
+    <dgm:fillClrLst meth="repeat">
+      <a:schemeClr val="accent1">
+        <a:tint val="50000"/>
+        <a:alpha val="40000"/>
+      </a:schemeClr>
+    </dgm:fillClrLst>
+    <dgm:linClrLst meth="repeat">
+      <a:schemeClr val="accent2"/>
+    </dgm:linClrLst>
+    <dgm:effectClrLst/>
+    <dgm:txLinClrLst/>
+    <dgm:txFillClrLst meth="repeat">
+      <a:schemeClr val="lt1"/>
+    </dgm:txFillClrLst>
+    <dgm:txEffectClrLst/>
+  </dgm:styleLbl>
+  <dgm:styleLbl name="fgShp">
+    <dgm:fillClrLst meth="repeat">
+      <a:schemeClr val="accent2">
+        <a:tint val="40000"/>
+      </a:schemeClr>
+    </dgm:fillClrLst>
+    <dgm:linClrLst meth="repeat">
+      <a:schemeClr val="lt1"/>
+    </dgm:linClrLst>
+    <dgm:effectClrLst/>
+    <dgm:txLinClrLst/>
+    <dgm:txFillClrLst meth="repeat">
+      <a:schemeClr val="dk1"/>
+    </dgm:txFillClrLst>
+    <dgm:txEffectClrLst/>
+  </dgm:styleLbl>
+  <dgm:styleLbl name="revTx">
+    <dgm:fillClrLst meth="repeat">
+      <a:schemeClr val="lt1">
+        <a:alpha val="0"/>
+      </a:schemeClr>
+    </dgm:fillClrLst>
+    <dgm:linClrLst meth="repeat">
+      <a:schemeClr val="dk1">
+        <a:alpha val="0"/>
+      </a:schemeClr>
+    </dgm:linClrLst>
+    <dgm:effectClrLst/>
+    <dgm:txLinClrLst/>
+    <dgm:txFillClrLst meth="repeat">
+      <a:schemeClr val="tx1"/>
+    </dgm:txFillClrLst>
+    <dgm:txEffectClrLst/>
+  </dgm:styleLbl>
+</dgm:colorsDef>
+</file>
+
+<file path=ppt/diagrams/data1.xml><?xml version="1.0" encoding="utf-8"?>
+<dgm:dataModel xmlns:dgm="http://schemas.openxmlformats.org/drawingml/2006/diagram" xmlns:a="http://schemas.openxmlformats.org/drawingml/2006/main">
+  <dgm:ptLst>
+    <dgm:pt modelId="{BD184F49-EE85-4550-9349-D2B58DFC2B91}" type="doc">
+      <dgm:prSet loTypeId="urn:microsoft.com/office/officeart/2005/8/layout/hList7" loCatId="list" qsTypeId="urn:microsoft.com/office/officeart/2005/8/quickstyle/simple2" qsCatId="simple" csTypeId="urn:microsoft.com/office/officeart/2005/8/colors/colorful1" csCatId="colorful" phldr="1"/>
+      <dgm:spPr/>
+      <dgm:t>
+        <a:bodyPr/>
+        <a:lstStyle/>
+        <a:p>
+          <a:endParaRPr lang="en-US"/>
+        </a:p>
+      </dgm:t>
+    </dgm:pt>
+    <dgm:pt modelId="{414B9204-E980-4E00-AFB2-E47DE6C2DCE9}">
+      <dgm:prSet custT="1"/>
+      <dgm:spPr/>
+      <dgm:t>
+        <a:bodyPr/>
+        <a:lstStyle/>
+        <a:p>
+          <a:pPr rtl="0"/>
+          <a:r>
+            <a:rPr lang="en-US" sz="2400" b="1" dirty="0" smtClean="0"/>
+            <a:t>Data preparation </a:t>
+          </a:r>
+          <a:endParaRPr lang="en-US" sz="2200" b="1" dirty="0" smtClean="0"/>
+        </a:p>
+        <a:p>
+          <a:pPr rtl="0"/>
+          <a:r>
+            <a:rPr lang="en-US" sz="1800" dirty="0" smtClean="0"/>
+            <a:t>Analyzing and factoring data</a:t>
+          </a:r>
+          <a:endParaRPr lang="en-US" sz="1800" dirty="0"/>
+        </a:p>
+      </dgm:t>
+    </dgm:pt>
+    <dgm:pt modelId="{159310F2-EC60-44F3-ADF8-BB4533355248}" type="parTrans" cxnId="{5859C7C2-0C54-4ABB-851A-433A783361A7}">
+      <dgm:prSet/>
+      <dgm:spPr/>
+      <dgm:t>
+        <a:bodyPr/>
+        <a:lstStyle/>
+        <a:p>
+          <a:endParaRPr lang="en-US"/>
+        </a:p>
+      </dgm:t>
+    </dgm:pt>
+    <dgm:pt modelId="{4AAF2C31-F7A8-4AEA-9C4D-A0DD12377344}" type="sibTrans" cxnId="{5859C7C2-0C54-4ABB-851A-433A783361A7}">
+      <dgm:prSet/>
+      <dgm:spPr/>
+      <dgm:t>
+        <a:bodyPr/>
+        <a:lstStyle/>
+        <a:p>
+          <a:endParaRPr lang="en-US"/>
+        </a:p>
+      </dgm:t>
+    </dgm:pt>
+    <dgm:pt modelId="{C6F30142-6FD0-4D4A-8CAC-7402FE872883}">
+      <dgm:prSet custT="1"/>
+      <dgm:spPr/>
+      <dgm:t>
+        <a:bodyPr/>
+        <a:lstStyle/>
+        <a:p>
+          <a:pPr rtl="0"/>
+          <a:r>
+            <a:rPr lang="en-US" sz="2400" b="1" dirty="0" smtClean="0"/>
+            <a:t>Algorithms</a:t>
+          </a:r>
+          <a:endParaRPr lang="en-US" sz="2200" b="1" dirty="0" smtClean="0"/>
+        </a:p>
+        <a:p>
+          <a:pPr rtl="0"/>
+          <a:endParaRPr lang="en-US" sz="1800" dirty="0" smtClean="0"/>
+        </a:p>
+        <a:p>
+          <a:pPr rtl="0"/>
+          <a:r>
+            <a:rPr lang="en-US" sz="1800" dirty="0" smtClean="0"/>
+            <a:t>Ability to solve</a:t>
+          </a:r>
+          <a:endParaRPr lang="en-US" sz="1800" dirty="0"/>
+        </a:p>
+      </dgm:t>
+    </dgm:pt>
+    <dgm:pt modelId="{448E0F8B-599F-41E1-9645-C20B11A80480}" type="parTrans" cxnId="{C6E99E47-9C0C-44B8-B6B3-35986B7D8778}">
+      <dgm:prSet/>
+      <dgm:spPr/>
+      <dgm:t>
+        <a:bodyPr/>
+        <a:lstStyle/>
+        <a:p>
+          <a:endParaRPr lang="en-US"/>
+        </a:p>
+      </dgm:t>
+    </dgm:pt>
+    <dgm:pt modelId="{F4A9BB30-46B5-4CC1-BCD9-00665ADE7E2C}" type="sibTrans" cxnId="{C6E99E47-9C0C-44B8-B6B3-35986B7D8778}">
+      <dgm:prSet/>
+      <dgm:spPr/>
+      <dgm:t>
+        <a:bodyPr/>
+        <a:lstStyle/>
+        <a:p>
+          <a:endParaRPr lang="en-US"/>
+        </a:p>
+      </dgm:t>
+    </dgm:pt>
+    <dgm:pt modelId="{4B39F420-B0C7-4E57-ADCB-8D467BB3462D}">
+      <dgm:prSet custT="1"/>
+      <dgm:spPr/>
+      <dgm:t>
+        <a:bodyPr/>
+        <a:lstStyle/>
+        <a:p>
+          <a:pPr rtl="0"/>
+          <a:endParaRPr lang="en-US" sz="2400" b="1" dirty="0" smtClean="0"/>
+        </a:p>
+        <a:p>
+          <a:pPr rtl="0"/>
+          <a:r>
+            <a:rPr lang="en-US" sz="2400" b="1" dirty="0" smtClean="0"/>
+            <a:t>Automation</a:t>
+          </a:r>
+        </a:p>
+        <a:p>
+          <a:pPr rtl="0"/>
+          <a:r>
+            <a:rPr lang="en-US" sz="1800" b="1" dirty="0" smtClean="0"/>
+            <a:t>Automate whatever you can</a:t>
+          </a:r>
+          <a:endParaRPr lang="en-US" sz="1900" b="1" dirty="0" smtClean="0"/>
+        </a:p>
+        <a:p>
+          <a:pPr rtl="0"/>
+          <a:endParaRPr lang="en-US" sz="1900" dirty="0"/>
+        </a:p>
+      </dgm:t>
+    </dgm:pt>
+    <dgm:pt modelId="{955535E3-5537-4450-94A6-80BF7A361DC2}" type="parTrans" cxnId="{8F050817-A4B2-417C-80FF-26FAFA7362C4}">
+      <dgm:prSet/>
+      <dgm:spPr/>
+      <dgm:t>
+        <a:bodyPr/>
+        <a:lstStyle/>
+        <a:p>
+          <a:endParaRPr lang="en-US"/>
+        </a:p>
+      </dgm:t>
+    </dgm:pt>
+    <dgm:pt modelId="{D7FBC09D-5CEC-405B-8373-A45048881207}" type="sibTrans" cxnId="{8F050817-A4B2-417C-80FF-26FAFA7362C4}">
+      <dgm:prSet/>
+      <dgm:spPr/>
+      <dgm:t>
+        <a:bodyPr/>
+        <a:lstStyle/>
+        <a:p>
+          <a:endParaRPr lang="en-US"/>
+        </a:p>
+      </dgm:t>
+    </dgm:pt>
+    <dgm:pt modelId="{C7DF7031-BD8A-4EFA-A186-2C391430E07E}">
+      <dgm:prSet custT="1"/>
+      <dgm:spPr/>
+      <dgm:t>
+        <a:bodyPr/>
+        <a:lstStyle/>
+        <a:p>
+          <a:pPr rtl="0"/>
+          <a:r>
+            <a:rPr lang="en-US" sz="2200" b="1" dirty="0" smtClean="0"/>
+            <a:t>Scalability.</a:t>
+          </a:r>
+        </a:p>
+        <a:p>
+          <a:pPr rtl="0"/>
+          <a:endParaRPr lang="en-US" sz="1800" b="0" dirty="0" smtClean="0"/>
+        </a:p>
+        <a:p>
+          <a:pPr rtl="0"/>
+          <a:r>
+            <a:rPr lang="en-US" sz="1800" b="0" dirty="0" smtClean="0"/>
+            <a:t>Ability to grow</a:t>
+          </a:r>
+          <a:endParaRPr lang="en-US" sz="1800" b="0" dirty="0"/>
+        </a:p>
+      </dgm:t>
+    </dgm:pt>
+    <dgm:pt modelId="{ED6E20E1-D684-4116-8C3C-B3B7DD47CB8A}" type="parTrans" cxnId="{A32F05A2-E228-4397-92DE-782744EE1CDA}">
+      <dgm:prSet/>
+      <dgm:spPr/>
+      <dgm:t>
+        <a:bodyPr/>
+        <a:lstStyle/>
+        <a:p>
+          <a:endParaRPr lang="en-US"/>
+        </a:p>
+      </dgm:t>
+    </dgm:pt>
+    <dgm:pt modelId="{A41098A7-E7DB-4592-99D4-F4DBBA110DCB}" type="sibTrans" cxnId="{A32F05A2-E228-4397-92DE-782744EE1CDA}">
+      <dgm:prSet/>
+      <dgm:spPr/>
+      <dgm:t>
+        <a:bodyPr/>
+        <a:lstStyle/>
+        <a:p>
+          <a:endParaRPr lang="en-US"/>
+        </a:p>
+      </dgm:t>
+    </dgm:pt>
+    <dgm:pt modelId="{CC53EA35-9A10-40E1-B57D-DBB3FF729B4B}">
+      <dgm:prSet custT="1"/>
+      <dgm:spPr/>
+      <dgm:t>
+        <a:bodyPr/>
+        <a:lstStyle/>
+        <a:p>
+          <a:pPr rtl="0"/>
+          <a:r>
+            <a:rPr lang="en-US" sz="2200" b="1" dirty="0" smtClean="0"/>
+            <a:t>Ensemble</a:t>
+          </a:r>
+        </a:p>
+        <a:p>
+          <a:pPr rtl="0"/>
+          <a:r>
+            <a:rPr lang="en-US" sz="1800" b="0" dirty="0" smtClean="0"/>
+            <a:t>Combining to improve accuracy</a:t>
+          </a:r>
+          <a:endParaRPr lang="en-US" sz="1800" b="0" dirty="0"/>
+        </a:p>
+      </dgm:t>
+    </dgm:pt>
+    <dgm:pt modelId="{7473E706-C130-4226-87F2-E2B69967DB80}" type="parTrans" cxnId="{DE567F2B-F516-454C-BDA1-1917C12DE27C}">
+      <dgm:prSet/>
+      <dgm:spPr/>
+      <dgm:t>
+        <a:bodyPr/>
+        <a:lstStyle/>
+        <a:p>
+          <a:endParaRPr lang="en-US"/>
+        </a:p>
+      </dgm:t>
+    </dgm:pt>
+    <dgm:pt modelId="{CE7E6170-8FF8-4E65-ABDC-0DFB3C5EDA57}" type="sibTrans" cxnId="{DE567F2B-F516-454C-BDA1-1917C12DE27C}">
+      <dgm:prSet/>
+      <dgm:spPr/>
+      <dgm:t>
+        <a:bodyPr/>
+        <a:lstStyle/>
+        <a:p>
+          <a:endParaRPr lang="en-US"/>
+        </a:p>
+      </dgm:t>
+    </dgm:pt>
+    <dgm:pt modelId="{6F2D4DEF-43E4-4A55-A8EA-0364C1D87268}" type="pres">
+      <dgm:prSet presAssocID="{BD184F49-EE85-4550-9349-D2B58DFC2B91}" presName="Name0" presStyleCnt="0">
+        <dgm:presLayoutVars>
+          <dgm:dir/>
+          <dgm:resizeHandles val="exact"/>
+        </dgm:presLayoutVars>
+      </dgm:prSet>
+      <dgm:spPr/>
+      <dgm:t>
+        <a:bodyPr/>
+        <a:lstStyle/>
+        <a:p>
+          <a:endParaRPr lang="en-US"/>
+        </a:p>
+      </dgm:t>
+    </dgm:pt>
+    <dgm:pt modelId="{F8158230-8F0E-4B14-A572-26FDE7E1A154}" type="pres">
+      <dgm:prSet presAssocID="{BD184F49-EE85-4550-9349-D2B58DFC2B91}" presName="fgShape" presStyleLbl="fgShp" presStyleIdx="0" presStyleCnt="1"/>
+      <dgm:spPr/>
+    </dgm:pt>
+    <dgm:pt modelId="{80ACBB7D-E8DF-42E7-9787-782A371A4917}" type="pres">
+      <dgm:prSet presAssocID="{BD184F49-EE85-4550-9349-D2B58DFC2B91}" presName="linComp" presStyleCnt="0"/>
+      <dgm:spPr/>
+    </dgm:pt>
+    <dgm:pt modelId="{6F45BDAB-C39E-42DC-BF8C-F6D75BD8318B}" type="pres">
+      <dgm:prSet presAssocID="{414B9204-E980-4E00-AFB2-E47DE6C2DCE9}" presName="compNode" presStyleCnt="0"/>
+      <dgm:spPr/>
+    </dgm:pt>
+    <dgm:pt modelId="{C70A22DA-C0EF-4641-ADDF-CF2DE72585A8}" type="pres">
+      <dgm:prSet presAssocID="{414B9204-E980-4E00-AFB2-E47DE6C2DCE9}" presName="bkgdShape" presStyleLbl="node1" presStyleIdx="0" presStyleCnt="5" custLinFactNeighborY="-282"/>
+      <dgm:spPr/>
+      <dgm:t>
+        <a:bodyPr/>
+        <a:lstStyle/>
+        <a:p>
+          <a:endParaRPr lang="en-US"/>
+        </a:p>
+      </dgm:t>
+    </dgm:pt>
+    <dgm:pt modelId="{4B7BF68D-56AC-4BE4-BC17-F94187B1976C}" type="pres">
+      <dgm:prSet presAssocID="{414B9204-E980-4E00-AFB2-E47DE6C2DCE9}" presName="nodeTx" presStyleLbl="node1" presStyleIdx="0" presStyleCnt="5">
+        <dgm:presLayoutVars>
+          <dgm:bulletEnabled val="1"/>
+        </dgm:presLayoutVars>
+      </dgm:prSet>
+      <dgm:spPr/>
+      <dgm:t>
+        <a:bodyPr/>
+        <a:lstStyle/>
+        <a:p>
+          <a:endParaRPr lang="en-US"/>
+        </a:p>
+      </dgm:t>
+    </dgm:pt>
+    <dgm:pt modelId="{ECA621D4-0D2E-45E0-A4DE-63840887C590}" type="pres">
+      <dgm:prSet presAssocID="{414B9204-E980-4E00-AFB2-E47DE6C2DCE9}" presName="invisiNode" presStyleLbl="node1" presStyleIdx="0" presStyleCnt="5"/>
+      <dgm:spPr/>
+    </dgm:pt>
+    <dgm:pt modelId="{28230659-BA2A-4029-BAB1-163192474501}" type="pres">
+      <dgm:prSet presAssocID="{414B9204-E980-4E00-AFB2-E47DE6C2DCE9}" presName="imagNode" presStyleLbl="fgImgPlace1" presStyleIdx="0" presStyleCnt="5" custLinFactNeighborX="-846" custLinFactNeighborY="-8458"/>
+      <dgm:spPr>
+        <a:blipFill>
+          <a:blip xmlns:r="http://schemas.openxmlformats.org/officeDocument/2006/relationships" r:embed="rId1" cstate="print">
+            <a:extLst>
+              <a:ext uri="{28A0092B-C50C-407E-A947-70E740481C1C}">
+                <a14:useLocalDpi xmlns:a14="http://schemas.microsoft.com/office/drawing/2010/main" val="0"/>
+              </a:ext>
+            </a:extLst>
+          </a:blip>
+          <a:srcRect/>
+          <a:stretch>
+            <a:fillRect/>
+          </a:stretch>
+        </a:blipFill>
+      </dgm:spPr>
+    </dgm:pt>
+    <dgm:pt modelId="{F3606AD4-AFEB-4093-A2A1-43D66DF5E5EA}" type="pres">
+      <dgm:prSet presAssocID="{4AAF2C31-F7A8-4AEA-9C4D-A0DD12377344}" presName="sibTrans" presStyleLbl="sibTrans2D1" presStyleIdx="0" presStyleCnt="0"/>
+      <dgm:spPr/>
+      <dgm:t>
+        <a:bodyPr/>
+        <a:lstStyle/>
+        <a:p>
+          <a:endParaRPr lang="en-US"/>
+        </a:p>
+      </dgm:t>
+    </dgm:pt>
+    <dgm:pt modelId="{5DA3A268-1E12-459E-89FA-BDB60F4D85D1}" type="pres">
+      <dgm:prSet presAssocID="{C6F30142-6FD0-4D4A-8CAC-7402FE872883}" presName="compNode" presStyleCnt="0"/>
+      <dgm:spPr/>
+    </dgm:pt>
+    <dgm:pt modelId="{B1E0468A-CE1C-4C36-B406-33B45DB34CCE}" type="pres">
+      <dgm:prSet presAssocID="{C6F30142-6FD0-4D4A-8CAC-7402FE872883}" presName="bkgdShape" presStyleLbl="node1" presStyleIdx="1" presStyleCnt="5"/>
+      <dgm:spPr/>
+      <dgm:t>
+        <a:bodyPr/>
+        <a:lstStyle/>
+        <a:p>
+          <a:endParaRPr lang="en-US"/>
+        </a:p>
+      </dgm:t>
+    </dgm:pt>
+    <dgm:pt modelId="{D99BC554-3C1D-4924-BAD0-9910EE6720BF}" type="pres">
+      <dgm:prSet presAssocID="{C6F30142-6FD0-4D4A-8CAC-7402FE872883}" presName="nodeTx" presStyleLbl="node1" presStyleIdx="1" presStyleCnt="5">
+        <dgm:presLayoutVars>
+          <dgm:bulletEnabled val="1"/>
+        </dgm:presLayoutVars>
+      </dgm:prSet>
+      <dgm:spPr/>
+      <dgm:t>
+        <a:bodyPr/>
+        <a:lstStyle/>
+        <a:p>
+          <a:endParaRPr lang="en-US"/>
+        </a:p>
+      </dgm:t>
+    </dgm:pt>
+    <dgm:pt modelId="{F6EB6D87-EF8A-4C2B-969E-098609E53EE4}" type="pres">
+      <dgm:prSet presAssocID="{C6F30142-6FD0-4D4A-8CAC-7402FE872883}" presName="invisiNode" presStyleLbl="node1" presStyleIdx="1" presStyleCnt="5"/>
+      <dgm:spPr/>
+    </dgm:pt>
+    <dgm:pt modelId="{D9653721-9A5F-43DE-BD8F-0D7647A74575}" type="pres">
+      <dgm:prSet presAssocID="{C6F30142-6FD0-4D4A-8CAC-7402FE872883}" presName="imagNode" presStyleLbl="fgImgPlace1" presStyleIdx="1" presStyleCnt="5" custLinFactNeighborY="-8458"/>
+      <dgm:spPr>
+        <a:blipFill>
+          <a:blip xmlns:r="http://schemas.openxmlformats.org/officeDocument/2006/relationships" r:embed="rId2" cstate="print">
+            <a:extLst>
+              <a:ext uri="{28A0092B-C50C-407E-A947-70E740481C1C}">
+                <a14:useLocalDpi xmlns:a14="http://schemas.microsoft.com/office/drawing/2010/main" val="0"/>
+              </a:ext>
+            </a:extLst>
+          </a:blip>
+          <a:srcRect/>
+          <a:stretch>
+            <a:fillRect l="-4000" r="-4000"/>
+          </a:stretch>
+        </a:blipFill>
+      </dgm:spPr>
+    </dgm:pt>
+    <dgm:pt modelId="{201E8200-A4C3-47B1-ABFC-4E2B7D226653}" type="pres">
+      <dgm:prSet presAssocID="{F4A9BB30-46B5-4CC1-BCD9-00665ADE7E2C}" presName="sibTrans" presStyleLbl="sibTrans2D1" presStyleIdx="0" presStyleCnt="0"/>
+      <dgm:spPr/>
+      <dgm:t>
+        <a:bodyPr/>
+        <a:lstStyle/>
+        <a:p>
+          <a:endParaRPr lang="en-US"/>
+        </a:p>
+      </dgm:t>
+    </dgm:pt>
+    <dgm:pt modelId="{6BFD70E9-55BC-4A46-B48B-AAEDFB5ED688}" type="pres">
+      <dgm:prSet presAssocID="{4B39F420-B0C7-4E57-ADCB-8D467BB3462D}" presName="compNode" presStyleCnt="0"/>
+      <dgm:spPr/>
+    </dgm:pt>
+    <dgm:pt modelId="{D2298ECB-8B33-4216-B266-F57F73D60F6D}" type="pres">
+      <dgm:prSet presAssocID="{4B39F420-B0C7-4E57-ADCB-8D467BB3462D}" presName="bkgdShape" presStyleLbl="node1" presStyleIdx="2" presStyleCnt="5"/>
+      <dgm:spPr/>
+      <dgm:t>
+        <a:bodyPr/>
+        <a:lstStyle/>
+        <a:p>
+          <a:endParaRPr lang="en-US"/>
+        </a:p>
+      </dgm:t>
+    </dgm:pt>
+    <dgm:pt modelId="{A7049139-605B-4DC7-9999-20CF945FE978}" type="pres">
+      <dgm:prSet presAssocID="{4B39F420-B0C7-4E57-ADCB-8D467BB3462D}" presName="nodeTx" presStyleLbl="node1" presStyleIdx="2" presStyleCnt="5">
+        <dgm:presLayoutVars>
+          <dgm:bulletEnabled val="1"/>
+        </dgm:presLayoutVars>
+      </dgm:prSet>
+      <dgm:spPr/>
+      <dgm:t>
+        <a:bodyPr/>
+        <a:lstStyle/>
+        <a:p>
+          <a:endParaRPr lang="en-US"/>
+        </a:p>
+      </dgm:t>
+    </dgm:pt>
+    <dgm:pt modelId="{C02371EE-FD1B-4385-B499-D483117ADE82}" type="pres">
+      <dgm:prSet presAssocID="{4B39F420-B0C7-4E57-ADCB-8D467BB3462D}" presName="invisiNode" presStyleLbl="node1" presStyleIdx="2" presStyleCnt="5"/>
+      <dgm:spPr/>
+    </dgm:pt>
+    <dgm:pt modelId="{38ABE68B-75BA-4CF9-A866-1832C640E97E}" type="pres">
+      <dgm:prSet presAssocID="{4B39F420-B0C7-4E57-ADCB-8D467BB3462D}" presName="imagNode" presStyleLbl="fgImgPlace1" presStyleIdx="2" presStyleCnt="5" custLinFactNeighborX="0" custLinFactNeighborY="-8458"/>
+      <dgm:spPr>
+        <a:blipFill>
+          <a:blip xmlns:r="http://schemas.openxmlformats.org/officeDocument/2006/relationships" r:embed="rId3" cstate="print">
+            <a:extLst>
+              <a:ext uri="{28A0092B-C50C-407E-A947-70E740481C1C}">
+                <a14:useLocalDpi xmlns:a14="http://schemas.microsoft.com/office/drawing/2010/main" val="0"/>
+              </a:ext>
+            </a:extLst>
+          </a:blip>
+          <a:srcRect/>
+          <a:stretch>
+            <a:fillRect/>
+          </a:stretch>
+        </a:blipFill>
+      </dgm:spPr>
+    </dgm:pt>
+    <dgm:pt modelId="{522C255D-73B9-42DD-9D45-5E43CB8D9FD4}" type="pres">
+      <dgm:prSet presAssocID="{D7FBC09D-5CEC-405B-8373-A45048881207}" presName="sibTrans" presStyleLbl="sibTrans2D1" presStyleIdx="0" presStyleCnt="0"/>
+      <dgm:spPr/>
+      <dgm:t>
+        <a:bodyPr/>
+        <a:lstStyle/>
+        <a:p>
+          <a:endParaRPr lang="en-US"/>
+        </a:p>
+      </dgm:t>
+    </dgm:pt>
+    <dgm:pt modelId="{B34A5E23-D83F-438F-8324-85F28E297F96}" type="pres">
+      <dgm:prSet presAssocID="{C7DF7031-BD8A-4EFA-A186-2C391430E07E}" presName="compNode" presStyleCnt="0"/>
+      <dgm:spPr/>
+    </dgm:pt>
+    <dgm:pt modelId="{6DB3B922-F101-4255-B2B0-93E47C87FBB2}" type="pres">
+      <dgm:prSet presAssocID="{C7DF7031-BD8A-4EFA-A186-2C391430E07E}" presName="bkgdShape" presStyleLbl="node1" presStyleIdx="3" presStyleCnt="5"/>
+      <dgm:spPr/>
+      <dgm:t>
+        <a:bodyPr/>
+        <a:lstStyle/>
+        <a:p>
+          <a:endParaRPr lang="en-US"/>
+        </a:p>
+      </dgm:t>
+    </dgm:pt>
+    <dgm:pt modelId="{9CBD29A1-1183-4E9A-8006-DADBF85CA9AD}" type="pres">
+      <dgm:prSet presAssocID="{C7DF7031-BD8A-4EFA-A186-2C391430E07E}" presName="nodeTx" presStyleLbl="node1" presStyleIdx="3" presStyleCnt="5">
+        <dgm:presLayoutVars>
+          <dgm:bulletEnabled val="1"/>
+        </dgm:presLayoutVars>
+      </dgm:prSet>
+      <dgm:spPr/>
+      <dgm:t>
+        <a:bodyPr/>
+        <a:lstStyle/>
+        <a:p>
+          <a:endParaRPr lang="en-US"/>
+        </a:p>
+      </dgm:t>
+    </dgm:pt>
+    <dgm:pt modelId="{601E9623-D1DA-47AE-9A15-8D533420463A}" type="pres">
+      <dgm:prSet presAssocID="{C7DF7031-BD8A-4EFA-A186-2C391430E07E}" presName="invisiNode" presStyleLbl="node1" presStyleIdx="3" presStyleCnt="5"/>
+      <dgm:spPr/>
+    </dgm:pt>
+    <dgm:pt modelId="{F26B04F5-4CB8-49F6-A1FF-86AADC47D124}" type="pres">
+      <dgm:prSet presAssocID="{C7DF7031-BD8A-4EFA-A186-2C391430E07E}" presName="imagNode" presStyleLbl="fgImgPlace1" presStyleIdx="3" presStyleCnt="5" custLinFactNeighborY="-8458"/>
+      <dgm:spPr>
+        <a:blipFill>
+          <a:blip xmlns:r="http://schemas.openxmlformats.org/officeDocument/2006/relationships" r:embed="rId4">
+            <a:extLst>
+              <a:ext uri="{28A0092B-C50C-407E-A947-70E740481C1C}">
+                <a14:useLocalDpi xmlns:a14="http://schemas.microsoft.com/office/drawing/2010/main" val="0"/>
+              </a:ext>
+            </a:extLst>
+          </a:blip>
+          <a:srcRect/>
+          <a:stretch>
+            <a:fillRect t="-11000" b="-11000"/>
+          </a:stretch>
+        </a:blipFill>
+      </dgm:spPr>
+      <dgm:t>
+        <a:bodyPr/>
+        <a:lstStyle/>
+        <a:p>
+          <a:endParaRPr lang="en-US"/>
+        </a:p>
+      </dgm:t>
+    </dgm:pt>
+    <dgm:pt modelId="{3F27B022-E73E-44B4-B436-263B436BEC1B}" type="pres">
+      <dgm:prSet presAssocID="{A41098A7-E7DB-4592-99D4-F4DBBA110DCB}" presName="sibTrans" presStyleLbl="sibTrans2D1" presStyleIdx="0" presStyleCnt="0"/>
+      <dgm:spPr/>
+      <dgm:t>
+        <a:bodyPr/>
+        <a:lstStyle/>
+        <a:p>
+          <a:endParaRPr lang="en-US"/>
+        </a:p>
+      </dgm:t>
+    </dgm:pt>
+    <dgm:pt modelId="{19EF5409-C098-4F0B-B415-43B637158AAD}" type="pres">
+      <dgm:prSet presAssocID="{CC53EA35-9A10-40E1-B57D-DBB3FF729B4B}" presName="compNode" presStyleCnt="0"/>
+      <dgm:spPr/>
+    </dgm:pt>
+    <dgm:pt modelId="{C3048B00-35CD-4873-B908-B22AD6A3D0A7}" type="pres">
+      <dgm:prSet presAssocID="{CC53EA35-9A10-40E1-B57D-DBB3FF729B4B}" presName="bkgdShape" presStyleLbl="node1" presStyleIdx="4" presStyleCnt="5"/>
+      <dgm:spPr/>
+      <dgm:t>
+        <a:bodyPr/>
+        <a:lstStyle/>
+        <a:p>
+          <a:endParaRPr lang="en-US"/>
+        </a:p>
+      </dgm:t>
+    </dgm:pt>
+    <dgm:pt modelId="{4F930828-9981-45AE-A336-1FFD8DB9730A}" type="pres">
+      <dgm:prSet presAssocID="{CC53EA35-9A10-40E1-B57D-DBB3FF729B4B}" presName="nodeTx" presStyleLbl="node1" presStyleIdx="4" presStyleCnt="5">
+        <dgm:presLayoutVars>
+          <dgm:bulletEnabled val="1"/>
+        </dgm:presLayoutVars>
+      </dgm:prSet>
+      <dgm:spPr/>
+      <dgm:t>
+        <a:bodyPr/>
+        <a:lstStyle/>
+        <a:p>
+          <a:endParaRPr lang="en-US"/>
+        </a:p>
+      </dgm:t>
+    </dgm:pt>
+    <dgm:pt modelId="{6F036534-4B60-4BBF-A23F-8DB6C5E378FB}" type="pres">
+      <dgm:prSet presAssocID="{CC53EA35-9A10-40E1-B57D-DBB3FF729B4B}" presName="invisiNode" presStyleLbl="node1" presStyleIdx="4" presStyleCnt="5"/>
+      <dgm:spPr/>
+    </dgm:pt>
+    <dgm:pt modelId="{CC397926-D522-4218-8344-C3FC25EBBA03}" type="pres">
+      <dgm:prSet presAssocID="{CC53EA35-9A10-40E1-B57D-DBB3FF729B4B}" presName="imagNode" presStyleLbl="fgImgPlace1" presStyleIdx="4" presStyleCnt="5" custLinFactNeighborX="-846" custLinFactNeighborY="-8458"/>
+      <dgm:spPr>
+        <a:blipFill>
+          <a:blip xmlns:r="http://schemas.openxmlformats.org/officeDocument/2006/relationships" r:embed="rId5" cstate="print">
+            <a:extLst>
+              <a:ext uri="{28A0092B-C50C-407E-A947-70E740481C1C}">
+                <a14:useLocalDpi xmlns:a14="http://schemas.microsoft.com/office/drawing/2010/main" val="0"/>
+              </a:ext>
+            </a:extLst>
+          </a:blip>
+          <a:srcRect/>
+          <a:stretch>
+            <a:fillRect l="-21000" r="-21000"/>
+          </a:stretch>
+        </a:blipFill>
+      </dgm:spPr>
+    </dgm:pt>
+  </dgm:ptLst>
+  <dgm:cxnLst>
+    <dgm:cxn modelId="{60DBE6D8-6CB6-4895-BEFD-EBF6F95CD55D}" type="presOf" srcId="{F4A9BB30-46B5-4CC1-BCD9-00665ADE7E2C}" destId="{201E8200-A4C3-47B1-ABFC-4E2B7D226653}" srcOrd="0" destOrd="0" presId="urn:microsoft.com/office/officeart/2005/8/layout/hList7"/>
+    <dgm:cxn modelId="{5D8390F1-1D7D-4AE9-A34A-3563AA943D0F}" type="presOf" srcId="{4B39F420-B0C7-4E57-ADCB-8D467BB3462D}" destId="{D2298ECB-8B33-4216-B266-F57F73D60F6D}" srcOrd="0" destOrd="0" presId="urn:microsoft.com/office/officeart/2005/8/layout/hList7"/>
+    <dgm:cxn modelId="{628E9394-8F75-42A6-891D-ADEDE0D1A9FA}" type="presOf" srcId="{4AAF2C31-F7A8-4AEA-9C4D-A0DD12377344}" destId="{F3606AD4-AFEB-4093-A2A1-43D66DF5E5EA}" srcOrd="0" destOrd="0" presId="urn:microsoft.com/office/officeart/2005/8/layout/hList7"/>
+    <dgm:cxn modelId="{64E14C44-0B65-4DF8-9CCF-FB23E7DF470B}" type="presOf" srcId="{D7FBC09D-5CEC-405B-8373-A45048881207}" destId="{522C255D-73B9-42DD-9D45-5E43CB8D9FD4}" srcOrd="0" destOrd="0" presId="urn:microsoft.com/office/officeart/2005/8/layout/hList7"/>
+    <dgm:cxn modelId="{8F050817-A4B2-417C-80FF-26FAFA7362C4}" srcId="{BD184F49-EE85-4550-9349-D2B58DFC2B91}" destId="{4B39F420-B0C7-4E57-ADCB-8D467BB3462D}" srcOrd="2" destOrd="0" parTransId="{955535E3-5537-4450-94A6-80BF7A361DC2}" sibTransId="{D7FBC09D-5CEC-405B-8373-A45048881207}"/>
+    <dgm:cxn modelId="{0533C033-C07F-48B7-B6FA-725992835D21}" type="presOf" srcId="{4B39F420-B0C7-4E57-ADCB-8D467BB3462D}" destId="{A7049139-605B-4DC7-9999-20CF945FE978}" srcOrd="1" destOrd="0" presId="urn:microsoft.com/office/officeart/2005/8/layout/hList7"/>
+    <dgm:cxn modelId="{C6E99E47-9C0C-44B8-B6B3-35986B7D8778}" srcId="{BD184F49-EE85-4550-9349-D2B58DFC2B91}" destId="{C6F30142-6FD0-4D4A-8CAC-7402FE872883}" srcOrd="1" destOrd="0" parTransId="{448E0F8B-599F-41E1-9645-C20B11A80480}" sibTransId="{F4A9BB30-46B5-4CC1-BCD9-00665ADE7E2C}"/>
+    <dgm:cxn modelId="{6FB4C389-9513-4C2E-8AD2-25E3527CC99B}" type="presOf" srcId="{C6F30142-6FD0-4D4A-8CAC-7402FE872883}" destId="{B1E0468A-CE1C-4C36-B406-33B45DB34CCE}" srcOrd="0" destOrd="0" presId="urn:microsoft.com/office/officeart/2005/8/layout/hList7"/>
+    <dgm:cxn modelId="{1B2A351D-439B-49AF-A4F2-64B401C37EC3}" type="presOf" srcId="{A41098A7-E7DB-4592-99D4-F4DBBA110DCB}" destId="{3F27B022-E73E-44B4-B436-263B436BEC1B}" srcOrd="0" destOrd="0" presId="urn:microsoft.com/office/officeart/2005/8/layout/hList7"/>
+    <dgm:cxn modelId="{A32F05A2-E228-4397-92DE-782744EE1CDA}" srcId="{BD184F49-EE85-4550-9349-D2B58DFC2B91}" destId="{C7DF7031-BD8A-4EFA-A186-2C391430E07E}" srcOrd="3" destOrd="0" parTransId="{ED6E20E1-D684-4116-8C3C-B3B7DD47CB8A}" sibTransId="{A41098A7-E7DB-4592-99D4-F4DBBA110DCB}"/>
+    <dgm:cxn modelId="{C2BC0D53-068C-4B40-B4AD-F433AD67E940}" type="presOf" srcId="{414B9204-E980-4E00-AFB2-E47DE6C2DCE9}" destId="{C70A22DA-C0EF-4641-ADDF-CF2DE72585A8}" srcOrd="0" destOrd="0" presId="urn:microsoft.com/office/officeart/2005/8/layout/hList7"/>
+    <dgm:cxn modelId="{D41608FA-AADC-414F-9C3F-9CC73C48587B}" type="presOf" srcId="{414B9204-E980-4E00-AFB2-E47DE6C2DCE9}" destId="{4B7BF68D-56AC-4BE4-BC17-F94187B1976C}" srcOrd="1" destOrd="0" presId="urn:microsoft.com/office/officeart/2005/8/layout/hList7"/>
+    <dgm:cxn modelId="{DE567F2B-F516-454C-BDA1-1917C12DE27C}" srcId="{BD184F49-EE85-4550-9349-D2B58DFC2B91}" destId="{CC53EA35-9A10-40E1-B57D-DBB3FF729B4B}" srcOrd="4" destOrd="0" parTransId="{7473E706-C130-4226-87F2-E2B69967DB80}" sibTransId="{CE7E6170-8FF8-4E65-ABDC-0DFB3C5EDA57}"/>
+    <dgm:cxn modelId="{91966CF5-51FB-4740-B2A4-AE97CF04E40D}" type="presOf" srcId="{C7DF7031-BD8A-4EFA-A186-2C391430E07E}" destId="{9CBD29A1-1183-4E9A-8006-DADBF85CA9AD}" srcOrd="1" destOrd="0" presId="urn:microsoft.com/office/officeart/2005/8/layout/hList7"/>
+    <dgm:cxn modelId="{89516861-F374-44CB-9078-2E3D59E7A7E3}" type="presOf" srcId="{C7DF7031-BD8A-4EFA-A186-2C391430E07E}" destId="{6DB3B922-F101-4255-B2B0-93E47C87FBB2}" srcOrd="0" destOrd="0" presId="urn:microsoft.com/office/officeart/2005/8/layout/hList7"/>
+    <dgm:cxn modelId="{5C7E1B41-DF98-4C89-9224-269BC421A282}" type="presOf" srcId="{CC53EA35-9A10-40E1-B57D-DBB3FF729B4B}" destId="{C3048B00-35CD-4873-B908-B22AD6A3D0A7}" srcOrd="0" destOrd="0" presId="urn:microsoft.com/office/officeart/2005/8/layout/hList7"/>
+    <dgm:cxn modelId="{2A0059B9-AE51-4C17-BFE6-F36331684912}" type="presOf" srcId="{C6F30142-6FD0-4D4A-8CAC-7402FE872883}" destId="{D99BC554-3C1D-4924-BAD0-9910EE6720BF}" srcOrd="1" destOrd="0" presId="urn:microsoft.com/office/officeart/2005/8/layout/hList7"/>
+    <dgm:cxn modelId="{5859C7C2-0C54-4ABB-851A-433A783361A7}" srcId="{BD184F49-EE85-4550-9349-D2B58DFC2B91}" destId="{414B9204-E980-4E00-AFB2-E47DE6C2DCE9}" srcOrd="0" destOrd="0" parTransId="{159310F2-EC60-44F3-ADF8-BB4533355248}" sibTransId="{4AAF2C31-F7A8-4AEA-9C4D-A0DD12377344}"/>
+    <dgm:cxn modelId="{CF719848-F3C2-4DF4-8038-A84496AC73B9}" type="presOf" srcId="{CC53EA35-9A10-40E1-B57D-DBB3FF729B4B}" destId="{4F930828-9981-45AE-A336-1FFD8DB9730A}" srcOrd="1" destOrd="0" presId="urn:microsoft.com/office/officeart/2005/8/layout/hList7"/>
+    <dgm:cxn modelId="{C517568C-7D02-4466-B7FA-58029DC595BB}" type="presOf" srcId="{BD184F49-EE85-4550-9349-D2B58DFC2B91}" destId="{6F2D4DEF-43E4-4A55-A8EA-0364C1D87268}" srcOrd="0" destOrd="0" presId="urn:microsoft.com/office/officeart/2005/8/layout/hList7"/>
+    <dgm:cxn modelId="{2AF83085-7487-496A-AA22-1B9E9B0FFEA0}" type="presParOf" srcId="{6F2D4DEF-43E4-4A55-A8EA-0364C1D87268}" destId="{F8158230-8F0E-4B14-A572-26FDE7E1A154}" srcOrd="0" destOrd="0" presId="urn:microsoft.com/office/officeart/2005/8/layout/hList7"/>
+    <dgm:cxn modelId="{B84A7B0F-BAC0-43C3-9D05-A1E2E674B72D}" type="presParOf" srcId="{6F2D4DEF-43E4-4A55-A8EA-0364C1D87268}" destId="{80ACBB7D-E8DF-42E7-9787-782A371A4917}" srcOrd="1" destOrd="0" presId="urn:microsoft.com/office/officeart/2005/8/layout/hList7"/>
+    <dgm:cxn modelId="{B4E55488-AD27-49A9-9E58-AE6632F2DABF}" type="presParOf" srcId="{80ACBB7D-E8DF-42E7-9787-782A371A4917}" destId="{6F45BDAB-C39E-42DC-BF8C-F6D75BD8318B}" srcOrd="0" destOrd="0" presId="urn:microsoft.com/office/officeart/2005/8/layout/hList7"/>
+    <dgm:cxn modelId="{28FE622F-769E-4DA5-9564-A487AE34A206}" type="presParOf" srcId="{6F45BDAB-C39E-42DC-BF8C-F6D75BD8318B}" destId="{C70A22DA-C0EF-4641-ADDF-CF2DE72585A8}" srcOrd="0" destOrd="0" presId="urn:microsoft.com/office/officeart/2005/8/layout/hList7"/>
+    <dgm:cxn modelId="{7845E015-4D8E-497D-9296-D1EF7B3288EA}" type="presParOf" srcId="{6F45BDAB-C39E-42DC-BF8C-F6D75BD8318B}" destId="{4B7BF68D-56AC-4BE4-BC17-F94187B1976C}" srcOrd="1" destOrd="0" presId="urn:microsoft.com/office/officeart/2005/8/layout/hList7"/>
+    <dgm:cxn modelId="{1E604178-C364-4FFD-A946-7631656F69E9}" type="presParOf" srcId="{6F45BDAB-C39E-42DC-BF8C-F6D75BD8318B}" destId="{ECA621D4-0D2E-45E0-A4DE-63840887C590}" srcOrd="2" destOrd="0" presId="urn:microsoft.com/office/officeart/2005/8/layout/hList7"/>
+    <dgm:cxn modelId="{8E84D0CD-9301-494B-9DD3-10C18460F92F}" type="presParOf" srcId="{6F45BDAB-C39E-42DC-BF8C-F6D75BD8318B}" destId="{28230659-BA2A-4029-BAB1-163192474501}" srcOrd="3" destOrd="0" presId="urn:microsoft.com/office/officeart/2005/8/layout/hList7"/>
+    <dgm:cxn modelId="{B36B8B64-93A1-42C8-825A-B086DCE22336}" type="presParOf" srcId="{80ACBB7D-E8DF-42E7-9787-782A371A4917}" destId="{F3606AD4-AFEB-4093-A2A1-43D66DF5E5EA}" srcOrd="1" destOrd="0" presId="urn:microsoft.com/office/officeart/2005/8/layout/hList7"/>
+    <dgm:cxn modelId="{5CFD976C-BD20-4623-AA1C-ED9D2B4C16A9}" type="presParOf" srcId="{80ACBB7D-E8DF-42E7-9787-782A371A4917}" destId="{5DA3A268-1E12-459E-89FA-BDB60F4D85D1}" srcOrd="2" destOrd="0" presId="urn:microsoft.com/office/officeart/2005/8/layout/hList7"/>
+    <dgm:cxn modelId="{91675A7E-0EB9-4CCE-A287-F10321D707C3}" type="presParOf" srcId="{5DA3A268-1E12-459E-89FA-BDB60F4D85D1}" destId="{B1E0468A-CE1C-4C36-B406-33B45DB34CCE}" srcOrd="0" destOrd="0" presId="urn:microsoft.com/office/officeart/2005/8/layout/hList7"/>
+    <dgm:cxn modelId="{14249337-A22C-4BD6-9C1E-4EAEBED49B81}" type="presParOf" srcId="{5DA3A268-1E12-459E-89FA-BDB60F4D85D1}" destId="{D99BC554-3C1D-4924-BAD0-9910EE6720BF}" srcOrd="1" destOrd="0" presId="urn:microsoft.com/office/officeart/2005/8/layout/hList7"/>
+    <dgm:cxn modelId="{FA4B7A4E-1D35-4283-963C-2F4B056EFD35}" type="presParOf" srcId="{5DA3A268-1E12-459E-89FA-BDB60F4D85D1}" destId="{F6EB6D87-EF8A-4C2B-969E-098609E53EE4}" srcOrd="2" destOrd="0" presId="urn:microsoft.com/office/officeart/2005/8/layout/hList7"/>
+    <dgm:cxn modelId="{01894DF6-21E5-46CE-A39E-DF43C8AD8CED}" type="presParOf" srcId="{5DA3A268-1E12-459E-89FA-BDB60F4D85D1}" destId="{D9653721-9A5F-43DE-BD8F-0D7647A74575}" srcOrd="3" destOrd="0" presId="urn:microsoft.com/office/officeart/2005/8/layout/hList7"/>
+    <dgm:cxn modelId="{9FC54D46-62A9-4753-83C7-0E74251E822C}" type="presParOf" srcId="{80ACBB7D-E8DF-42E7-9787-782A371A4917}" destId="{201E8200-A4C3-47B1-ABFC-4E2B7D226653}" srcOrd="3" destOrd="0" presId="urn:microsoft.com/office/officeart/2005/8/layout/hList7"/>
+    <dgm:cxn modelId="{68365503-23E3-4C03-AA28-ED6C51DF88CF}" type="presParOf" srcId="{80ACBB7D-E8DF-42E7-9787-782A371A4917}" destId="{6BFD70E9-55BC-4A46-B48B-AAEDFB5ED688}" srcOrd="4" destOrd="0" presId="urn:microsoft.com/office/officeart/2005/8/layout/hList7"/>
+    <dgm:cxn modelId="{37A43847-D03E-4F32-80C5-49809C7D3A43}" type="presParOf" srcId="{6BFD70E9-55BC-4A46-B48B-AAEDFB5ED688}" destId="{D2298ECB-8B33-4216-B266-F57F73D60F6D}" srcOrd="0" destOrd="0" presId="urn:microsoft.com/office/officeart/2005/8/layout/hList7"/>
+    <dgm:cxn modelId="{476C1611-4D1C-4494-AE86-3967BB1C5A72}" type="presParOf" srcId="{6BFD70E9-55BC-4A46-B48B-AAEDFB5ED688}" destId="{A7049139-605B-4DC7-9999-20CF945FE978}" srcOrd="1" destOrd="0" presId="urn:microsoft.com/office/officeart/2005/8/layout/hList7"/>
+    <dgm:cxn modelId="{A3B8B77F-EC7B-4ED2-8E6E-AE6A55165287}" type="presParOf" srcId="{6BFD70E9-55BC-4A46-B48B-AAEDFB5ED688}" destId="{C02371EE-FD1B-4385-B499-D483117ADE82}" srcOrd="2" destOrd="0" presId="urn:microsoft.com/office/officeart/2005/8/layout/hList7"/>
+    <dgm:cxn modelId="{C1B0CF48-38C1-41D7-9A63-7E2B700CE802}" type="presParOf" srcId="{6BFD70E9-55BC-4A46-B48B-AAEDFB5ED688}" destId="{38ABE68B-75BA-4CF9-A866-1832C640E97E}" srcOrd="3" destOrd="0" presId="urn:microsoft.com/office/officeart/2005/8/layout/hList7"/>
+    <dgm:cxn modelId="{35A5D55E-AFAB-4855-975F-CBBBE266DA4E}" type="presParOf" srcId="{80ACBB7D-E8DF-42E7-9787-782A371A4917}" destId="{522C255D-73B9-42DD-9D45-5E43CB8D9FD4}" srcOrd="5" destOrd="0" presId="urn:microsoft.com/office/officeart/2005/8/layout/hList7"/>
+    <dgm:cxn modelId="{7BD4944D-7063-40FB-AF28-205C0DDDA17E}" type="presParOf" srcId="{80ACBB7D-E8DF-42E7-9787-782A371A4917}" destId="{B34A5E23-D83F-438F-8324-85F28E297F96}" srcOrd="6" destOrd="0" presId="urn:microsoft.com/office/officeart/2005/8/layout/hList7"/>
+    <dgm:cxn modelId="{B3E14240-6140-4AC6-980D-6D75F3081C86}" type="presParOf" srcId="{B34A5E23-D83F-438F-8324-85F28E297F96}" destId="{6DB3B922-F101-4255-B2B0-93E47C87FBB2}" srcOrd="0" destOrd="0" presId="urn:microsoft.com/office/officeart/2005/8/layout/hList7"/>
+    <dgm:cxn modelId="{4E71A8C5-0F18-4EC4-AA73-D1BD12655BE4}" type="presParOf" srcId="{B34A5E23-D83F-438F-8324-85F28E297F96}" destId="{9CBD29A1-1183-4E9A-8006-DADBF85CA9AD}" srcOrd="1" destOrd="0" presId="urn:microsoft.com/office/officeart/2005/8/layout/hList7"/>
+    <dgm:cxn modelId="{43A5F118-2958-41EB-B0EA-82BCE8B240D0}" type="presParOf" srcId="{B34A5E23-D83F-438F-8324-85F28E297F96}" destId="{601E9623-D1DA-47AE-9A15-8D533420463A}" srcOrd="2" destOrd="0" presId="urn:microsoft.com/office/officeart/2005/8/layout/hList7"/>
+    <dgm:cxn modelId="{23B2B216-F3C0-47F5-8CA0-3B2A1261E2EB}" type="presParOf" srcId="{B34A5E23-D83F-438F-8324-85F28E297F96}" destId="{F26B04F5-4CB8-49F6-A1FF-86AADC47D124}" srcOrd="3" destOrd="0" presId="urn:microsoft.com/office/officeart/2005/8/layout/hList7"/>
+    <dgm:cxn modelId="{8BCD39B9-0D04-4205-81F4-B38ACC58E7FA}" type="presParOf" srcId="{80ACBB7D-E8DF-42E7-9787-782A371A4917}" destId="{3F27B022-E73E-44B4-B436-263B436BEC1B}" srcOrd="7" destOrd="0" presId="urn:microsoft.com/office/officeart/2005/8/layout/hList7"/>
+    <dgm:cxn modelId="{1720F612-2438-4E17-AF13-9A661D8FECB7}" type="presParOf" srcId="{80ACBB7D-E8DF-42E7-9787-782A371A4917}" destId="{19EF5409-C098-4F0B-B415-43B637158AAD}" srcOrd="8" destOrd="0" presId="urn:microsoft.com/office/officeart/2005/8/layout/hList7"/>
+    <dgm:cxn modelId="{AF2D5080-8C7D-44AF-8F3B-0949A0FD136C}" type="presParOf" srcId="{19EF5409-C098-4F0B-B415-43B637158AAD}" destId="{C3048B00-35CD-4873-B908-B22AD6A3D0A7}" srcOrd="0" destOrd="0" presId="urn:microsoft.com/office/officeart/2005/8/layout/hList7"/>
+    <dgm:cxn modelId="{A653B479-4192-4C00-8686-D9F2D738AE1A}" type="presParOf" srcId="{19EF5409-C098-4F0B-B415-43B637158AAD}" destId="{4F930828-9981-45AE-A336-1FFD8DB9730A}" srcOrd="1" destOrd="0" presId="urn:microsoft.com/office/officeart/2005/8/layout/hList7"/>
+    <dgm:cxn modelId="{B911C1D4-9D9F-4496-B224-8CD44903355F}" type="presParOf" srcId="{19EF5409-C098-4F0B-B415-43B637158AAD}" destId="{6F036534-4B60-4BBF-A23F-8DB6C5E378FB}" srcOrd="2" destOrd="0" presId="urn:microsoft.com/office/officeart/2005/8/layout/hList7"/>
+    <dgm:cxn modelId="{362DC107-D448-4EB0-A8B5-43FA34D45F7A}" type="presParOf" srcId="{19EF5409-C098-4F0B-B415-43B637158AAD}" destId="{CC397926-D522-4218-8344-C3FC25EBBA03}" srcOrd="3" destOrd="0" presId="urn:microsoft.com/office/officeart/2005/8/layout/hList7"/>
+  </dgm:cxnLst>
+  <dgm:bg/>
+  <dgm:whole/>
+  <dgm:extLst>
+    <a:ext uri="http://schemas.microsoft.com/office/drawing/2008/diagram">
+      <dsp:dataModelExt xmlns:dsp="http://schemas.microsoft.com/office/drawing/2008/diagram" relId="rId6" minVer="http://schemas.openxmlformats.org/drawingml/2006/diagram"/>
+    </a:ext>
+  </dgm:extLst>
+</dgm:dataModel>
+</file>
+
+<file path=ppt/diagrams/drawing1.xml><?xml version="1.0" encoding="utf-8"?>
+<dsp:drawing xmlns:dgm="http://schemas.openxmlformats.org/drawingml/2006/diagram" xmlns:dsp="http://schemas.microsoft.com/office/drawing/2008/diagram" xmlns:a="http://schemas.openxmlformats.org/drawingml/2006/main">
+  <dsp:spTree>
+    <dsp:nvGrpSpPr>
+      <dsp:cNvPr id="0" name=""/>
+      <dsp:cNvGrpSpPr/>
+    </dsp:nvGrpSpPr>
+    <dsp:grpSpPr/>
+    <dsp:sp modelId="{C70A22DA-C0EF-4641-ADDF-CF2DE72585A8}">
+      <dsp:nvSpPr>
+        <dsp:cNvPr id="0" name=""/>
+        <dsp:cNvSpPr/>
+      </dsp:nvSpPr>
+      <dsp:spPr>
+        <a:xfrm>
+          <a:off x="0" y="0"/>
+          <a:ext cx="2071687" cy="4636524"/>
+        </a:xfrm>
+        <a:prstGeom prst="roundRect">
+          <a:avLst>
+            <a:gd name="adj" fmla="val 10000"/>
+          </a:avLst>
+        </a:prstGeom>
+        <a:solidFill>
+          <a:schemeClr val="accent2">
+            <a:hueOff val="0"/>
+            <a:satOff val="0"/>
+            <a:lumOff val="0"/>
+            <a:alphaOff val="0"/>
+          </a:schemeClr>
+        </a:solidFill>
+        <a:ln w="19050" cap="flat" cmpd="sng" algn="ctr">
+          <a:solidFill>
+            <a:schemeClr val="lt1">
+              <a:hueOff val="0"/>
+              <a:satOff val="0"/>
+              <a:lumOff val="0"/>
+              <a:alphaOff val="0"/>
+            </a:schemeClr>
+          </a:solidFill>
+          <a:prstDash val="solid"/>
+        </a:ln>
+        <a:effectLst/>
+      </dsp:spPr>
+      <dsp:style>
+        <a:lnRef idx="3">
+          <a:scrgbClr r="0" g="0" b="0"/>
+        </a:lnRef>
+        <a:fillRef idx="1">
+          <a:scrgbClr r="0" g="0" b="0"/>
+        </a:fillRef>
+        <a:effectRef idx="1">
+          <a:scrgbClr r="0" g="0" b="0"/>
+        </a:effectRef>
+        <a:fontRef idx="minor">
+          <a:schemeClr val="lt1"/>
+        </a:fontRef>
+      </dsp:style>
+      <dsp:txBody>
+        <a:bodyPr spcFirstLastPara="0" vert="horz" wrap="square" lIns="170688" tIns="170688" rIns="170688" bIns="170688" numCol="1" spcCol="1270" anchor="ctr" anchorCtr="0">
+          <a:noAutofit/>
+        </a:bodyPr>
+        <a:lstStyle/>
+        <a:p>
+          <a:pPr lvl="0" algn="ctr" defTabSz="1066800" rtl="0">
+            <a:lnSpc>
+              <a:spcPct val="90000"/>
+            </a:lnSpc>
+            <a:spcBef>
+              <a:spcPct val="0"/>
+            </a:spcBef>
+            <a:spcAft>
+              <a:spcPct val="35000"/>
+            </a:spcAft>
+          </a:pPr>
+          <a:r>
+            <a:rPr lang="en-US" sz="2400" b="1" kern="1200" dirty="0" smtClean="0"/>
+            <a:t>Data preparation </a:t>
+          </a:r>
+          <a:endParaRPr lang="en-US" sz="2200" b="1" kern="1200" dirty="0" smtClean="0"/>
+        </a:p>
+        <a:p>
+          <a:pPr lvl="0" algn="ctr" defTabSz="1066800" rtl="0">
+            <a:lnSpc>
+              <a:spcPct val="90000"/>
+            </a:lnSpc>
+            <a:spcBef>
+              <a:spcPct val="0"/>
+            </a:spcBef>
+            <a:spcAft>
+              <a:spcPct val="35000"/>
+            </a:spcAft>
+          </a:pPr>
+          <a:r>
+            <a:rPr lang="en-US" sz="1800" kern="1200" dirty="0" smtClean="0"/>
+            <a:t>Analyzing and factoring data</a:t>
+          </a:r>
+          <a:endParaRPr lang="en-US" sz="1800" kern="1200" dirty="0"/>
+        </a:p>
+      </dsp:txBody>
+      <dsp:txXfrm>
+        <a:off x="0" y="1854609"/>
+        <a:ext cx="2071687" cy="1854609"/>
+      </dsp:txXfrm>
+    </dsp:sp>
+    <dsp:sp modelId="{28230659-BA2A-4029-BAB1-163192474501}">
+      <dsp:nvSpPr>
+        <dsp:cNvPr id="0" name=""/>
+        <dsp:cNvSpPr/>
+      </dsp:nvSpPr>
+      <dsp:spPr>
+        <a:xfrm>
+          <a:off x="250800" y="147603"/>
+          <a:ext cx="1543962" cy="1543962"/>
+        </a:xfrm>
+        <a:prstGeom prst="ellipse">
+          <a:avLst/>
+        </a:prstGeom>
+        <a:blipFill>
+          <a:blip xmlns:r="http://schemas.openxmlformats.org/officeDocument/2006/relationships" r:embed="rId1" cstate="print">
+            <a:extLst>
+              <a:ext uri="{28A0092B-C50C-407E-A947-70E740481C1C}">
+                <a14:useLocalDpi xmlns:a14="http://schemas.microsoft.com/office/drawing/2010/main" val="0"/>
+              </a:ext>
+            </a:extLst>
+          </a:blip>
+          <a:srcRect/>
+          <a:stretch>
+            <a:fillRect/>
+          </a:stretch>
+        </a:blipFill>
+        <a:ln w="19050" cap="flat" cmpd="sng" algn="ctr">
+          <a:solidFill>
+            <a:schemeClr val="lt1">
+              <a:hueOff val="0"/>
+              <a:satOff val="0"/>
+              <a:lumOff val="0"/>
+              <a:alphaOff val="0"/>
+            </a:schemeClr>
+          </a:solidFill>
+          <a:prstDash val="solid"/>
+        </a:ln>
+        <a:effectLst/>
+      </dsp:spPr>
+      <dsp:style>
+        <a:lnRef idx="3">
+          <a:scrgbClr r="0" g="0" b="0"/>
+        </a:lnRef>
+        <a:fillRef idx="1">
+          <a:scrgbClr r="0" g="0" b="0"/>
+        </a:fillRef>
+        <a:effectRef idx="1">
+          <a:scrgbClr r="0" g="0" b="0"/>
+        </a:effectRef>
+        <a:fontRef idx="minor"/>
+      </dsp:style>
+    </dsp:sp>
+    <dsp:sp modelId="{B1E0468A-CE1C-4C36-B406-33B45DB34CCE}">
+      <dsp:nvSpPr>
+        <dsp:cNvPr id="0" name=""/>
+        <dsp:cNvSpPr/>
+      </dsp:nvSpPr>
+      <dsp:spPr>
+        <a:xfrm>
+          <a:off x="2133838" y="0"/>
+          <a:ext cx="2071687" cy="4636524"/>
+        </a:xfrm>
+        <a:prstGeom prst="roundRect">
+          <a:avLst>
+            <a:gd name="adj" fmla="val 10000"/>
+          </a:avLst>
+        </a:prstGeom>
+        <a:solidFill>
+          <a:schemeClr val="accent3">
+            <a:hueOff val="0"/>
+            <a:satOff val="0"/>
+            <a:lumOff val="0"/>
+            <a:alphaOff val="0"/>
+          </a:schemeClr>
+        </a:solidFill>
+        <a:ln w="19050" cap="flat" cmpd="sng" algn="ctr">
+          <a:solidFill>
+            <a:schemeClr val="lt1">
+              <a:hueOff val="0"/>
+              <a:satOff val="0"/>
+              <a:lumOff val="0"/>
+              <a:alphaOff val="0"/>
+            </a:schemeClr>
+          </a:solidFill>
+          <a:prstDash val="solid"/>
+        </a:ln>
+        <a:effectLst/>
+      </dsp:spPr>
+      <dsp:style>
+        <a:lnRef idx="3">
+          <a:scrgbClr r="0" g="0" b="0"/>
+        </a:lnRef>
+        <a:fillRef idx="1">
+          <a:scrgbClr r="0" g="0" b="0"/>
+        </a:fillRef>
+        <a:effectRef idx="1">
+          <a:scrgbClr r="0" g="0" b="0"/>
+        </a:effectRef>
+        <a:fontRef idx="minor">
+          <a:schemeClr val="lt1"/>
+        </a:fontRef>
+      </dsp:style>
+      <dsp:txBody>
+        <a:bodyPr spcFirstLastPara="0" vert="horz" wrap="square" lIns="170688" tIns="170688" rIns="170688" bIns="170688" numCol="1" spcCol="1270" anchor="ctr" anchorCtr="0">
+          <a:noAutofit/>
+        </a:bodyPr>
+        <a:lstStyle/>
+        <a:p>
+          <a:pPr lvl="0" algn="ctr" defTabSz="1066800" rtl="0">
+            <a:lnSpc>
+              <a:spcPct val="90000"/>
+            </a:lnSpc>
+            <a:spcBef>
+              <a:spcPct val="0"/>
+            </a:spcBef>
+            <a:spcAft>
+              <a:spcPct val="35000"/>
+            </a:spcAft>
+          </a:pPr>
+          <a:r>
+            <a:rPr lang="en-US" sz="2400" b="1" kern="1200" dirty="0" smtClean="0"/>
+            <a:t>Algorithms</a:t>
+          </a:r>
+          <a:endParaRPr lang="en-US" sz="2200" b="1" kern="1200" dirty="0" smtClean="0"/>
+        </a:p>
+        <a:p>
+          <a:pPr lvl="0" algn="ctr" defTabSz="1066800" rtl="0">
+            <a:lnSpc>
+              <a:spcPct val="90000"/>
+            </a:lnSpc>
+            <a:spcBef>
+              <a:spcPct val="0"/>
+            </a:spcBef>
+            <a:spcAft>
+              <a:spcPct val="35000"/>
+            </a:spcAft>
+          </a:pPr>
+          <a:endParaRPr lang="en-US" sz="1800" kern="1200" dirty="0" smtClean="0"/>
+        </a:p>
+        <a:p>
+          <a:pPr lvl="0" algn="ctr" defTabSz="1066800" rtl="0">
+            <a:lnSpc>
+              <a:spcPct val="90000"/>
+            </a:lnSpc>
+            <a:spcBef>
+              <a:spcPct val="0"/>
+            </a:spcBef>
+            <a:spcAft>
+              <a:spcPct val="35000"/>
+            </a:spcAft>
+          </a:pPr>
+          <a:r>
+            <a:rPr lang="en-US" sz="1800" kern="1200" dirty="0" smtClean="0"/>
+            <a:t>Ability to solve</a:t>
+          </a:r>
+          <a:endParaRPr lang="en-US" sz="1800" kern="1200" dirty="0"/>
+        </a:p>
+      </dsp:txBody>
+      <dsp:txXfrm>
+        <a:off x="2133838" y="1854609"/>
+        <a:ext cx="2071687" cy="1854609"/>
+      </dsp:txXfrm>
+    </dsp:sp>
+    <dsp:sp modelId="{D9653721-9A5F-43DE-BD8F-0D7647A74575}">
+      <dsp:nvSpPr>
+        <dsp:cNvPr id="0" name=""/>
+        <dsp:cNvSpPr/>
+      </dsp:nvSpPr>
+      <dsp:spPr>
+        <a:xfrm>
+          <a:off x="2397700" y="147603"/>
+          <a:ext cx="1543962" cy="1543962"/>
+        </a:xfrm>
+        <a:prstGeom prst="ellipse">
+          <a:avLst/>
+        </a:prstGeom>
+        <a:blipFill>
+          <a:blip xmlns:r="http://schemas.openxmlformats.org/officeDocument/2006/relationships" r:embed="rId2" cstate="print">
+            <a:extLst>
+              <a:ext uri="{28A0092B-C50C-407E-A947-70E740481C1C}">
+                <a14:useLocalDpi xmlns:a14="http://schemas.microsoft.com/office/drawing/2010/main" val="0"/>
+              </a:ext>
+            </a:extLst>
+          </a:blip>
+          <a:srcRect/>
+          <a:stretch>
+            <a:fillRect l="-4000" r="-4000"/>
+          </a:stretch>
+        </a:blipFill>
+        <a:ln w="19050" cap="flat" cmpd="sng" algn="ctr">
+          <a:solidFill>
+            <a:schemeClr val="lt1">
+              <a:hueOff val="0"/>
+              <a:satOff val="0"/>
+              <a:lumOff val="0"/>
+              <a:alphaOff val="0"/>
+            </a:schemeClr>
+          </a:solidFill>
+          <a:prstDash val="solid"/>
+        </a:ln>
+        <a:effectLst/>
+      </dsp:spPr>
+      <dsp:style>
+        <a:lnRef idx="3">
+          <a:scrgbClr r="0" g="0" b="0"/>
+        </a:lnRef>
+        <a:fillRef idx="1">
+          <a:scrgbClr r="0" g="0" b="0"/>
+        </a:fillRef>
+        <a:effectRef idx="1">
+          <a:scrgbClr r="0" g="0" b="0"/>
+        </a:effectRef>
+        <a:fontRef idx="minor"/>
+      </dsp:style>
+    </dsp:sp>
+    <dsp:sp modelId="{D2298ECB-8B33-4216-B266-F57F73D60F6D}">
+      <dsp:nvSpPr>
+        <dsp:cNvPr id="0" name=""/>
+        <dsp:cNvSpPr/>
+      </dsp:nvSpPr>
+      <dsp:spPr>
+        <a:xfrm>
+          <a:off x="4267676" y="0"/>
+          <a:ext cx="2071687" cy="4636524"/>
+        </a:xfrm>
+        <a:prstGeom prst="roundRect">
+          <a:avLst>
+            <a:gd name="adj" fmla="val 10000"/>
+          </a:avLst>
+        </a:prstGeom>
+        <a:solidFill>
+          <a:schemeClr val="accent4">
+            <a:hueOff val="0"/>
+            <a:satOff val="0"/>
+            <a:lumOff val="0"/>
+            <a:alphaOff val="0"/>
+          </a:schemeClr>
+        </a:solidFill>
+        <a:ln w="19050" cap="flat" cmpd="sng" algn="ctr">
+          <a:solidFill>
+            <a:schemeClr val="lt1">
+              <a:hueOff val="0"/>
+              <a:satOff val="0"/>
+              <a:lumOff val="0"/>
+              <a:alphaOff val="0"/>
+            </a:schemeClr>
+          </a:solidFill>
+          <a:prstDash val="solid"/>
+        </a:ln>
+        <a:effectLst/>
+      </dsp:spPr>
+      <dsp:style>
+        <a:lnRef idx="3">
+          <a:scrgbClr r="0" g="0" b="0"/>
+        </a:lnRef>
+        <a:fillRef idx="1">
+          <a:scrgbClr r="0" g="0" b="0"/>
+        </a:fillRef>
+        <a:effectRef idx="1">
+          <a:scrgbClr r="0" g="0" b="0"/>
+        </a:effectRef>
+        <a:fontRef idx="minor">
+          <a:schemeClr val="lt1"/>
+        </a:fontRef>
+      </dsp:style>
+      <dsp:txBody>
+        <a:bodyPr spcFirstLastPara="0" vert="horz" wrap="square" lIns="170688" tIns="170688" rIns="170688" bIns="170688" numCol="1" spcCol="1270" anchor="ctr" anchorCtr="0">
+          <a:noAutofit/>
+        </a:bodyPr>
+        <a:lstStyle/>
+        <a:p>
+          <a:pPr lvl="0" algn="ctr" defTabSz="1066800" rtl="0">
+            <a:lnSpc>
+              <a:spcPct val="90000"/>
+            </a:lnSpc>
+            <a:spcBef>
+              <a:spcPct val="0"/>
+            </a:spcBef>
+            <a:spcAft>
+              <a:spcPct val="35000"/>
+            </a:spcAft>
+          </a:pPr>
+          <a:endParaRPr lang="en-US" sz="2400" b="1" kern="1200" dirty="0" smtClean="0"/>
+        </a:p>
+        <a:p>
+          <a:pPr lvl="0" algn="ctr" defTabSz="1066800" rtl="0">
+            <a:lnSpc>
+              <a:spcPct val="90000"/>
+            </a:lnSpc>
+            <a:spcBef>
+              <a:spcPct val="0"/>
+            </a:spcBef>
+            <a:spcAft>
+              <a:spcPct val="35000"/>
+            </a:spcAft>
+          </a:pPr>
+          <a:r>
+            <a:rPr lang="en-US" sz="2400" b="1" kern="1200" dirty="0" smtClean="0"/>
+            <a:t>Automation</a:t>
+          </a:r>
+        </a:p>
+        <a:p>
+          <a:pPr lvl="0" algn="ctr" defTabSz="1066800" rtl="0">
+            <a:lnSpc>
+              <a:spcPct val="90000"/>
+            </a:lnSpc>
+            <a:spcBef>
+              <a:spcPct val="0"/>
+            </a:spcBef>
+            <a:spcAft>
+              <a:spcPct val="35000"/>
+            </a:spcAft>
+          </a:pPr>
+          <a:r>
+            <a:rPr lang="en-US" sz="1800" b="1" kern="1200" dirty="0" smtClean="0"/>
+            <a:t>Automate whatever you can</a:t>
+          </a:r>
+          <a:endParaRPr lang="en-US" sz="1900" b="1" kern="1200" dirty="0" smtClean="0"/>
+        </a:p>
+        <a:p>
+          <a:pPr lvl="0" algn="ctr" defTabSz="1066800" rtl="0">
+            <a:lnSpc>
+              <a:spcPct val="90000"/>
+            </a:lnSpc>
+            <a:spcBef>
+              <a:spcPct val="0"/>
+            </a:spcBef>
+            <a:spcAft>
+              <a:spcPct val="35000"/>
+            </a:spcAft>
+          </a:pPr>
+          <a:endParaRPr lang="en-US" sz="1900" kern="1200" dirty="0"/>
+        </a:p>
+      </dsp:txBody>
+      <dsp:txXfrm>
+        <a:off x="4267676" y="1854609"/>
+        <a:ext cx="2071687" cy="1854609"/>
+      </dsp:txXfrm>
+    </dsp:sp>
+    <dsp:sp modelId="{38ABE68B-75BA-4CF9-A866-1832C640E97E}">
+      <dsp:nvSpPr>
+        <dsp:cNvPr id="0" name=""/>
+        <dsp:cNvSpPr/>
+      </dsp:nvSpPr>
+      <dsp:spPr>
+        <a:xfrm>
+          <a:off x="4531538" y="147603"/>
+          <a:ext cx="1543962" cy="1543962"/>
+        </a:xfrm>
+        <a:prstGeom prst="ellipse">
+          <a:avLst/>
+        </a:prstGeom>
+        <a:blipFill>
+          <a:blip xmlns:r="http://schemas.openxmlformats.org/officeDocument/2006/relationships" r:embed="rId3" cstate="print">
+            <a:extLst>
+              <a:ext uri="{28A0092B-C50C-407E-A947-70E740481C1C}">
+                <a14:useLocalDpi xmlns:a14="http://schemas.microsoft.com/office/drawing/2010/main" val="0"/>
+              </a:ext>
+            </a:extLst>
+          </a:blip>
+          <a:srcRect/>
+          <a:stretch>
+            <a:fillRect/>
+          </a:stretch>
+        </a:blipFill>
+        <a:ln w="19050" cap="flat" cmpd="sng" algn="ctr">
+          <a:solidFill>
+            <a:schemeClr val="lt1">
+              <a:hueOff val="0"/>
+              <a:satOff val="0"/>
+              <a:lumOff val="0"/>
+              <a:alphaOff val="0"/>
+            </a:schemeClr>
+          </a:solidFill>
+          <a:prstDash val="solid"/>
+        </a:ln>
+        <a:effectLst/>
+      </dsp:spPr>
+      <dsp:style>
+        <a:lnRef idx="3">
+          <a:scrgbClr r="0" g="0" b="0"/>
+        </a:lnRef>
+        <a:fillRef idx="1">
+          <a:scrgbClr r="0" g="0" b="0"/>
+        </a:fillRef>
+        <a:effectRef idx="1">
+          <a:scrgbClr r="0" g="0" b="0"/>
+        </a:effectRef>
+        <a:fontRef idx="minor"/>
+      </dsp:style>
+    </dsp:sp>
+    <dsp:sp modelId="{6DB3B922-F101-4255-B2B0-93E47C87FBB2}">
+      <dsp:nvSpPr>
+        <dsp:cNvPr id="0" name=""/>
+        <dsp:cNvSpPr/>
+      </dsp:nvSpPr>
+      <dsp:spPr>
+        <a:xfrm>
+          <a:off x="6401514" y="0"/>
+          <a:ext cx="2071687" cy="4636524"/>
+        </a:xfrm>
+        <a:prstGeom prst="roundRect">
+          <a:avLst>
+            <a:gd name="adj" fmla="val 10000"/>
+          </a:avLst>
+        </a:prstGeom>
+        <a:solidFill>
+          <a:schemeClr val="accent5">
+            <a:hueOff val="0"/>
+            <a:satOff val="0"/>
+            <a:lumOff val="0"/>
+            <a:alphaOff val="0"/>
+          </a:schemeClr>
+        </a:solidFill>
+        <a:ln w="19050" cap="flat" cmpd="sng" algn="ctr">
+          <a:solidFill>
+            <a:schemeClr val="lt1">
+              <a:hueOff val="0"/>
+              <a:satOff val="0"/>
+              <a:lumOff val="0"/>
+              <a:alphaOff val="0"/>
+            </a:schemeClr>
+          </a:solidFill>
+          <a:prstDash val="solid"/>
+        </a:ln>
+        <a:effectLst/>
+      </dsp:spPr>
+      <dsp:style>
+        <a:lnRef idx="3">
+          <a:scrgbClr r="0" g="0" b="0"/>
+        </a:lnRef>
+        <a:fillRef idx="1">
+          <a:scrgbClr r="0" g="0" b="0"/>
+        </a:fillRef>
+        <a:effectRef idx="1">
+          <a:scrgbClr r="0" g="0" b="0"/>
+        </a:effectRef>
+        <a:fontRef idx="minor">
+          <a:schemeClr val="lt1"/>
+        </a:fontRef>
+      </dsp:style>
+      <dsp:txBody>
+        <a:bodyPr spcFirstLastPara="0" vert="horz" wrap="square" lIns="156464" tIns="156464" rIns="156464" bIns="156464" numCol="1" spcCol="1270" anchor="ctr" anchorCtr="0">
+          <a:noAutofit/>
+        </a:bodyPr>
+        <a:lstStyle/>
+        <a:p>
+          <a:pPr lvl="0" algn="ctr" defTabSz="977900" rtl="0">
+            <a:lnSpc>
+              <a:spcPct val="90000"/>
+            </a:lnSpc>
+            <a:spcBef>
+              <a:spcPct val="0"/>
+            </a:spcBef>
+            <a:spcAft>
+              <a:spcPct val="35000"/>
+            </a:spcAft>
+          </a:pPr>
+          <a:r>
+            <a:rPr lang="en-US" sz="2200" b="1" kern="1200" dirty="0" smtClean="0"/>
+            <a:t>Scalability.</a:t>
+          </a:r>
+        </a:p>
+        <a:p>
+          <a:pPr lvl="0" algn="ctr" defTabSz="977900" rtl="0">
+            <a:lnSpc>
+              <a:spcPct val="90000"/>
+            </a:lnSpc>
+            <a:spcBef>
+              <a:spcPct val="0"/>
+            </a:spcBef>
+            <a:spcAft>
+              <a:spcPct val="35000"/>
+            </a:spcAft>
+          </a:pPr>
+          <a:endParaRPr lang="en-US" sz="1800" b="0" kern="1200" dirty="0" smtClean="0"/>
+        </a:p>
+        <a:p>
+          <a:pPr lvl="0" algn="ctr" defTabSz="977900" rtl="0">
+            <a:lnSpc>
+              <a:spcPct val="90000"/>
+            </a:lnSpc>
+            <a:spcBef>
+              <a:spcPct val="0"/>
+            </a:spcBef>
+            <a:spcAft>
+              <a:spcPct val="35000"/>
+            </a:spcAft>
+          </a:pPr>
+          <a:r>
+            <a:rPr lang="en-US" sz="1800" b="0" kern="1200" dirty="0" smtClean="0"/>
+            <a:t>Ability to grow</a:t>
+          </a:r>
+          <a:endParaRPr lang="en-US" sz="1800" b="0" kern="1200" dirty="0"/>
+        </a:p>
+      </dsp:txBody>
+      <dsp:txXfrm>
+        <a:off x="6401514" y="1854609"/>
+        <a:ext cx="2071687" cy="1854609"/>
+      </dsp:txXfrm>
+    </dsp:sp>
+    <dsp:sp modelId="{F26B04F5-4CB8-49F6-A1FF-86AADC47D124}">
+      <dsp:nvSpPr>
+        <dsp:cNvPr id="0" name=""/>
+        <dsp:cNvSpPr/>
+      </dsp:nvSpPr>
+      <dsp:spPr>
+        <a:xfrm>
+          <a:off x="6665376" y="147603"/>
+          <a:ext cx="1543962" cy="1543962"/>
+        </a:xfrm>
+        <a:prstGeom prst="ellipse">
+          <a:avLst/>
+        </a:prstGeom>
+        <a:blipFill>
+          <a:blip xmlns:r="http://schemas.openxmlformats.org/officeDocument/2006/relationships" r:embed="rId4">
+            <a:extLst>
+              <a:ext uri="{28A0092B-C50C-407E-A947-70E740481C1C}">
+                <a14:useLocalDpi xmlns:a14="http://schemas.microsoft.com/office/drawing/2010/main" val="0"/>
+              </a:ext>
+            </a:extLst>
+          </a:blip>
+          <a:srcRect/>
+          <a:stretch>
+            <a:fillRect t="-11000" b="-11000"/>
+          </a:stretch>
+        </a:blipFill>
+        <a:ln w="19050" cap="flat" cmpd="sng" algn="ctr">
+          <a:solidFill>
+            <a:schemeClr val="lt1">
+              <a:hueOff val="0"/>
+              <a:satOff val="0"/>
+              <a:lumOff val="0"/>
+              <a:alphaOff val="0"/>
+            </a:schemeClr>
+          </a:solidFill>
+          <a:prstDash val="solid"/>
+        </a:ln>
+        <a:effectLst/>
+      </dsp:spPr>
+      <dsp:style>
+        <a:lnRef idx="3">
+          <a:scrgbClr r="0" g="0" b="0"/>
+        </a:lnRef>
+        <a:fillRef idx="1">
+          <a:scrgbClr r="0" g="0" b="0"/>
+        </a:fillRef>
+        <a:effectRef idx="1">
+          <a:scrgbClr r="0" g="0" b="0"/>
+        </a:effectRef>
+        <a:fontRef idx="minor"/>
+      </dsp:style>
+    </dsp:sp>
+    <dsp:sp modelId="{C3048B00-35CD-4873-B908-B22AD6A3D0A7}">
+      <dsp:nvSpPr>
+        <dsp:cNvPr id="0" name=""/>
+        <dsp:cNvSpPr/>
+      </dsp:nvSpPr>
+      <dsp:spPr>
+        <a:xfrm>
+          <a:off x="8535352" y="0"/>
+          <a:ext cx="2071687" cy="4636524"/>
+        </a:xfrm>
+        <a:prstGeom prst="roundRect">
+          <a:avLst>
+            <a:gd name="adj" fmla="val 10000"/>
+          </a:avLst>
+        </a:prstGeom>
+        <a:solidFill>
+          <a:schemeClr val="accent6">
+            <a:hueOff val="0"/>
+            <a:satOff val="0"/>
+            <a:lumOff val="0"/>
+            <a:alphaOff val="0"/>
+          </a:schemeClr>
+        </a:solidFill>
+        <a:ln w="19050" cap="flat" cmpd="sng" algn="ctr">
+          <a:solidFill>
+            <a:schemeClr val="lt1">
+              <a:hueOff val="0"/>
+              <a:satOff val="0"/>
+              <a:lumOff val="0"/>
+              <a:alphaOff val="0"/>
+            </a:schemeClr>
+          </a:solidFill>
+          <a:prstDash val="solid"/>
+        </a:ln>
+        <a:effectLst/>
+      </dsp:spPr>
+      <dsp:style>
+        <a:lnRef idx="3">
+          <a:scrgbClr r="0" g="0" b="0"/>
+        </a:lnRef>
+        <a:fillRef idx="1">
+          <a:scrgbClr r="0" g="0" b="0"/>
+        </a:fillRef>
+        <a:effectRef idx="1">
+          <a:scrgbClr r="0" g="0" b="0"/>
+        </a:effectRef>
+        <a:fontRef idx="minor">
+          <a:schemeClr val="lt1"/>
+        </a:fontRef>
+      </dsp:style>
+      <dsp:txBody>
+        <a:bodyPr spcFirstLastPara="0" vert="horz" wrap="square" lIns="156464" tIns="156464" rIns="156464" bIns="156464" numCol="1" spcCol="1270" anchor="ctr" anchorCtr="0">
+          <a:noAutofit/>
+        </a:bodyPr>
+        <a:lstStyle/>
+        <a:p>
+          <a:pPr lvl="0" algn="ctr" defTabSz="977900" rtl="0">
+            <a:lnSpc>
+              <a:spcPct val="90000"/>
+            </a:lnSpc>
+            <a:spcBef>
+              <a:spcPct val="0"/>
+            </a:spcBef>
+            <a:spcAft>
+              <a:spcPct val="35000"/>
+            </a:spcAft>
+          </a:pPr>
+          <a:r>
+            <a:rPr lang="en-US" sz="2200" b="1" kern="1200" dirty="0" smtClean="0"/>
+            <a:t>Ensemble</a:t>
+          </a:r>
+        </a:p>
+        <a:p>
+          <a:pPr lvl="0" algn="ctr" defTabSz="977900" rtl="0">
+            <a:lnSpc>
+              <a:spcPct val="90000"/>
+            </a:lnSpc>
+            <a:spcBef>
+              <a:spcPct val="0"/>
+            </a:spcBef>
+            <a:spcAft>
+              <a:spcPct val="35000"/>
+            </a:spcAft>
+          </a:pPr>
+          <a:r>
+            <a:rPr lang="en-US" sz="1800" b="0" kern="1200" dirty="0" smtClean="0"/>
+            <a:t>Combining to improve accuracy</a:t>
+          </a:r>
+          <a:endParaRPr lang="en-US" sz="1800" b="0" kern="1200" dirty="0"/>
+        </a:p>
+      </dsp:txBody>
+      <dsp:txXfrm>
+        <a:off x="8535352" y="1854609"/>
+        <a:ext cx="2071687" cy="1854609"/>
+      </dsp:txXfrm>
+    </dsp:sp>
+    <dsp:sp modelId="{CC397926-D522-4218-8344-C3FC25EBBA03}">
+      <dsp:nvSpPr>
+        <dsp:cNvPr id="0" name=""/>
+        <dsp:cNvSpPr/>
+      </dsp:nvSpPr>
+      <dsp:spPr>
+        <a:xfrm>
+          <a:off x="8786153" y="147603"/>
+          <a:ext cx="1543962" cy="1543962"/>
+        </a:xfrm>
+        <a:prstGeom prst="ellipse">
+          <a:avLst/>
+        </a:prstGeom>
+        <a:blipFill>
+          <a:blip xmlns:r="http://schemas.openxmlformats.org/officeDocument/2006/relationships" r:embed="rId5" cstate="print">
+            <a:extLst>
+              <a:ext uri="{28A0092B-C50C-407E-A947-70E740481C1C}">
+                <a14:useLocalDpi xmlns:a14="http://schemas.microsoft.com/office/drawing/2010/main" val="0"/>
+              </a:ext>
+            </a:extLst>
+          </a:blip>
+          <a:srcRect/>
+          <a:stretch>
+            <a:fillRect l="-21000" r="-21000"/>
+          </a:stretch>
+        </a:blipFill>
+        <a:ln w="19050" cap="flat" cmpd="sng" algn="ctr">
+          <a:solidFill>
+            <a:schemeClr val="lt1">
+              <a:hueOff val="0"/>
+              <a:satOff val="0"/>
+              <a:lumOff val="0"/>
+              <a:alphaOff val="0"/>
+            </a:schemeClr>
+          </a:solidFill>
+          <a:prstDash val="solid"/>
+        </a:ln>
+        <a:effectLst/>
+      </dsp:spPr>
+      <dsp:style>
+        <a:lnRef idx="3">
+          <a:scrgbClr r="0" g="0" b="0"/>
+        </a:lnRef>
+        <a:fillRef idx="1">
+          <a:scrgbClr r="0" g="0" b="0"/>
+        </a:fillRef>
+        <a:effectRef idx="1">
+          <a:scrgbClr r="0" g="0" b="0"/>
+        </a:effectRef>
+        <a:fontRef idx="minor"/>
+      </dsp:style>
+    </dsp:sp>
+    <dsp:sp modelId="{F8158230-8F0E-4B14-A572-26FDE7E1A154}">
+      <dsp:nvSpPr>
+        <dsp:cNvPr id="0" name=""/>
+        <dsp:cNvSpPr/>
+      </dsp:nvSpPr>
+      <dsp:spPr>
+        <a:xfrm>
+          <a:off x="424281" y="3709219"/>
+          <a:ext cx="9758476" cy="695478"/>
+        </a:xfrm>
+        <a:prstGeom prst="leftRightArrow">
+          <a:avLst/>
+        </a:prstGeom>
+        <a:solidFill>
+          <a:schemeClr val="accent2">
+            <a:tint val="40000"/>
+            <a:hueOff val="0"/>
+            <a:satOff val="0"/>
+            <a:lumOff val="0"/>
+            <a:alphaOff val="0"/>
+          </a:schemeClr>
+        </a:solidFill>
+        <a:ln w="19050" cap="flat" cmpd="sng" algn="ctr">
+          <a:solidFill>
+            <a:schemeClr val="lt1">
+              <a:hueOff val="0"/>
+              <a:satOff val="0"/>
+              <a:lumOff val="0"/>
+              <a:alphaOff val="0"/>
+            </a:schemeClr>
+          </a:solidFill>
+          <a:prstDash val="solid"/>
+        </a:ln>
+        <a:effectLst/>
+      </dsp:spPr>
+      <dsp:style>
+        <a:lnRef idx="3">
+          <a:scrgbClr r="0" g="0" b="0"/>
+        </a:lnRef>
+        <a:fillRef idx="1">
+          <a:scrgbClr r="0" g="0" b="0"/>
+        </a:fillRef>
+        <a:effectRef idx="1">
+          <a:scrgbClr r="0" g="0" b="0"/>
+        </a:effectRef>
+        <a:fontRef idx="minor"/>
+      </dsp:style>
+    </dsp:sp>
+  </dsp:spTree>
+</dsp:drawing>
+</file>
+
+<file path=ppt/diagrams/layout1.xml><?xml version="1.0" encoding="utf-8"?>
+<dgm:layoutDef xmlns:dgm="http://schemas.openxmlformats.org/drawingml/2006/diagram" xmlns:a="http://schemas.openxmlformats.org/drawingml/2006/main" uniqueId="urn:microsoft.com/office/officeart/2005/8/layout/hList7">
+  <dgm:title val=""/>
+  <dgm:desc val=""/>
+  <dgm:catLst>
+    <dgm:cat type="list" pri="12000"/>
+    <dgm:cat type="process" pri="20000"/>
+    <dgm:cat type="relationship" pri="14000"/>
+    <dgm:cat type="convert" pri="8000"/>
+    <dgm:cat type="picture" pri="25000"/>
+    <dgm:cat type="pictureconvert" pri="25000"/>
+  </dgm:catLst>
+  <dgm:sampData useDef="1">
+    <dgm:dataModel>
+      <dgm:ptLst/>
+      <dgm:bg/>
+      <dgm:whole/>
+    </dgm:dataModel>
+  </dgm:sampData>
+  <dgm:styleData>
+    <dgm:dataModel>
+      <dgm:ptLst>
+        <dgm:pt modelId="0" type="doc"/>
+        <dgm:pt modelId="1"/>
+        <dgm:pt modelId="2"/>
+      </dgm:ptLst>
+      <dgm:cxnLst>
+        <dgm:cxn modelId="3" srcId="0" destId="1" srcOrd="0" destOrd="0"/>
+        <dgm:cxn modelId="4" srcId="0" destId="2" srcOrd="1" destOrd="0"/>
+      </dgm:cxnLst>
+      <dgm:bg/>
+      <dgm:whole/>
+    </dgm:dataModel>
+  </dgm:styleData>
+  <dgm:clrData>
+    <dgm:dataModel>
+      <dgm:ptLst>
+        <dgm:pt modelId="0" type="doc"/>
+        <dgm:pt modelId="1"/>
+        <dgm:pt modelId="2"/>
+        <dgm:pt modelId="3"/>
+        <dgm:pt modelId="4"/>
+      </dgm:ptLst>
+      <dgm:cxnLst>
+        <dgm:cxn modelId="5" srcId="0" destId="1" srcOrd="0" destOrd="0"/>
+        <dgm:cxn modelId="6" srcId="0" destId="2" srcOrd="1" destOrd="0"/>
+        <dgm:cxn modelId="7" srcId="0" destId="3" srcOrd="2" destOrd="0"/>
+        <dgm:cxn modelId="8" srcId="0" destId="4" srcOrd="3" destOrd="0"/>
+      </dgm:cxnLst>
+      <dgm:bg/>
+      <dgm:whole/>
+    </dgm:dataModel>
+  </dgm:clrData>
+  <dgm:layoutNode name="Name0">
+    <dgm:varLst>
+      <dgm:dir/>
+      <dgm:resizeHandles val="exact"/>
+    </dgm:varLst>
+    <dgm:alg type="composite"/>
+    <dgm:shape xmlns:r="http://schemas.openxmlformats.org/officeDocument/2006/relationships" r:blip="">
+      <dgm:adjLst/>
+    </dgm:shape>
+    <dgm:presOf/>
+    <dgm:constrLst>
+      <dgm:constr type="w" for="ch" forName="fgShape" refType="w" fact="0.92"/>
+      <dgm:constr type="h" for="ch" forName="fgShape" refType="h" fact="0.15"/>
+      <dgm:constr type="b" for="ch" forName="fgShape" refType="h" fact="0.95"/>
+      <dgm:constr type="ctrX" for="ch" forName="fgShape" refType="w" fact="0.5"/>
+      <dgm:constr type="w" for="ch" forName="linComp" refType="w"/>
+      <dgm:constr type="h" for="ch" forName="linComp" refType="h"/>
+      <dgm:constr type="ctrX" for="ch" forName="linComp" refType="w" fact="0.5"/>
+    </dgm:constrLst>
+    <dgm:ruleLst/>
+    <dgm:layoutNode name="fgShape" styleLbl="fgShp">
+      <dgm:alg type="sp"/>
+      <dgm:shape xmlns:r="http://schemas.openxmlformats.org/officeDocument/2006/relationships" type="leftRightArrow" r:blip="" zOrderOff="99999">
+        <dgm:adjLst/>
+      </dgm:shape>
+      <dgm:presOf/>
+      <dgm:constrLst/>
+      <dgm:ruleLst/>
+    </dgm:layoutNode>
+    <dgm:layoutNode name="linComp">
+      <dgm:choose name="Name1">
+        <dgm:if name="Name2" func="var" arg="dir" op="equ" val="norm">
+          <dgm:alg type="lin"/>
+        </dgm:if>
+        <dgm:else name="Name3">
+          <dgm:alg type="lin">
+            <dgm:param type="linDir" val="fromR"/>
+          </dgm:alg>
+        </dgm:else>
+      </dgm:choose>
+      <dgm:shape xmlns:r="http://schemas.openxmlformats.org/officeDocument/2006/relationships" r:blip="">
+        <dgm:adjLst/>
+      </dgm:shape>
+      <dgm:presOf/>
+      <dgm:constrLst>
+        <dgm:constr type="w" for="ch" forName="compNode" refType="w"/>
+        <dgm:constr type="h" for="ch" forName="compNode" refType="h"/>
+        <dgm:constr type="w" for="ch" ptType="sibTrans" refType="w" refFor="ch" refForName="compNode" fact="0.03"/>
+        <dgm:constr type="primFontSz" for="des" ptType="node" op="equ" val="65"/>
+      </dgm:constrLst>
+      <dgm:ruleLst/>
+      <dgm:forEach name="nodesForEach" axis="ch" ptType="node">
+        <dgm:layoutNode name="compNode">
+          <dgm:alg type="composite"/>
+          <dgm:shape xmlns:r="http://schemas.openxmlformats.org/officeDocument/2006/relationships" r:blip="">
+            <dgm:adjLst/>
+          </dgm:shape>
+          <dgm:presOf/>
+          <dgm:constrLst>
+            <dgm:constr type="w" for="ch" forName="bkgdShape" refType="w"/>
+            <dgm:constr type="h" for="ch" forName="bkgdShape" refType="h"/>
+            <dgm:constr type="w" for="ch" forName="nodeTx" refType="w"/>
+            <dgm:constr type="h" for="ch" forName="nodeTx" refType="h" fact="0.4"/>
+            <dgm:constr type="b" for="ch" forName="nodeTx" refType="h" fact="0.8"/>
+            <dgm:constr type="w" for="ch" forName="invisiNode" refType="w" fact="0.01"/>
+            <dgm:constr type="h" for="ch" forName="invisiNode" refType="h" fact="0.06"/>
+            <dgm:constr type="t" for="ch" forName="invisiNode"/>
+            <dgm:constr type="ctrX" for="ch" forName="invisiNode" refType="w" fact="0.5"/>
+            <dgm:constr type="h" for="ch" forName="imagNode" refType="h" fact="0.333"/>
+            <dgm:constr type="w" for="ch" forName="imagNode" refType="h" refFor="ch" refForName="imagNode"/>
+            <dgm:constr type="ctrX" for="ch" forName="imagNode" refType="w" fact="0.5"/>
+            <dgm:constr type="t" for="ch" forName="imagNode" refType="h" fact="0.06"/>
+            <dgm:constr type="w" for="ch" forName="imagNode" refType="w" op="lte" fact="0.94"/>
+          </dgm:constrLst>
+          <dgm:ruleLst/>
+          <dgm:layoutNode name="bkgdShape">
+            <dgm:alg type="sp"/>
+            <dgm:shape xmlns:r="http://schemas.openxmlformats.org/officeDocument/2006/relationships" type="roundRect" r:blip="">
+              <dgm:adjLst>
+                <dgm:adj idx="1" val="0.1"/>
+              </dgm:adjLst>
+            </dgm:shape>
+            <dgm:presOf axis="desOrSelf" ptType="node"/>
+            <dgm:constrLst/>
+            <dgm:ruleLst/>
+          </dgm:layoutNode>
+          <dgm:layoutNode name="nodeTx">
+            <dgm:varLst>
+              <dgm:bulletEnabled val="1"/>
+            </dgm:varLst>
+            <dgm:alg type="tx">
+              <dgm:param type="txAnchorVert" val="mid"/>
+              <dgm:param type="txAnchorHorzCh" val="ctr"/>
+              <dgm:param type="stBulletLvl" val="2"/>
+            </dgm:alg>
+            <dgm:shape xmlns:r="http://schemas.openxmlformats.org/officeDocument/2006/relationships" type="rect" r:blip="" hideGeom="1">
+              <dgm:adjLst/>
+            </dgm:shape>
+            <dgm:presOf axis="desOrSelf" ptType="node"/>
+            <dgm:constrLst/>
+            <dgm:ruleLst>
+              <dgm:rule type="primFontSz" val="5" fact="NaN" max="NaN"/>
+            </dgm:ruleLst>
+          </dgm:layoutNode>
+          <dgm:layoutNode name="invisiNode">
+            <dgm:alg type="sp"/>
+            <dgm:shape xmlns:r="http://schemas.openxmlformats.org/officeDocument/2006/relationships" type="roundRect" r:blip="" hideGeom="1">
+              <dgm:adjLst>
+                <dgm:adj idx="1" val="0.1"/>
+              </dgm:adjLst>
+            </dgm:shape>
+            <dgm:presOf/>
+            <dgm:constrLst/>
+            <dgm:ruleLst/>
+          </dgm:layoutNode>
+          <dgm:layoutNode name="imagNode" styleLbl="fgImgPlace1">
+            <dgm:alg type="sp"/>
+            <dgm:shape xmlns:r="http://schemas.openxmlformats.org/officeDocument/2006/relationships" type="ellipse" r:blip="" blipPhldr="1">
+              <dgm:adjLst/>
+            </dgm:shape>
+            <dgm:presOf/>
+            <dgm:constrLst/>
+            <dgm:ruleLst/>
+          </dgm:layoutNode>
+        </dgm:layoutNode>
+        <dgm:forEach name="sibTransForEach" axis="followSib" ptType="sibTrans" cnt="1">
+          <dgm:layoutNode name="sibTrans">
+            <dgm:alg type="sp"/>
+            <dgm:shape xmlns:r="http://schemas.openxmlformats.org/officeDocument/2006/relationships" type="rect" r:blip="" hideGeom="1">
+              <dgm:adjLst/>
+            </dgm:shape>
+            <dgm:presOf axis="self"/>
+            <dgm:constrLst/>
+            <dgm:ruleLst/>
+          </dgm:layoutNode>
+        </dgm:forEach>
+      </dgm:forEach>
+    </dgm:layoutNode>
+  </dgm:layoutNode>
+</dgm:layoutDef>
+</file>
+
+<file path=ppt/diagrams/quickStyle1.xml><?xml version="1.0" encoding="utf-8"?>
+<dgm:styleDef xmlns:dgm="http://schemas.openxmlformats.org/drawingml/2006/diagram" xmlns:a="http://schemas.openxmlformats.org/drawingml/2006/main" uniqueId="urn:microsoft.com/office/officeart/2005/8/quickstyle/simple2">
+  <dgm:title val=""/>
+  <dgm:desc val=""/>
+  <dgm:catLst>
+    <dgm:cat type="simple" pri="10200"/>
+  </dgm:catLst>
+  <dgm:scene3d>
+    <a:camera prst="orthographicFront"/>
+    <a:lightRig rig="threePt" dir="t"/>
+  </dgm:scene3d>
+  <dgm:styleLbl name="node0">
+    <dgm:scene3d>
+      <a:camera prst="orthographicFront"/>
+      <a:lightRig rig="threePt" dir="t"/>
+    </dgm:scene3d>
+    <dgm:sp3d/>
+    <dgm:txPr/>
+    <dgm:style>
+      <a:lnRef idx="3">
+        <a:scrgbClr r="0" g="0" b="0"/>
+      </a:lnRef>
+      <a:fillRef idx="1">
+        <a:scrgbClr r="0" g="0" b="0"/>
+      </a:fillRef>
+      <a:effectRef idx="1">
+        <a:scrgbClr r="0" g="0" b="0"/>
+      </a:effectRef>
+      <a:fontRef idx="minor">
+        <a:schemeClr val="lt1"/>
+      </a:fontRef>
+    </dgm:style>
+  </dgm:styleLbl>
+  <dgm:styleLbl name="lnNode1">
+    <dgm:scene3d>
+      <a:camera prst="orthographicFront"/>
+      <a:lightRig rig="threePt" dir="t"/>
+    </dgm:scene3d>
+    <dgm:sp3d/>
+    <dgm:txPr/>
+    <dgm:style>
+      <a:lnRef idx="3">
+        <a:scrgbClr r="0" g="0" b="0"/>
+      </a:lnRef>
+      <a:fillRef idx="1">
+        <a:scrgbClr r="0" g="0" b="0"/>
+      </a:fillRef>
+      <a:effectRef idx="1">
+        <a:scrgbClr r="0" g="0" b="0"/>
+      </a:effectRef>
+      <a:fontRef idx="minor">
+        <a:schemeClr val="lt1"/>
+      </a:fontRef>
+    </dgm:style>
+  </dgm:styleLbl>
+  <dgm:styleLbl name="vennNode1">
+    <dgm:scene3d>
+      <a:camera prst="orthographicFront"/>
+      <a:lightRig rig="threePt" dir="t"/>
+    </dgm:scene3d>
+    <dgm:sp3d/>
+    <dgm:txPr/>
+    <dgm:style>
+      <a:lnRef idx="3">
+        <a:scrgbClr r="0" g="0" b="0"/>
+      </a:lnRef>
+      <a:fillRef idx="1">
+        <a:scrgbClr r="0" g="0" b="0"/>
+      </a:fillRef>
+      <a:effectRef idx="0">
+        <a:scrgbClr r="0" g="0" b="0"/>
+      </a:effectRef>
+      <a:fontRef idx="minor">
+        <a:schemeClr val="tx1"/>
+      </a:fontRef>
+    </dgm:style>
+  </dgm:styleLbl>
+  <dgm:styleLbl name="alignNode1">
+    <dgm:scene3d>
+      <a:camera prst="orthographicFront"/>
+      <a:lightRig rig="threePt" dir="t"/>
+    </dgm:scene3d>
+    <dgm:sp3d/>
+    <dgm:txPr/>
+    <dgm:style>
+      <a:lnRef idx="2">
+        <a:scrgbClr r="0" g="0" b="0"/>
+      </a:lnRef>
+      <a:fillRef idx="1">
+        <a:scrgbClr r="0" g="0" b="0"/>
+      </a:fillRef>
+      <a:effectRef idx="1">
+        <a:scrgbClr r="0" g="0" b="0"/>
+      </a:effectRef>
+      <a:fontRef idx="minor">
+        <a:schemeClr val="lt1"/>
+      </a:fontRef>
+    </dgm:style>
+  </dgm:styleLbl>
+  <dgm:styleLbl name="node1">
+    <dgm:scene3d>
+      <a:camera prst="orthographicFront"/>
+      <a:lightRig rig="threePt" dir="t"/>
+    </dgm:scene3d>
+    <dgm:sp3d/>
+    <dgm:txPr/>
+    <dgm:style>
+      <a:lnRef idx="3">
+        <a:scrgbClr r="0" g="0" b="0"/>
+      </a:lnRef>
+      <a:fillRef idx="1">
+        <a:scrgbClr r="0" g="0" b="0"/>
+      </a:fillRef>
+      <a:effectRef idx="1">
+        <a:scrgbClr r="0" g="0" b="0"/>
+      </a:effectRef>
+      <a:fontRef idx="minor">
+        <a:schemeClr val="lt1"/>
+      </a:fontRef>
+    </dgm:style>
+  </dgm:styleLbl>
+  <dgm:styleLbl name="node2">
+    <dgm:scene3d>
+      <a:camera prst="orthographicFront"/>
+      <a:lightRig rig="threePt" dir="t"/>
+    </dgm:scene3d>
+    <dgm:sp3d/>
+    <dgm:txPr/>
+    <dgm:style>
+      <a:lnRef idx="3">
+        <a:scrgbClr r="0" g="0" b="0"/>
+      </a:lnRef>
+      <a:fillRef idx="1">
+        <a:scrgbClr r="0" g="0" b="0"/>
+      </a:fillRef>
+      <a:effectRef idx="1">
+        <a:scrgbClr r="0" g="0" b="0"/>
+      </a:effectRef>
+      <a:fontRef idx="minor">
+        <a:schemeClr val="lt1"/>
+      </a:fontRef>
+    </dgm:style>
+  </dgm:styleLbl>
+  <dgm:styleLbl name="node3">
+    <dgm:scene3d>
+      <a:camera prst="orthographicFront"/>
+      <a:lightRig rig="threePt" dir="t"/>
+    </dgm:scene3d>
+    <dgm:sp3d/>
+    <dgm:txPr/>
+    <dgm:style>
+      <a:lnRef idx="3">
+        <a:scrgbClr r="0" g="0" b="0"/>
+      </a:lnRef>
+      <a:fillRef idx="1">
+        <a:scrgbClr r="0" g="0" b="0"/>
+      </a:fillRef>
+      <a:effectRef idx="1">
+        <a:scrgbClr r="0" g="0" b="0"/>
+      </a:effectRef>
+      <a:fontRef idx="minor">
+        <a:schemeClr val="lt1"/>
+      </a:fontRef>
+    </dgm:style>
+  </dgm:styleLbl>
+  <dgm:styleLbl name="node4">
+    <dgm:scene3d>
+      <a:camera prst="orthographicFront"/>
+      <a:lightRig rig="threePt" dir="t"/>
+    </dgm:scene3d>
+    <dgm:sp3d/>
+    <dgm:txPr/>
+    <dgm:style>
+      <a:lnRef idx="3">
+        <a:scrgbClr r="0" g="0" b="0"/>
+      </a:lnRef>
+      <a:fillRef idx="1">
+        <a:scrgbClr r="0" g="0" b="0"/>
+      </a:fillRef>
+      <a:effectRef idx="1">
+        <a:scrgbClr r="0" g="0" b="0"/>
+      </a:effectRef>
+      <a:fontRef idx="minor">
+        <a:schemeClr val="lt1"/>
+      </a:fontRef>
+    </dgm:style>
+  </dgm:styleLbl>
+  <dgm:styleLbl name="fgImgPlace1">
+    <dgm:scene3d>
+      <a:camera prst="orthographicFront"/>
+      <a:lightRig rig="threePt" dir="t"/>
+    </dgm:scene3d>
+    <dgm:sp3d/>
+    <dgm:txPr/>
+    <dgm:style>
+      <a:lnRef idx="3">
+        <a:scrgbClr r="0" g="0" b="0"/>
+      </a:lnRef>
+      <a:fillRef idx="1">
+        <a:scrgbClr r="0" g="0" b="0"/>
+      </a:fillRef>
+      <a:effectRef idx="1">
+        <a:scrgbClr r="0" g="0" b="0"/>
+      </a:effectRef>
+      <a:fontRef idx="minor"/>
+    </dgm:style>
+  </dgm:styleLbl>
+  <dgm:styleLbl name="alignImgPlace1">
+    <dgm:scene3d>
+      <a:camera prst="orthographicFront"/>
+      <a:lightRig rig="threePt" dir="t"/>
+    </dgm:scene3d>
+    <dgm:sp3d/>
+    <dgm:txPr/>
+    <dgm:style>
+      <a:lnRef idx="3">
+        <a:scrgbClr r="0" g="0" b="0"/>
+      </a:lnRef>
+      <a:fillRef idx="1">
+        <a:scrgbClr r="0" g="0" b="0"/>
+      </a:fillRef>
+      <a:effectRef idx="1">
+        <a:scrgbClr r="0" g="0" b="0"/>
+      </a:effectRef>
+      <a:fontRef idx="minor"/>
+    </dgm:style>
+  </dgm:styleLbl>
+  <dgm:styleLbl name="bgImgPlace1">
+    <dgm:scene3d>
+      <a:camera prst="orthographicFront"/>
+      <a:lightRig rig="threePt" dir="t"/>
+    </dgm:scene3d>
+    <dgm:sp3d/>
+    <dgm:txPr/>
+    <dgm:style>
+      <a:lnRef idx="3">
+        <a:scrgbClr r="0" g="0" b="0"/>
+      </a:lnRef>
+      <a:fillRef idx="1">
+        <a:scrgbClr r="0" g="0" b="0"/>
+      </a:fillRef>
+      <a:effectRef idx="1">
+        <a:scrgbClr r="0" g="0" b="0"/>
+      </a:effectRef>
+      <a:fontRef idx="minor"/>
+    </dgm:style>
+  </dgm:styleLbl>
+  <dgm:styleLbl name="sibTrans2D1">
+    <dgm:scene3d>
+      <a:camera prst="orthographicFront"/>
+      <a:lightRig rig="threePt" dir="t"/>
+    </dgm:scene3d>
+    <dgm:sp3d/>
+    <dgm:txPr/>
+    <dgm:style>
+      <a:lnRef idx="0">
+        <a:scrgbClr r="0" g="0" b="0"/>
+      </a:lnRef>
+      <a:fillRef idx="1">
+        <a:scrgbClr r="0" g="0" b="0"/>
+      </a:fillRef>
+      <a:effectRef idx="1">
+        <a:scrgbClr r="0" g="0" b="0"/>
+      </a:effectRef>
+      <a:fontRef idx="minor">
+        <a:schemeClr val="lt1"/>
+      </a:fontRef>
+    </dgm:style>
+  </dgm:styleLbl>
+  <dgm:styleLbl name="fgSibTrans2D1">
+    <dgm:scene3d>
+      <a:camera prst="orthographicFront"/>
+      <a:lightRig rig="threePt" dir="t"/>
+    </dgm:scene3d>
+    <dgm:sp3d/>
+    <dgm:txPr/>
+    <dgm:style>
+      <a:lnRef idx="0">
+        <a:scrgbClr r="0" g="0" b="0"/>
+      </a:lnRef>
+      <a:fillRef idx="1">
+        <a:scrgbClr r="0" g="0" b="0"/>
+      </a:fillRef>
+      <a:effectRef idx="1">
+        <a:scrgbClr r="0" g="0" b="0"/>
+      </a:effectRef>
+      <a:fontRef idx="minor">
+        <a:schemeClr val="lt1"/>
+      </a:fontRef>
+    </dgm:style>
+  </dgm:styleLbl>
+  <dgm:styleLbl name="bgSibTrans2D1">
+    <dgm:scene3d>
+      <a:camera prst="orthographicFront"/>
+      <a:lightRig rig="threePt" dir="t"/>
+    </dgm:scene3d>
+    <dgm:sp3d/>
+    <dgm:txPr/>
+    <dgm:style>
+      <a:lnRef idx="0">
+        <a:scrgbClr r="0" g="0" b="0"/>
+      </a:lnRef>
+      <a:fillRef idx="1">
+        <a:scrgbClr r="0" g="0" b="0"/>
+      </a:fillRef>
+      <a:effectRef idx="1">
+        <a:scrgbClr r="0" g="0" b="0"/>
+      </a:effectRef>
+      <a:fontRef idx="minor">
+        <a:schemeClr val="lt1"/>
+      </a:fontRef>
+    </dgm:style>
+  </dgm:styleLbl>
+  <dgm:styleLbl name="sibTrans1D1">
+    <dgm:scene3d>
+      <a:camera prst="orthographicFront"/>
+      <a:lightRig rig="threePt" dir="t"/>
+    </dgm:scene3d>
+    <dgm:sp3d/>
+    <dgm:txPr/>
+    <dgm:style>
+      <a:lnRef idx="1">
+        <a:scrgbClr r="0" g="0" b="0"/>
+      </a:lnRef>
+      <a:fillRef idx="0">
+        <a:scrgbClr r="0" g="0" b="0"/>
+      </a:fillRef>
+      <a:effectRef idx="0">
+        <a:scrgbClr r="0" g="0" b="0"/>
+      </a:effectRef>
+      <a:fontRef idx="minor"/>
+    </dgm:style>
+  </dgm:styleLbl>
+  <dgm:styleLbl name="callout">
+    <dgm:scene3d>
+      <a:camera prst="orthographicFront"/>
+      <a:lightRig rig="threePt" dir="t"/>
+    </dgm:scene3d>
+    <dgm:sp3d/>
+    <dgm:txPr/>
+    <dgm:style>
+      <a:lnRef idx="2">
+        <a:scrgbClr r="0" g="0" b="0"/>
+      </a:lnRef>
+      <a:fillRef idx="1">
+        <a:scrgbClr r="0" g="0" b="0"/>
+      </a:fillRef>
+      <a:effectRef idx="1">
+        <a:scrgbClr r="0" g="0" b="0"/>
+      </a:effectRef>
+      <a:fontRef idx="minor"/>
+    </dgm:style>
+  </dgm:styleLbl>
+  <dgm:styleLbl name="asst0">
+    <dgm:scene3d>
+      <a:camera prst="orthographicFront"/>
+      <a:lightRig rig="threePt" dir="t"/>
+    </dgm:scene3d>
+    <dgm:sp3d/>
+    <dgm:txPr/>
+    <dgm:style>
+      <a:lnRef idx="3">
+        <a:scrgbClr r="0" g="0" b="0"/>
+      </a:lnRef>
+      <a:fillRef idx="1">
+        <a:scrgbClr r="0" g="0" b="0"/>
+      </a:fillRef>
+      <a:effectRef idx="1">
+        <a:scrgbClr r="0" g="0" b="0"/>
+      </a:effectRef>
+      <a:fontRef idx="minor">
+        <a:schemeClr val="lt1"/>
+      </a:fontRef>
+    </dgm:style>
+  </dgm:styleLbl>
+  <dgm:styleLbl name="asst1">
+    <dgm:scene3d>
+      <a:camera prst="orthographicFront"/>
+      <a:lightRig rig="threePt" dir="t"/>
+    </dgm:scene3d>
+    <dgm:sp3d/>
+    <dgm:txPr/>
+    <dgm:style>
+      <a:lnRef idx="3">
+        <a:scrgbClr r="0" g="0" b="0"/>
+      </a:lnRef>
+      <a:fillRef idx="1">
+        <a:scrgbClr r="0" g="0" b="0"/>
+      </a:fillRef>
+      <a:effectRef idx="1">
+        <a:scrgbClr r="0" g="0" b="0"/>
+      </a:effectRef>
+      <a:fontRef idx="minor">
+        <a:schemeClr val="lt1"/>
+      </a:fontRef>
+    </dgm:style>
+  </dgm:styleLbl>
+  <dgm:styleLbl name="asst2">
+    <dgm:scene3d>
+      <a:camera prst="orthographicFront"/>
+      <a:lightRig rig="threePt" dir="t"/>
+    </dgm:scene3d>
+    <dgm:sp3d/>
+    <dgm:txPr/>
+    <dgm:style>
+      <a:lnRef idx="3">
+        <a:scrgbClr r="0" g="0" b="0"/>
+      </a:lnRef>
+      <a:fillRef idx="1">
+        <a:scrgbClr r="0" g="0" b="0"/>
+      </a:fillRef>
+      <a:effectRef idx="1">
+        <a:scrgbClr r="0" g="0" b="0"/>
+      </a:effectRef>
+      <a:fontRef idx="minor">
+        <a:schemeClr val="lt1"/>
+      </a:fontRef>
+    </dgm:style>
+  </dgm:styleLbl>
+  <dgm:styleLbl name="asst3">
+    <dgm:scene3d>
+      <a:camera prst="orthographicFront"/>
+      <a:lightRig rig="threePt" dir="t"/>
+    </dgm:scene3d>
+    <dgm:sp3d/>
+    <dgm:txPr/>
+    <dgm:style>
+      <a:lnRef idx="3">
+        <a:scrgbClr r="0" g="0" b="0"/>
+      </a:lnRef>
+      <a:fillRef idx="1">
+        <a:scrgbClr r="0" g="0" b="0"/>
+      </a:fillRef>
+      <a:effectRef idx="1">
+        <a:scrgbClr r="0" g="0" b="0"/>
+      </a:effectRef>
+      <a:fontRef idx="minor">
+        <a:schemeClr val="lt1"/>
+      </a:fontRef>
+    </dgm:style>
+  </dgm:styleLbl>
+  <dgm:styleLbl name="asst4">
+    <dgm:scene3d>
+      <a:camera prst="orthographicFront"/>
+      <a:lightRig rig="threePt" dir="t"/>
+    </dgm:scene3d>
+    <dgm:sp3d/>
+    <dgm:txPr/>
+    <dgm:style>
+      <a:lnRef idx="3">
+        <a:scrgbClr r="0" g="0" b="0"/>
+      </a:lnRef>
+      <a:fillRef idx="1">
+        <a:scrgbClr r="0" g="0" b="0"/>
+      </a:fillRef>
+      <a:effectRef idx="1">
+        <a:scrgbClr r="0" g="0" b="0"/>
+      </a:effectRef>
+      <a:fontRef idx="minor">
+        <a:schemeClr val="lt1"/>
+      </a:fontRef>
+    </dgm:style>
+  </dgm:styleLbl>
+  <dgm:styleLbl name="parChTrans2D1">
+    <dgm:scene3d>
+      <a:camera prst="orthographicFront"/>
+      <a:lightRig rig="threePt" dir="t"/>
+    </dgm:scene3d>
+    <dgm:sp3d/>
+    <dgm:txPr/>
+    <dgm:style>
+      <a:lnRef idx="3">
+        <a:scrgbClr r="0" g="0" b="0"/>
+      </a:lnRef>
+      <a:fillRef idx="1">
+        <a:scrgbClr r="0" g="0" b="0"/>
+      </a:fillRef>
+      <a:effectRef idx="1">
+        <a:scrgbClr r="0" g="0" b="0"/>
+      </a:effectRef>
+      <a:fontRef idx="minor">
+        <a:schemeClr val="lt1"/>
+      </a:fontRef>
+    </dgm:style>
+  </dgm:styleLbl>
+  <dgm:styleLbl name="parChTrans2D2">
+    <dgm:scene3d>
+      <a:camera prst="orthographicFront"/>
+      <a:lightRig rig="threePt" dir="t"/>
+    </dgm:scene3d>
+    <dgm:sp3d/>
+    <dgm:txPr/>
+    <dgm:style>
+      <a:lnRef idx="3">
+        <a:scrgbClr r="0" g="0" b="0"/>
+      </a:lnRef>
+      <a:fillRef idx="1">
+        <a:scrgbClr r="0" g="0" b="0"/>
+      </a:fillRef>
+      <a:effectRef idx="1">
+        <a:scrgbClr r="0" g="0" b="0"/>
+      </a:effectRef>
+      <a:fontRef idx="minor">
+        <a:schemeClr val="lt1"/>
+      </a:fontRef>
+    </dgm:style>
+  </dgm:styleLbl>
+  <dgm:styleLbl name="parChTrans2D3">
+    <dgm:scene3d>
+      <a:camera prst="orthographicFront"/>
+      <a:lightRig rig="threePt" dir="t"/>
+    </dgm:scene3d>
+    <dgm:sp3d/>
+    <dgm:txPr/>
+    <dgm:style>
+      <a:lnRef idx="3">
+        <a:scrgbClr r="0" g="0" b="0"/>
+      </a:lnRef>
+      <a:fillRef idx="1">
+        <a:scrgbClr r="0" g="0" b="0"/>
+      </a:fillRef>
+      <a:effectRef idx="1">
+        <a:scrgbClr r="0" g="0" b="0"/>
+      </a:effectRef>
+      <a:fontRef idx="minor">
+        <a:schemeClr val="lt1"/>
+      </a:fontRef>
+    </dgm:style>
+  </dgm:styleLbl>
+  <dgm:styleLbl name="parChTrans2D4">
+    <dgm:scene3d>
+      <a:camera prst="orthographicFront"/>
+      <a:lightRig rig="threePt" dir="t"/>
+    </dgm:scene3d>
+    <dgm:sp3d/>
+    <dgm:txPr/>
+    <dgm:style>
+      <a:lnRef idx="3">
+        <a:scrgbClr r="0" g="0" b="0"/>
+      </a:lnRef>
+      <a:fillRef idx="1">
+        <a:scrgbClr r="0" g="0" b="0"/>
+      </a:fillRef>
+      <a:effectRef idx="1">
+        <a:scrgbClr r="0" g="0" b="0"/>
+      </a:effectRef>
+      <a:fontRef idx="minor">
+        <a:schemeClr val="lt1"/>
+      </a:fontRef>
+    </dgm:style>
+  </dgm:styleLbl>
+  <dgm:styleLbl name="parChTrans1D1">
+    <dgm:scene3d>
+      <a:camera prst="orthographicFront"/>
+      <a:lightRig rig="threePt" dir="t"/>
+    </dgm:scene3d>
+    <dgm:sp3d/>
+    <dgm:txPr/>
+    <dgm:style>
+      <a:lnRef idx="2">
+        <a:scrgbClr r="0" g="0" b="0"/>
+      </a:lnRef>
+      <a:fillRef idx="0">
+        <a:scrgbClr r="0" g="0" b="0"/>
+      </a:fillRef>
+      <a:effectRef idx="0">
+        <a:scrgbClr r="0" g="0" b="0"/>
+      </a:effectRef>
+      <a:fontRef idx="minor"/>
+    </dgm:style>
+  </dgm:styleLbl>
+  <dgm:styleLbl name="parChTrans1D2">
+    <dgm:scene3d>
+      <a:camera prst="orthographicFront"/>
+      <a:lightRig rig="threePt" dir="t"/>
+    </dgm:scene3d>
+    <dgm:sp3d/>
+    <dgm:txPr/>
+    <dgm:style>
+      <a:lnRef idx="2">
+        <a:scrgbClr r="0" g="0" b="0"/>
+      </a:lnRef>
+      <a:fillRef idx="0">
+        <a:scrgbClr r="0" g="0" b="0"/>
+      </a:fillRef>
+      <a:effectRef idx="0">
+        <a:scrgbClr r="0" g="0" b="0"/>
+      </a:effectRef>
+      <a:fontRef idx="minor"/>
+    </dgm:style>
+  </dgm:styleLbl>
+  <dgm:styleLbl name="parChTrans1D3">
+    <dgm:scene3d>
+      <a:camera prst="orthographicFront"/>
+      <a:lightRig rig="threePt" dir="t"/>
+    </dgm:scene3d>
+    <dgm:sp3d/>
+    <dgm:txPr/>
+    <dgm:style>
+      <a:lnRef idx="2">
+        <a:scrgbClr r="0" g="0" b="0"/>
+      </a:lnRef>
+      <a:fillRef idx="0">
+        <a:scrgbClr r="0" g="0" b="0"/>
+      </a:fillRef>
+      <a:effectRef idx="0">
+        <a:scrgbClr r="0" g="0" b="0"/>
+      </a:effectRef>
+      <a:fontRef idx="minor"/>
+    </dgm:style>
+  </dgm:styleLbl>
+  <dgm:styleLbl name="parChTrans1D4">
+    <dgm:scene3d>
+      <a:camera prst="orthographicFront"/>
+      <a:lightRig rig="threePt" dir="t"/>
+    </dgm:scene3d>
+    <dgm:sp3d/>
+    <dgm:txPr/>
+    <dgm:style>
+      <a:lnRef idx="2">
+        <a:scrgbClr r="0" g="0" b="0"/>
+      </a:lnRef>
+      <a:fillRef idx="0">
+        <a:scrgbClr r="0" g="0" b="0"/>
+      </a:fillRef>
+      <a:effectRef idx="0">
+        <a:scrgbClr r="0" g="0" b="0"/>
+      </a:effectRef>
+      <a:fontRef idx="minor"/>
+    </dgm:style>
+  </dgm:styleLbl>
+  <dgm:styleLbl name="fgAcc1">
+    <dgm:scene3d>
+      <a:camera prst="orthographicFront"/>
+      <a:lightRig rig="threePt" dir="t"/>
+    </dgm:scene3d>
+    <dgm:sp3d/>
+    <dgm:txPr/>
+    <dgm:style>
+      <a:lnRef idx="2">
+        <a:scrgbClr r="0" g="0" b="0"/>
+      </a:lnRef>
+      <a:fillRef idx="1">
+        <a:scrgbClr r="0" g="0" b="0"/>
+      </a:fillRef>
+      <a:effectRef idx="0">
+        <a:scrgbClr r="0" g="0" b="0"/>
+      </a:effectRef>
+      <a:fontRef idx="minor"/>
+    </dgm:style>
+  </dgm:styleLbl>
+  <dgm:styleLbl name="conFgAcc1">
+    <dgm:scene3d>
+      <a:camera prst="orthographicFront"/>
+      <a:lightRig rig="threePt" dir="t"/>
+    </dgm:scene3d>
+    <dgm:sp3d/>
+    <dgm:txPr/>
+    <dgm:style>
+      <a:lnRef idx="2">
+        <a:scrgbClr r="0" g="0" b="0"/>
+      </a:lnRef>
+      <a:fillRef idx="1">
+        <a:scrgbClr r="0" g="0" b="0"/>
+      </a:fillRef>
+      <a:effectRef idx="0">
+        <a:scrgbClr r="0" g="0" b="0"/>
+      </a:effectRef>
+      <a:fontRef idx="minor"/>
+    </dgm:style>
+  </dgm:styleLbl>
+  <dgm:styleLbl name="alignAcc1">
+    <dgm:scene3d>
+      <a:camera prst="orthographicFront"/>
+      <a:lightRig rig="threePt" dir="t"/>
+    </dgm:scene3d>
+    <dgm:sp3d/>
+    <dgm:txPr/>
+    <dgm:style>
+      <a:lnRef idx="2">
+        <a:scrgbClr r="0" g="0" b="0"/>
+      </a:lnRef>
+      <a:fillRef idx="1">
+        <a:scrgbClr r="0" g="0" b="0"/>
+      </a:fillRef>
+      <a:effectRef idx="0">
+        <a:scrgbClr r="0" g="0" b="0"/>
+      </a:effectRef>
+      <a:fontRef idx="minor"/>
+    </dgm:style>
+  </dgm:styleLbl>
+  <dgm:styleLbl name="trAlignAcc1">
+    <dgm:scene3d>
+      <a:camera prst="orthographicFront"/>
+      <a:lightRig rig="threePt" dir="t"/>
+    </dgm:scene3d>
+    <dgm:sp3d/>
+    <dgm:txPr/>
+    <dgm:style>
+      <a:lnRef idx="1">
+        <a:scrgbClr r="0" g="0" b="0"/>
+      </a:lnRef>
+      <a:fillRef idx="1">
+        <a:scrgbClr r="0" g="0" b="0"/>
+      </a:fillRef>
+      <a:effectRef idx="0">
+        <a:scrgbClr r="0" g="0" b="0"/>
+      </a:effectRef>
+      <a:fontRef idx="minor"/>
+    </dgm:style>
+  </dgm:styleLbl>
+  <dgm:styleLbl name="bgAcc1">
+    <dgm:scene3d>
+      <a:camera prst="orthographicFront"/>
+      <a:lightRig rig="threePt" dir="t"/>
+    </dgm:scene3d>
+    <dgm:sp3d/>
+    <dgm:txPr/>
+    <dgm:style>
+      <a:lnRef idx="2">
+        <a:scrgbClr r="0" g="0" b="0"/>
+      </a:lnRef>
+      <a:fillRef idx="1">
+        <a:scrgbClr r="0" g="0" b="0"/>
+      </a:fillRef>
+      <a:effectRef idx="0">
+        <a:scrgbClr r="0" g="0" b="0"/>
+      </a:effectRef>
+      <a:fontRef idx="minor"/>
+    </dgm:style>
+  </dgm:styleLbl>
+  <dgm:styleLbl name="solidFgAcc1">
+    <dgm:scene3d>
+      <a:camera prst="orthographicFront"/>
+      <a:lightRig rig="threePt" dir="t"/>
+    </dgm:scene3d>
+    <dgm:sp3d/>
+    <dgm:txPr/>
+    <dgm:style>
+      <a:lnRef idx="2">
+        <a:scrgbClr r="0" g="0" b="0"/>
+      </a:lnRef>
+      <a:fillRef idx="1">
+        <a:scrgbClr r="0" g="0" b="0"/>
+      </a:fillRef>
+      <a:effectRef idx="0">
+        <a:scrgbClr r="0" g="0" b="0"/>
+      </a:effectRef>
+      <a:fontRef idx="minor"/>
+    </dgm:style>
+  </dgm:styleLbl>
+  <dgm:styleLbl name="solidAlignAcc1">
+    <dgm:scene3d>
+      <a:camera prst="orthographicFront"/>
+      <a:lightRig rig="threePt" dir="t"/>
+    </dgm:scene3d>
+    <dgm:sp3d/>
+    <dgm:txPr/>
+    <dgm:style>
+      <a:lnRef idx="2">
+        <a:scrgbClr r="0" g="0" b="0"/>
+      </a:lnRef>
+      <a:fillRef idx="1">
+        <a:scrgbClr r="0" g="0" b="0"/>
+      </a:fillRef>
+      <a:effectRef idx="0">
+        <a:scrgbClr r="0" g="0" b="0"/>
+      </a:effectRef>
+      <a:fontRef idx="minor"/>
+    </dgm:style>
+  </dgm:styleLbl>
+  <dgm:styleLbl name="solidBgAcc1">
+    <dgm:scene3d>
+      <a:camera prst="orthographicFront"/>
+      <a:lightRig rig="threePt" dir="t"/>
+    </dgm:scene3d>
+    <dgm:sp3d/>
+    <dgm:txPr/>
+    <dgm:style>
+      <a:lnRef idx="2">
+        <a:scrgbClr r="0" g="0" b="0"/>
+      </a:lnRef>
+      <a:fillRef idx="1">
+        <a:scrgbClr r="0" g="0" b="0"/>
+      </a:fillRef>
+      <a:effectRef idx="0">
+        <a:scrgbClr r="0" g="0" b="0"/>
+      </a:effectRef>
+      <a:fontRef idx="minor"/>
+    </dgm:style>
+  </dgm:styleLbl>
+  <dgm:styleLbl name="fgAccFollowNode1">
+    <dgm:scene3d>
+      <a:camera prst="orthographicFront"/>
+      <a:lightRig rig="threePt" dir="t"/>
+    </dgm:scene3d>
+    <dgm:sp3d/>
+    <dgm:txPr/>
+    <dgm:style>
+      <a:lnRef idx="2">
+        <a:scrgbClr r="0" g="0" b="0"/>
+      </a:lnRef>
+      <a:fillRef idx="1">
+        <a:scrgbClr r="0" g="0" b="0"/>
+      </a:fillRef>
+      <a:effectRef idx="0">
+        <a:scrgbClr r="0" g="0" b="0"/>
+      </a:effectRef>
+      <a:fontRef idx="minor"/>
+    </dgm:style>
+  </dgm:styleLbl>
+  <dgm:styleLbl name="alignAccFollowNode1">
+    <dgm:scene3d>
+      <a:camera prst="orthographicFront"/>
+      <a:lightRig rig="threePt" dir="t"/>
+    </dgm:scene3d>
+    <dgm:sp3d/>
+    <dgm:txPr/>
+    <dgm:style>
+      <a:lnRef idx="2">
+        <a:scrgbClr r="0" g="0" b="0"/>
+      </a:lnRef>
+      <a:fillRef idx="1">
+        <a:scrgbClr r="0" g="0" b="0"/>
+      </a:fillRef>
+      <a:effectRef idx="0">
+        <a:scrgbClr r="0" g="0" b="0"/>
+      </a:effectRef>
+      <a:fontRef idx="minor"/>
+    </dgm:style>
+  </dgm:styleLbl>
+  <dgm:styleLbl name="bgAccFollowNode1">
+    <dgm:scene3d>
+      <a:camera prst="orthographicFront"/>
+      <a:lightRig rig="threePt" dir="t"/>
+    </dgm:scene3d>
+    <dgm:sp3d/>
+    <dgm:txPr/>
+    <dgm:style>
+      <a:lnRef idx="2">
+        <a:scrgbClr r="0" g="0" b="0"/>
+      </a:lnRef>
+      <a:fillRef idx="1">
+        <a:scrgbClr r="0" g="0" b="0"/>
+      </a:fillRef>
+      <a:effectRef idx="0">
+        <a:scrgbClr r="0" g="0" b="0"/>
+      </a:effectRef>
+      <a:fontRef idx="minor"/>
+    </dgm:style>
+  </dgm:styleLbl>
+  <dgm:styleLbl name="fgAcc0">
+    <dgm:scene3d>
+      <a:camera prst="orthographicFront"/>
+      <a:lightRig rig="threePt" dir="t"/>
+    </dgm:scene3d>
+    <dgm:sp3d/>
+    <dgm:txPr/>
+    <dgm:style>
+      <a:lnRef idx="2">
+        <a:scrgbClr r="0" g="0" b="0"/>
+      </a:lnRef>
+      <a:fillRef idx="1">
+        <a:scrgbClr r="0" g="0" b="0"/>
+      </a:fillRef>
+      <a:effectRef idx="0">
+        <a:scrgbClr r="0" g="0" b="0"/>
+      </a:effectRef>
+      <a:fontRef idx="minor"/>
+    </dgm:style>
+  </dgm:styleLbl>
+  <dgm:styleLbl name="fgAcc2">
+    <dgm:scene3d>
+      <a:camera prst="orthographicFront"/>
+      <a:lightRig rig="threePt" dir="t"/>
+    </dgm:scene3d>
+    <dgm:sp3d/>
+    <dgm:txPr/>
+    <dgm:style>
+      <a:lnRef idx="2">
+        <a:scrgbClr r="0" g="0" b="0"/>
+      </a:lnRef>
+      <a:fillRef idx="1">
+        <a:scrgbClr r="0" g="0" b="0"/>
+      </a:fillRef>
+      <a:effectRef idx="0">
+        <a:scrgbClr r="0" g="0" b="0"/>
+      </a:effectRef>
+      <a:fontRef idx="minor"/>
+    </dgm:style>
+  </dgm:styleLbl>
+  <dgm:styleLbl name="fgAcc3">
+    <dgm:scene3d>
+      <a:camera prst="orthographicFront"/>
+      <a:lightRig rig="threePt" dir="t"/>
+    </dgm:scene3d>
+    <dgm:sp3d/>
+    <dgm:txPr/>
+    <dgm:style>
+      <a:lnRef idx="2">
+        <a:scrgbClr r="0" g="0" b="0"/>
+      </a:lnRef>
+      <a:fillRef idx="1">
+        <a:scrgbClr r="0" g="0" b="0"/>
+      </a:fillRef>
+      <a:effectRef idx="0">
+        <a:scrgbClr r="0" g="0" b="0"/>
+      </a:effectRef>
+      <a:fontRef idx="minor"/>
+    </dgm:style>
+  </dgm:styleLbl>
+  <dgm:styleLbl name="fgAcc4">
+    <dgm:scene3d>
+      <a:camera prst="orthographicFront"/>
+      <a:lightRig rig="threePt" dir="t"/>
+    </dgm:scene3d>
+    <dgm:sp3d/>
+    <dgm:txPr/>
+    <dgm:style>
+      <a:lnRef idx="2">
+        <a:scrgbClr r="0" g="0" b="0"/>
+      </a:lnRef>
+      <a:fillRef idx="1">
+        <a:scrgbClr r="0" g="0" b="0"/>
+      </a:fillRef>
+      <a:effectRef idx="0">
+        <a:scrgbClr r="0" g="0" b="0"/>
+      </a:effectRef>
+      <a:fontRef idx="minor"/>
+    </dgm:style>
+  </dgm:styleLbl>
+  <dgm:styleLbl name="bgShp">
+    <dgm:scene3d>
+      <a:camera prst="orthographicFront"/>
+      <a:lightRig rig="threePt" dir="t"/>
+    </dgm:scene3d>
+    <dgm:sp3d/>
+    <dgm:txPr/>
+    <dgm:style>
+      <a:lnRef idx="0">
+        <a:scrgbClr r="0" g="0" b="0"/>
+      </a:lnRef>
+      <a:fillRef idx="1">
+        <a:scrgbClr r="0" g="0" b="0"/>
+      </a:fillRef>
+      <a:effectRef idx="0">
+        <a:scrgbClr r="0" g="0" b="0"/>
+      </a:effectRef>
+      <a:fontRef idx="minor"/>
+    </dgm:style>
+  </dgm:styleLbl>
+  <dgm:styleLbl name="dkBgShp">
+    <dgm:scene3d>
+      <a:camera prst="orthographicFront"/>
+      <a:lightRig rig="threePt" dir="t"/>
+    </dgm:scene3d>
+    <dgm:sp3d/>
+    <dgm:txPr/>
+    <dgm:style>
+      <a:lnRef idx="0">
+        <a:scrgbClr r="0" g="0" b="0"/>
+      </a:lnRef>
+      <a:fillRef idx="1">
+        <a:scrgbClr r="0" g="0" b="0"/>
+      </a:fillRef>
+      <a:effectRef idx="0">
+        <a:scrgbClr r="0" g="0" b="0"/>
+      </a:effectRef>
+      <a:fontRef idx="minor"/>
+    </dgm:style>
+  </dgm:styleLbl>
+  <dgm:styleLbl name="trBgShp">
+    <dgm:scene3d>
+      <a:camera prst="orthographicFront"/>
+      <a:lightRig rig="threePt" dir="t"/>
+    </dgm:scene3d>
+    <dgm:sp3d/>
+    <dgm:txPr/>
+    <dgm:style>
+      <a:lnRef idx="0">
+        <a:scrgbClr r="0" g="0" b="0"/>
+      </a:lnRef>
+      <a:fillRef idx="1">
+        <a:scrgbClr r="0" g="0" b="0"/>
+      </a:fillRef>
+      <a:effectRef idx="0">
+        <a:scrgbClr r="0" g="0" b="0"/>
+      </a:effectRef>
+      <a:fontRef idx="minor"/>
+    </dgm:style>
+  </dgm:styleLbl>
+  <dgm:styleLbl name="fgShp">
+    <dgm:scene3d>
+      <a:camera prst="orthographicFront"/>
+      <a:lightRig rig="threePt" dir="t"/>
+    </dgm:scene3d>
+    <dgm:sp3d/>
+    <dgm:txPr/>
+    <dgm:style>
+      <a:lnRef idx="3">
+        <a:scrgbClr r="0" g="0" b="0"/>
+      </a:lnRef>
+      <a:fillRef idx="1">
+        <a:scrgbClr r="0" g="0" b="0"/>
+      </a:fillRef>
+      <a:effectRef idx="1">
+        <a:scrgbClr r="0" g="0" b="0"/>
+      </a:effectRef>
+      <a:fontRef idx="minor"/>
+    </dgm:style>
+  </dgm:styleLbl>
+  <dgm:styleLbl name="revTx">
+    <dgm:scene3d>
+      <a:camera prst="orthographicFront"/>
+      <a:lightRig rig="threePt" dir="t"/>
+    </dgm:scene3d>
+    <dgm:sp3d/>
+    <dgm:txPr/>
+    <dgm:style>
+      <a:lnRef idx="0">
+        <a:scrgbClr r="0" g="0" b="0"/>
+      </a:lnRef>
+      <a:fillRef idx="0">
+        <a:scrgbClr r="0" g="0" b="0"/>
+      </a:fillRef>
+      <a:effectRef idx="0">
+        <a:scrgbClr r="0" g="0" b="0"/>
+      </a:effectRef>
+      <a:fontRef idx="minor"/>
+    </dgm:style>
+  </dgm:styleLbl>
+</dgm:styleDef>
 </file>
 
 <file path=ppt/slideLayouts/slideLayout1.xml><?xml version="1.0" encoding="utf-8"?>
@@ -316,7 +3986,7 @@
           <a:p>
             <a:fld id="{5A6C7C52-5AE7-46DC-9B95-1203CAB63C43}" type="datetimeFigureOut">
               <a:rPr lang="en-US" smtClean="0"/>
-              <a:t>2/28/2018</a:t>
+              <a:t>3/17/2018</a:t>
             </a:fld>
             <a:endParaRPr lang="en-US"/>
           </a:p>
@@ -374,13 +4044,13 @@
   <p:clrMapOvr>
     <a:overrideClrMapping bg1="dk1" tx1="lt1" bg2="dk2" tx2="lt2" accent1="accent1" accent2="accent2" accent3="accent3" accent4="accent4" accent5="accent5" accent6="accent6" hlink="hlink" folHlink="folHlink"/>
   </p:clrMapOvr>
-  <mc:AlternateContent xmlns:mc="http://schemas.openxmlformats.org/markup-compatibility/2006">
-    <mc:Choice xmlns:p15="http://schemas.microsoft.com/office/powerpoint/2012/main" Requires="p15">
+  <mc:AlternateContent xmlns:mc="http://schemas.openxmlformats.org/markup-compatibility/2006" xmlns:p15="http://schemas.microsoft.com/office/powerpoint/2012/main">
+    <mc:Choice Requires="p15">
       <p:transition>
         <p15:prstTrans prst="pageCurlDouble"/>
       </p:transition>
     </mc:Choice>
-    <mc:Fallback>
+    <mc:Fallback xmlns="">
       <p:transition>
         <p:fade/>
       </p:transition>
@@ -503,7 +4173,7 @@
           <a:p>
             <a:fld id="{5A6C7C52-5AE7-46DC-9B95-1203CAB63C43}" type="datetimeFigureOut">
               <a:rPr lang="en-US" smtClean="0"/>
-              <a:t>2/28/2018</a:t>
+              <a:t>3/17/2018</a:t>
             </a:fld>
             <a:endParaRPr lang="en-US"/>
           </a:p>
@@ -561,13 +4231,13 @@
   <p:clrMapOvr>
     <a:masterClrMapping/>
   </p:clrMapOvr>
-  <mc:AlternateContent xmlns:mc="http://schemas.openxmlformats.org/markup-compatibility/2006">
-    <mc:Choice xmlns:p15="http://schemas.microsoft.com/office/powerpoint/2012/main" Requires="p15">
+  <mc:AlternateContent xmlns:mc="http://schemas.openxmlformats.org/markup-compatibility/2006" xmlns:p15="http://schemas.microsoft.com/office/powerpoint/2012/main">
+    <mc:Choice Requires="p15">
       <p:transition>
         <p15:prstTrans prst="pageCurlDouble"/>
       </p:transition>
     </mc:Choice>
-    <mc:Fallback>
+    <mc:Fallback xmlns="">
       <p:transition>
         <p:fade/>
       </p:transition>
@@ -695,7 +4365,7 @@
           <a:p>
             <a:fld id="{5A6C7C52-5AE7-46DC-9B95-1203CAB63C43}" type="datetimeFigureOut">
               <a:rPr lang="en-US" smtClean="0"/>
-              <a:t>2/28/2018</a:t>
+              <a:t>3/17/2018</a:t>
             </a:fld>
             <a:endParaRPr lang="en-US"/>
           </a:p>
@@ -753,13 +4423,13 @@
   <p:clrMapOvr>
     <a:masterClrMapping/>
   </p:clrMapOvr>
-  <mc:AlternateContent xmlns:mc="http://schemas.openxmlformats.org/markup-compatibility/2006">
-    <mc:Choice xmlns:p15="http://schemas.microsoft.com/office/powerpoint/2012/main" Requires="p15">
+  <mc:AlternateContent xmlns:mc="http://schemas.openxmlformats.org/markup-compatibility/2006" xmlns:p15="http://schemas.microsoft.com/office/powerpoint/2012/main">
+    <mc:Choice Requires="p15">
       <p:transition>
         <p15:prstTrans prst="pageCurlDouble"/>
       </p:transition>
     </mc:Choice>
-    <mc:Fallback>
+    <mc:Fallback xmlns="">
       <p:transition>
         <p:fade/>
       </p:transition>
@@ -873,7 +4543,7 @@
           <a:p>
             <a:fld id="{5A6C7C52-5AE7-46DC-9B95-1203CAB63C43}" type="datetimeFigureOut">
               <a:rPr lang="en-US" smtClean="0"/>
-              <a:t>2/28/2018</a:t>
+              <a:t>3/17/2018</a:t>
             </a:fld>
             <a:endParaRPr lang="en-US"/>
           </a:p>
@@ -931,13 +4601,13 @@
   <p:clrMapOvr>
     <a:masterClrMapping/>
   </p:clrMapOvr>
-  <mc:AlternateContent xmlns:mc="http://schemas.openxmlformats.org/markup-compatibility/2006">
-    <mc:Choice xmlns:p15="http://schemas.microsoft.com/office/powerpoint/2012/main" Requires="p15">
+  <mc:AlternateContent xmlns:mc="http://schemas.openxmlformats.org/markup-compatibility/2006" xmlns:p15="http://schemas.microsoft.com/office/powerpoint/2012/main">
+    <mc:Choice Requires="p15">
       <p:transition>
         <p15:prstTrans prst="pageCurlDouble"/>
       </p:transition>
     </mc:Choice>
-    <mc:Fallback>
+    <mc:Fallback xmlns="">
       <p:transition>
         <p:fade/>
       </p:transition>
@@ -1055,7 +4725,7 @@
           <a:p>
             <a:fld id="{5A6C7C52-5AE7-46DC-9B95-1203CAB63C43}" type="datetimeFigureOut">
               <a:rPr lang="en-US" smtClean="0"/>
-              <a:t>2/28/2018</a:t>
+              <a:t>3/17/2018</a:t>
             </a:fld>
             <a:endParaRPr lang="en-US"/>
           </a:p>
@@ -1113,13 +4783,13 @@
   <p:clrMapOvr>
     <a:masterClrMapping/>
   </p:clrMapOvr>
-  <mc:AlternateContent xmlns:mc="http://schemas.openxmlformats.org/markup-compatibility/2006">
-    <mc:Choice xmlns:p15="http://schemas.microsoft.com/office/powerpoint/2012/main" Requires="p15">
+  <mc:AlternateContent xmlns:mc="http://schemas.openxmlformats.org/markup-compatibility/2006" xmlns:p15="http://schemas.microsoft.com/office/powerpoint/2012/main">
+    <mc:Choice Requires="p15">
       <p:transition>
         <p15:prstTrans prst="pageCurlDouble"/>
       </p:transition>
     </mc:Choice>
-    <mc:Fallback>
+    <mc:Fallback xmlns="">
       <p:transition>
         <p:fade/>
       </p:transition>
@@ -1335,7 +5005,7 @@
           <a:p>
             <a:fld id="{5A6C7C52-5AE7-46DC-9B95-1203CAB63C43}" type="datetimeFigureOut">
               <a:rPr lang="en-US" smtClean="0"/>
-              <a:t>2/28/2018</a:t>
+              <a:t>3/17/2018</a:t>
             </a:fld>
             <a:endParaRPr lang="en-US"/>
           </a:p>
@@ -1393,13 +5063,13 @@
   <p:clrMapOvr>
     <a:overrideClrMapping bg1="dk1" tx1="lt1" bg2="dk2" tx2="lt2" accent1="accent1" accent2="accent2" accent3="accent3" accent4="accent4" accent5="accent5" accent6="accent6" hlink="hlink" folHlink="folHlink"/>
   </p:clrMapOvr>
-  <mc:AlternateContent xmlns:mc="http://schemas.openxmlformats.org/markup-compatibility/2006">
-    <mc:Choice xmlns:p15="http://schemas.microsoft.com/office/powerpoint/2012/main" Requires="p15">
+  <mc:AlternateContent xmlns:mc="http://schemas.openxmlformats.org/markup-compatibility/2006" xmlns:p15="http://schemas.microsoft.com/office/powerpoint/2012/main">
+    <mc:Choice Requires="p15">
       <p:transition>
         <p15:prstTrans prst="pageCurlDouble"/>
       </p:transition>
     </mc:Choice>
-    <mc:Fallback>
+    <mc:Fallback xmlns="">
       <p:transition>
         <p:fade/>
       </p:transition>
@@ -1584,7 +5254,7 @@
           <a:p>
             <a:fld id="{5A6C7C52-5AE7-46DC-9B95-1203CAB63C43}" type="datetimeFigureOut">
               <a:rPr lang="en-US" smtClean="0"/>
-              <a:t>2/28/2018</a:t>
+              <a:t>3/17/2018</a:t>
             </a:fld>
             <a:endParaRPr lang="en-US"/>
           </a:p>
@@ -1642,13 +5312,13 @@
   <p:clrMapOvr>
     <a:masterClrMapping/>
   </p:clrMapOvr>
-  <mc:AlternateContent xmlns:mc="http://schemas.openxmlformats.org/markup-compatibility/2006">
-    <mc:Choice xmlns:p15="http://schemas.microsoft.com/office/powerpoint/2012/main" Requires="p15">
+  <mc:AlternateContent xmlns:mc="http://schemas.openxmlformats.org/markup-compatibility/2006" xmlns:p15="http://schemas.microsoft.com/office/powerpoint/2012/main">
+    <mc:Choice Requires="p15">
       <p:transition>
         <p15:prstTrans prst="pageCurlDouble"/>
       </p:transition>
     </mc:Choice>
-    <mc:Fallback>
+    <mc:Fallback xmlns="">
       <p:transition>
         <p:fade/>
       </p:transition>
@@ -1956,7 +5626,7 @@
           <a:p>
             <a:fld id="{5A6C7C52-5AE7-46DC-9B95-1203CAB63C43}" type="datetimeFigureOut">
               <a:rPr lang="en-US" smtClean="0"/>
-              <a:t>2/28/2018</a:t>
+              <a:t>3/17/2018</a:t>
             </a:fld>
             <a:endParaRPr lang="en-US"/>
           </a:p>
@@ -2037,13 +5707,13 @@
   <p:clrMapOvr>
     <a:masterClrMapping/>
   </p:clrMapOvr>
-  <mc:AlternateContent xmlns:mc="http://schemas.openxmlformats.org/markup-compatibility/2006">
-    <mc:Choice xmlns:p15="http://schemas.microsoft.com/office/powerpoint/2012/main" Requires="p15">
+  <mc:AlternateContent xmlns:mc="http://schemas.openxmlformats.org/markup-compatibility/2006" xmlns:p15="http://schemas.microsoft.com/office/powerpoint/2012/main">
+    <mc:Choice Requires="p15">
       <p:transition>
         <p15:prstTrans prst="pageCurlDouble"/>
       </p:transition>
     </mc:Choice>
-    <mc:Fallback>
+    <mc:Fallback xmlns="">
       <p:transition>
         <p:fade/>
       </p:transition>
@@ -2114,7 +5784,7 @@
           <a:p>
             <a:fld id="{5A6C7C52-5AE7-46DC-9B95-1203CAB63C43}" type="datetimeFigureOut">
               <a:rPr lang="en-US" smtClean="0"/>
-              <a:t>2/28/2018</a:t>
+              <a:t>3/17/2018</a:t>
             </a:fld>
             <a:endParaRPr lang="en-US"/>
           </a:p>
@@ -2172,13 +5842,13 @@
   <p:clrMapOvr>
     <a:masterClrMapping/>
   </p:clrMapOvr>
-  <mc:AlternateContent xmlns:mc="http://schemas.openxmlformats.org/markup-compatibility/2006">
-    <mc:Choice xmlns:p15="http://schemas.microsoft.com/office/powerpoint/2012/main" Requires="p15">
+  <mc:AlternateContent xmlns:mc="http://schemas.openxmlformats.org/markup-compatibility/2006" xmlns:p15="http://schemas.microsoft.com/office/powerpoint/2012/main">
+    <mc:Choice Requires="p15">
       <p:transition>
         <p15:prstTrans prst="pageCurlDouble"/>
       </p:transition>
     </mc:Choice>
-    <mc:Fallback>
+    <mc:Fallback xmlns="">
       <p:transition>
         <p:fade/>
       </p:transition>
@@ -2221,7 +5891,7 @@
           <a:p>
             <a:fld id="{5A6C7C52-5AE7-46DC-9B95-1203CAB63C43}" type="datetimeFigureOut">
               <a:rPr lang="en-US" smtClean="0"/>
-              <a:t>2/28/2018</a:t>
+              <a:t>3/17/2018</a:t>
             </a:fld>
             <a:endParaRPr lang="en-US"/>
           </a:p>
@@ -2279,13 +5949,13 @@
   <p:clrMapOvr>
     <a:masterClrMapping/>
   </p:clrMapOvr>
-  <mc:AlternateContent xmlns:mc="http://schemas.openxmlformats.org/markup-compatibility/2006">
-    <mc:Choice xmlns:p15="http://schemas.microsoft.com/office/powerpoint/2012/main" Requires="p15">
+  <mc:AlternateContent xmlns:mc="http://schemas.openxmlformats.org/markup-compatibility/2006" xmlns:p15="http://schemas.microsoft.com/office/powerpoint/2012/main">
+    <mc:Choice Requires="p15">
       <p:transition>
         <p15:prstTrans prst="pageCurlDouble"/>
       </p:transition>
     </mc:Choice>
-    <mc:Fallback>
+    <mc:Fallback xmlns="">
       <p:transition>
         <p:fade/>
       </p:transition>
@@ -2595,7 +6265,7 @@
           <a:p>
             <a:fld id="{5A6C7C52-5AE7-46DC-9B95-1203CAB63C43}" type="datetimeFigureOut">
               <a:rPr lang="en-US" smtClean="0"/>
-              <a:t>2/28/2018</a:t>
+              <a:t>3/17/2018</a:t>
             </a:fld>
             <a:endParaRPr lang="en-US"/>
           </a:p>
@@ -2668,13 +6338,13 @@
   <p:clrMapOvr>
     <a:masterClrMapping/>
   </p:clrMapOvr>
-  <mc:AlternateContent xmlns:mc="http://schemas.openxmlformats.org/markup-compatibility/2006">
-    <mc:Choice xmlns:p15="http://schemas.microsoft.com/office/powerpoint/2012/main" Requires="p15">
+  <mc:AlternateContent xmlns:mc="http://schemas.openxmlformats.org/markup-compatibility/2006" xmlns:p15="http://schemas.microsoft.com/office/powerpoint/2012/main">
+    <mc:Choice Requires="p15">
       <p:transition>
         <p15:prstTrans prst="pageCurlDouble"/>
       </p:transition>
     </mc:Choice>
-    <mc:Fallback>
+    <mc:Fallback xmlns="">
       <p:transition>
         <p:fade/>
       </p:transition>
@@ -2968,7 +6638,7 @@
           <a:p>
             <a:fld id="{5A6C7C52-5AE7-46DC-9B95-1203CAB63C43}" type="datetimeFigureOut">
               <a:rPr lang="en-US" smtClean="0"/>
-              <a:t>2/28/2018</a:t>
+              <a:t>3/17/2018</a:t>
             </a:fld>
             <a:endParaRPr lang="en-US"/>
           </a:p>
@@ -3041,13 +6711,13 @@
   <p:clrMapOvr>
     <a:masterClrMapping/>
   </p:clrMapOvr>
-  <mc:AlternateContent xmlns:mc="http://schemas.openxmlformats.org/markup-compatibility/2006">
-    <mc:Choice xmlns:p15="http://schemas.microsoft.com/office/powerpoint/2012/main" Requires="p15">
+  <mc:AlternateContent xmlns:mc="http://schemas.openxmlformats.org/markup-compatibility/2006" xmlns:p15="http://schemas.microsoft.com/office/powerpoint/2012/main">
+    <mc:Choice Requires="p15">
       <p:transition>
         <p15:prstTrans prst="pageCurlDouble"/>
       </p:transition>
     </mc:Choice>
-    <mc:Fallback>
+    <mc:Fallback xmlns="">
       <p:transition>
         <p:fade/>
       </p:transition>
@@ -3219,7 +6889,7 @@
           <a:p>
             <a:fld id="{5A6C7C52-5AE7-46DC-9B95-1203CAB63C43}" type="datetimeFigureOut">
               <a:rPr lang="en-US" smtClean="0"/>
-              <a:t>2/28/2018</a:t>
+              <a:t>3/17/2018</a:t>
             </a:fld>
             <a:endParaRPr lang="en-US"/>
           </a:p>
@@ -3330,13 +7000,13 @@
     <p:sldLayoutId id="2147485970" r:id="rId11"/>
     <p:sldLayoutId id="2147485971" r:id="rId12"/>
   </p:sldLayoutIdLst>
-  <mc:AlternateContent xmlns:mc="http://schemas.openxmlformats.org/markup-compatibility/2006">
-    <mc:Choice xmlns:p15="http://schemas.microsoft.com/office/powerpoint/2012/main" Requires="p15">
+  <mc:AlternateContent xmlns:mc="http://schemas.openxmlformats.org/markup-compatibility/2006" xmlns:p15="http://schemas.microsoft.com/office/powerpoint/2012/main">
+    <mc:Choice Requires="p15">
       <p:transition>
         <p15:prstTrans prst="pageCurlDouble"/>
       </p:transition>
     </mc:Choice>
-    <mc:Fallback>
+    <mc:Fallback xmlns="">
       <p:transition>
         <p:fade/>
       </p:transition>
@@ -3747,33 +7417,21 @@
             <a:pPr algn="r"/>
             <a:r>
               <a:rPr lang="en-US" sz="2000" b="1" dirty="0" smtClean="0"/>
-              <a:t>Presented </a:t>
-            </a:r>
-            <a:r>
-              <a:rPr lang="en-US" sz="2000" b="1" dirty="0" smtClean="0"/>
-              <a:t>by </a:t>
+              <a:t>Presented by </a:t>
             </a:r>
           </a:p>
           <a:p>
             <a:pPr algn="r"/>
             <a:r>
               <a:rPr lang="en-US" sz="1600" dirty="0" smtClean="0"/>
-              <a:t>Anmol </a:t>
-            </a:r>
+              <a:t>Anmol Shukla</a:t>
+            </a:r>
+          </a:p>
+          <a:p>
+            <a:pPr algn="r"/>
             <a:r>
               <a:rPr lang="en-US" sz="1600" dirty="0" smtClean="0"/>
-              <a:t>Shukla</a:t>
-            </a:r>
-          </a:p>
-          <a:p>
-            <a:pPr algn="r"/>
-            <a:r>
-              <a:rPr lang="en-US" sz="1600" dirty="0" smtClean="0"/>
-              <a:t>Pranav </a:t>
-            </a:r>
-            <a:r>
-              <a:rPr lang="en-US" sz="1600" dirty="0" smtClean="0"/>
-              <a:t>Jain</a:t>
+              <a:t>Pranav Jain</a:t>
             </a:r>
           </a:p>
           <a:p>
@@ -3784,11 +7442,7 @@
             </a:r>
             <a:r>
               <a:rPr lang="en-US" sz="1600" dirty="0" smtClean="0"/>
-              <a:t> </a:t>
-            </a:r>
-            <a:r>
-              <a:rPr lang="en-US" sz="1600" dirty="0" smtClean="0"/>
-              <a:t>Gupta</a:t>
+              <a:t> Gupta</a:t>
             </a:r>
           </a:p>
           <a:p>
@@ -3819,13 +7473,13 @@
   <p:clrMapOvr>
     <a:masterClrMapping/>
   </p:clrMapOvr>
-  <mc:AlternateContent xmlns:mc="http://schemas.openxmlformats.org/markup-compatibility/2006">
-    <mc:Choice xmlns:p15="http://schemas.microsoft.com/office/powerpoint/2012/main" Requires="p15">
+  <mc:AlternateContent xmlns:mc="http://schemas.openxmlformats.org/markup-compatibility/2006" xmlns:p15="http://schemas.microsoft.com/office/powerpoint/2012/main">
+    <mc:Choice Requires="p15">
       <p:transition spd="slow">
         <p15:prstTrans prst="pageCurlDouble"/>
       </p:transition>
     </mc:Choice>
-    <mc:Fallback>
+    <mc:Fallback xmlns="">
       <p:transition spd="slow">
         <p:fade/>
       </p:transition>
@@ -3860,7 +7514,7 @@
       </p:grpSpPr>
       <p:sp>
         <p:nvSpPr>
-          <p:cNvPr id="2" name="TextBox 1"/>
+          <p:cNvPr id="3" name="TextBox 2"/>
           <p:cNvSpPr txBox="1"/>
           <p:nvPr/>
         </p:nvSpPr>
@@ -3882,52 +7536,36 @@
           <a:p>
             <a:pPr algn="ctr"/>
             <a:r>
-              <a:rPr lang="en-US" sz="5400" b="1" dirty="0" smtClean="0"/>
-              <a:t>What is </a:t>
-            </a:r>
-            <a:r>
-              <a:rPr lang="en-US" sz="5400" b="1" dirty="0" smtClean="0">
-                <a:ln w="0"/>
-                <a:solidFill>
-                  <a:schemeClr val="accent1"/>
-                </a:solidFill>
-              </a:rPr>
-              <a:t>Data Mining</a:t>
+              <a:rPr lang="en-US" sz="5400" dirty="0" smtClean="0"/>
+              <a:t>What are </a:t>
             </a:r>
             <a:r>
               <a:rPr lang="en-US" sz="5400" dirty="0" smtClean="0">
                 <a:ln w="0"/>
                 <a:solidFill>
-                  <a:schemeClr val="accent1"/>
+                  <a:schemeClr val="accent2"/>
                 </a:solidFill>
-                <a:effectLst>
-                  <a:outerShdw blurRad="38100" dist="25400" dir="5400000" algn="ctr" rotWithShape="0">
-                    <a:srgbClr val="6E747A">
-                      <a:alpha val="43000"/>
-                    </a:srgbClr>
-                  </a:outerShdw>
-                </a:effectLst>
               </a:rPr>
-              <a:t> </a:t>
-            </a:r>
-            <a:r>
-              <a:rPr lang="en-US" sz="5400" b="1" dirty="0" smtClean="0"/>
+              <a:t>Sentiments </a:t>
+            </a:r>
+            <a:r>
+              <a:rPr lang="en-US" sz="5400" dirty="0" smtClean="0"/>
               <a:t>?</a:t>
             </a:r>
-            <a:endParaRPr lang="en-US" sz="5400" b="1" dirty="0"/>
+            <a:endParaRPr lang="en-US" sz="5400" dirty="0"/>
           </a:p>
         </p:txBody>
       </p:sp>
       <p:sp>
         <p:nvSpPr>
-          <p:cNvPr id="3" name="TextBox 2"/>
+          <p:cNvPr id="5" name="TextBox 4"/>
           <p:cNvSpPr txBox="1"/>
           <p:nvPr/>
         </p:nvSpPr>
         <p:spPr>
           <a:xfrm>
             <a:off x="836023" y="1449977"/>
-            <a:ext cx="10607040" cy="369332"/>
+            <a:ext cx="10607040" cy="4401205"/>
           </a:xfrm>
           <a:prstGeom prst="rect">
             <a:avLst/>
@@ -3940,31 +7578,126 @@
           </a:bodyPr>
           <a:lstStyle/>
           <a:p>
-            <a:r>
-              <a:rPr lang="en-US" dirty="0" err="1" smtClean="0"/>
-              <a:t>asdf</a:t>
-            </a:r>
-            <a:endParaRPr lang="en-US" dirty="0"/>
+            <a:pPr marL="457200" indent="-457200">
+              <a:buFont typeface="Arial" panose="020B0604020202020204" pitchFamily="34" charset="0"/>
+              <a:buChar char="•"/>
+            </a:pPr>
+            <a:r>
+              <a:rPr lang="en-US" sz="2800" b="1" dirty="0" smtClean="0"/>
+              <a:t>It </a:t>
+            </a:r>
+            <a:r>
+              <a:rPr lang="en-US" sz="2800" b="1" dirty="0"/>
+              <a:t>is the process of determining whether a piece of writing is positive, negative or neutral</a:t>
+            </a:r>
+            <a:r>
+              <a:rPr lang="en-US" sz="2800" b="1" dirty="0" smtClean="0"/>
+              <a:t>.</a:t>
+            </a:r>
+          </a:p>
+          <a:p>
+            <a:pPr marL="457200" indent="-457200">
+              <a:buFont typeface="Arial" panose="020B0604020202020204" pitchFamily="34" charset="0"/>
+              <a:buChar char="•"/>
+            </a:pPr>
+            <a:endParaRPr lang="en-US" sz="2800" b="1" dirty="0" smtClean="0"/>
+          </a:p>
+          <a:p>
+            <a:pPr marL="457200" indent="-457200">
+              <a:buFont typeface="Arial" panose="020B0604020202020204" pitchFamily="34" charset="0"/>
+              <a:buChar char="•"/>
+            </a:pPr>
+            <a:r>
+              <a:rPr lang="en-US" sz="2800" b="1" dirty="0" smtClean="0"/>
+              <a:t>It is </a:t>
+            </a:r>
+            <a:r>
+              <a:rPr lang="en-US" sz="2800" b="1" dirty="0"/>
+              <a:t>also known as opinion </a:t>
+            </a:r>
+            <a:r>
+              <a:rPr lang="en-US" sz="2800" b="1" dirty="0" smtClean="0"/>
+              <a:t>mining.</a:t>
+            </a:r>
+          </a:p>
+          <a:p>
+            <a:pPr marL="457200" indent="-457200">
+              <a:buFont typeface="Arial" panose="020B0604020202020204" pitchFamily="34" charset="0"/>
+              <a:buChar char="•"/>
+            </a:pPr>
+            <a:endParaRPr lang="en-US" sz="2800" b="1" dirty="0" smtClean="0"/>
+          </a:p>
+          <a:p>
+            <a:pPr marL="457200" indent="-457200">
+              <a:buFont typeface="Arial" panose="020B0604020202020204" pitchFamily="34" charset="0"/>
+              <a:buChar char="•"/>
+            </a:pPr>
+            <a:r>
+              <a:rPr lang="en-US" sz="2800" b="1" dirty="0" smtClean="0"/>
+              <a:t>It is an important part of DATA MINING</a:t>
+            </a:r>
+          </a:p>
+          <a:p>
+            <a:pPr marL="457200" indent="-457200">
+              <a:buFont typeface="Arial" panose="020B0604020202020204" pitchFamily="34" charset="0"/>
+              <a:buChar char="•"/>
+            </a:pPr>
+            <a:endParaRPr lang="en-US" sz="2800" b="1" dirty="0"/>
+          </a:p>
+          <a:p>
+            <a:pPr marL="457200" indent="-457200">
+              <a:buFont typeface="Arial" panose="020B0604020202020204" pitchFamily="34" charset="0"/>
+              <a:buChar char="•"/>
+            </a:pPr>
+            <a:r>
+              <a:rPr lang="en-US" sz="2800" b="1" dirty="0" smtClean="0"/>
+              <a:t>Basically, it is deriving </a:t>
+            </a:r>
+            <a:r>
+              <a:rPr lang="en-US" sz="2800" b="1" dirty="0"/>
+              <a:t>the opinion or attitude of a </a:t>
+            </a:r>
+            <a:r>
+              <a:rPr lang="en-US" sz="2800" b="1" dirty="0" smtClean="0"/>
+              <a:t>speaker.</a:t>
+            </a:r>
+          </a:p>
+          <a:p>
+            <a:endParaRPr lang="en-US" sz="2800" b="1" dirty="0" smtClean="0"/>
+          </a:p>
+          <a:p>
+            <a:pPr marL="457200" indent="-457200">
+              <a:buFont typeface="Arial" panose="020B0604020202020204" pitchFamily="34" charset="0"/>
+              <a:buChar char="•"/>
+            </a:pPr>
+            <a:r>
+              <a:rPr lang="en-US" sz="2800" b="1" dirty="0" smtClean="0"/>
+              <a:t>Tells </a:t>
+            </a:r>
+            <a:r>
+              <a:rPr lang="en-US" sz="2800" b="1" dirty="0"/>
+              <a:t>how people feel about a particular topic.</a:t>
+            </a:r>
           </a:p>
         </p:txBody>
       </p:sp>
     </p:spTree>
     <p:extLst>
       <p:ext uri="{BB962C8B-B14F-4D97-AF65-F5344CB8AC3E}">
-        <p14:creationId xmlns:p14="http://schemas.microsoft.com/office/powerpoint/2010/main" val="3415551915"/>
+        <p14:creationId xmlns:p14="http://schemas.microsoft.com/office/powerpoint/2010/main" val="1931701830"/>
       </p:ext>
     </p:extLst>
   </p:cSld>
   <p:clrMapOvr>
     <a:masterClrMapping/>
   </p:clrMapOvr>
-  <mc:AlternateContent xmlns:mc="http://schemas.openxmlformats.org/markup-compatibility/2006">
-    <mc:Choice xmlns:p15="http://schemas.microsoft.com/office/powerpoint/2012/main" Requires="p15">
+  <mc:AlternateContent xmlns:mc="http://schemas.openxmlformats.org/markup-compatibility/2006" xmlns:p15="http://schemas.microsoft.com/office/powerpoint/2012/main">
+    <mc:Choice Requires="p15">
       <p:transition spd="slow">
         <p15:prstTrans prst="pageCurlDouble"/>
       </p:transition>
     </mc:Choice>
-    <mc:Fallback>
+    <mc:Fallback xmlns="">
       <p:transition spd="slow">
         <p:fade/>
       </p:transition>
@@ -3981,6 +7714,701 @@
 </file>
 
 <file path=ppt/slides/slide11.xml><?xml version="1.0" encoding="utf-8"?>
+<p:sld xmlns:a="http://schemas.openxmlformats.org/drawingml/2006/main" xmlns:r="http://schemas.openxmlformats.org/officeDocument/2006/relationships" xmlns:p="http://schemas.openxmlformats.org/presentationml/2006/main">
+  <p:cSld>
+    <p:spTree>
+      <p:nvGrpSpPr>
+        <p:cNvPr id="1" name=""/>
+        <p:cNvGrpSpPr/>
+        <p:nvPr/>
+      </p:nvGrpSpPr>
+      <p:grpSpPr>
+        <a:xfrm>
+          <a:off x="0" y="0"/>
+          <a:ext cx="0" cy="0"/>
+          <a:chOff x="0" y="0"/>
+          <a:chExt cx="0" cy="0"/>
+        </a:xfrm>
+      </p:grpSpPr>
+      <p:sp>
+        <p:nvSpPr>
+          <p:cNvPr id="3" name="TextBox 2"/>
+          <p:cNvSpPr txBox="1"/>
+          <p:nvPr/>
+        </p:nvSpPr>
+        <p:spPr>
+          <a:xfrm>
+            <a:off x="836023" y="195943"/>
+            <a:ext cx="10607040" cy="923330"/>
+          </a:xfrm>
+          <a:prstGeom prst="rect">
+            <a:avLst/>
+          </a:prstGeom>
+          <a:noFill/>
+        </p:spPr>
+        <p:txBody>
+          <a:bodyPr wrap="square" rtlCol="0">
+            <a:spAutoFit/>
+          </a:bodyPr>
+          <a:lstStyle/>
+          <a:p>
+            <a:pPr algn="ctr"/>
+            <a:r>
+              <a:rPr lang="en-US" sz="5400" dirty="0" smtClean="0"/>
+              <a:t>What is </a:t>
+            </a:r>
+            <a:r>
+              <a:rPr lang="en-US" sz="5400" dirty="0" smtClean="0">
+                <a:ln w="0"/>
+                <a:solidFill>
+                  <a:schemeClr val="accent2"/>
+                </a:solidFill>
+              </a:rPr>
+              <a:t>Sentiment Analysis</a:t>
+            </a:r>
+            <a:r>
+              <a:rPr lang="en-US" sz="5400" dirty="0" smtClean="0">
+                <a:ln w="0"/>
+                <a:solidFill>
+                  <a:schemeClr val="accent2"/>
+                </a:solidFill>
+                <a:effectLst>
+                  <a:outerShdw blurRad="38100" dist="25400" dir="5400000" algn="ctr" rotWithShape="0">
+                    <a:srgbClr val="6E747A">
+                      <a:alpha val="43000"/>
+                    </a:srgbClr>
+                  </a:outerShdw>
+                </a:effectLst>
+              </a:rPr>
+              <a:t> </a:t>
+            </a:r>
+            <a:r>
+              <a:rPr lang="en-US" sz="5400" dirty="0" smtClean="0"/>
+              <a:t>?</a:t>
+            </a:r>
+            <a:endParaRPr lang="en-US" sz="5400" dirty="0"/>
+          </a:p>
+        </p:txBody>
+      </p:sp>
+      <p:sp>
+        <p:nvSpPr>
+          <p:cNvPr id="5" name="TextBox 4"/>
+          <p:cNvSpPr txBox="1"/>
+          <p:nvPr/>
+        </p:nvSpPr>
+        <p:spPr>
+          <a:xfrm>
+            <a:off x="836023" y="1449977"/>
+            <a:ext cx="10607040" cy="4401205"/>
+          </a:xfrm>
+          <a:prstGeom prst="rect">
+            <a:avLst/>
+          </a:prstGeom>
+          <a:noFill/>
+        </p:spPr>
+        <p:txBody>
+          <a:bodyPr wrap="square" rtlCol="0">
+            <a:spAutoFit/>
+          </a:bodyPr>
+          <a:lstStyle/>
+          <a:p>
+            <a:pPr marL="457200" indent="-457200">
+              <a:buFont typeface="Arial" panose="020B0604020202020204" pitchFamily="34" charset="0"/>
+              <a:buChar char="•"/>
+            </a:pPr>
+            <a:r>
+              <a:rPr lang="en-US" sz="2800" b="1" dirty="0" smtClean="0"/>
+              <a:t>It </a:t>
+            </a:r>
+            <a:r>
+              <a:rPr lang="en-US" sz="2800" b="1" dirty="0"/>
+              <a:t>is the process of determining whether a piece of writing is positive, negative or neutral</a:t>
+            </a:r>
+            <a:r>
+              <a:rPr lang="en-US" sz="2800" b="1" dirty="0" smtClean="0"/>
+              <a:t>.</a:t>
+            </a:r>
+          </a:p>
+          <a:p>
+            <a:pPr marL="457200" indent="-457200">
+              <a:buFont typeface="Arial" panose="020B0604020202020204" pitchFamily="34" charset="0"/>
+              <a:buChar char="•"/>
+            </a:pPr>
+            <a:endParaRPr lang="en-US" sz="2800" b="1" dirty="0" smtClean="0"/>
+          </a:p>
+          <a:p>
+            <a:pPr marL="457200" indent="-457200">
+              <a:buFont typeface="Arial" panose="020B0604020202020204" pitchFamily="34" charset="0"/>
+              <a:buChar char="•"/>
+            </a:pPr>
+            <a:r>
+              <a:rPr lang="en-US" sz="2800" b="1" dirty="0" smtClean="0"/>
+              <a:t>It is </a:t>
+            </a:r>
+            <a:r>
+              <a:rPr lang="en-US" sz="2800" b="1" dirty="0"/>
+              <a:t>also known as opinion </a:t>
+            </a:r>
+            <a:r>
+              <a:rPr lang="en-US" sz="2800" b="1" dirty="0" smtClean="0"/>
+              <a:t>mining.</a:t>
+            </a:r>
+          </a:p>
+          <a:p>
+            <a:pPr marL="457200" indent="-457200">
+              <a:buFont typeface="Arial" panose="020B0604020202020204" pitchFamily="34" charset="0"/>
+              <a:buChar char="•"/>
+            </a:pPr>
+            <a:endParaRPr lang="en-US" sz="2800" b="1" dirty="0" smtClean="0"/>
+          </a:p>
+          <a:p>
+            <a:pPr marL="457200" indent="-457200">
+              <a:buFont typeface="Arial" panose="020B0604020202020204" pitchFamily="34" charset="0"/>
+              <a:buChar char="•"/>
+            </a:pPr>
+            <a:r>
+              <a:rPr lang="en-US" sz="2800" b="1" dirty="0" smtClean="0"/>
+              <a:t>It is an important part of DATA MINING</a:t>
+            </a:r>
+          </a:p>
+          <a:p>
+            <a:pPr marL="457200" indent="-457200">
+              <a:buFont typeface="Arial" panose="020B0604020202020204" pitchFamily="34" charset="0"/>
+              <a:buChar char="•"/>
+            </a:pPr>
+            <a:endParaRPr lang="en-US" sz="2800" b="1" dirty="0"/>
+          </a:p>
+          <a:p>
+            <a:pPr marL="457200" indent="-457200">
+              <a:buFont typeface="Arial" panose="020B0604020202020204" pitchFamily="34" charset="0"/>
+              <a:buChar char="•"/>
+            </a:pPr>
+            <a:r>
+              <a:rPr lang="en-US" sz="2800" b="1" dirty="0" smtClean="0"/>
+              <a:t>Basically, it is deriving </a:t>
+            </a:r>
+            <a:r>
+              <a:rPr lang="en-US" sz="2800" b="1" dirty="0"/>
+              <a:t>the opinion or attitude of a </a:t>
+            </a:r>
+            <a:r>
+              <a:rPr lang="en-US" sz="2800" b="1" dirty="0" smtClean="0"/>
+              <a:t>speaker.</a:t>
+            </a:r>
+          </a:p>
+          <a:p>
+            <a:endParaRPr lang="en-US" sz="2800" b="1" dirty="0" smtClean="0"/>
+          </a:p>
+          <a:p>
+            <a:pPr marL="457200" indent="-457200">
+              <a:buFont typeface="Arial" panose="020B0604020202020204" pitchFamily="34" charset="0"/>
+              <a:buChar char="•"/>
+            </a:pPr>
+            <a:r>
+              <a:rPr lang="en-US" sz="2800" b="1" dirty="0" smtClean="0"/>
+              <a:t>Tells </a:t>
+            </a:r>
+            <a:r>
+              <a:rPr lang="en-US" sz="2800" b="1" dirty="0"/>
+              <a:t>how people feel about a particular topic.</a:t>
+            </a:r>
+          </a:p>
+        </p:txBody>
+      </p:sp>
+    </p:spTree>
+    <p:extLst>
+      <p:ext uri="{BB962C8B-B14F-4D97-AF65-F5344CB8AC3E}">
+        <p14:creationId xmlns:p14="http://schemas.microsoft.com/office/powerpoint/2010/main" val="545468752"/>
+      </p:ext>
+    </p:extLst>
+  </p:cSld>
+  <p:clrMapOvr>
+    <a:masterClrMapping/>
+  </p:clrMapOvr>
+  <mc:AlternateContent xmlns:mc="http://schemas.openxmlformats.org/markup-compatibility/2006" xmlns:p15="http://schemas.microsoft.com/office/powerpoint/2012/main">
+    <mc:Choice Requires="p15">
+      <p:transition spd="slow">
+        <p15:prstTrans prst="pageCurlDouble"/>
+      </p:transition>
+    </mc:Choice>
+    <mc:Fallback xmlns="">
+      <p:transition spd="slow">
+        <p:fade/>
+      </p:transition>
+    </mc:Fallback>
+  </mc:AlternateContent>
+  <p:timing>
+    <p:tnLst>
+      <p:par>
+        <p:cTn id="1" dur="indefinite" restart="never" nodeType="tmRoot"/>
+      </p:par>
+    </p:tnLst>
+  </p:timing>
+</p:sld>
+</file>
+
+<file path=ppt/slides/slide12.xml><?xml version="1.0" encoding="utf-8"?>
+<p:sld xmlns:a="http://schemas.openxmlformats.org/drawingml/2006/main" xmlns:r="http://schemas.openxmlformats.org/officeDocument/2006/relationships" xmlns:p="http://schemas.openxmlformats.org/presentationml/2006/main">
+  <p:cSld>
+    <p:spTree>
+      <p:nvGrpSpPr>
+        <p:cNvPr id="1" name=""/>
+        <p:cNvGrpSpPr/>
+        <p:nvPr/>
+      </p:nvGrpSpPr>
+      <p:grpSpPr>
+        <a:xfrm>
+          <a:off x="0" y="0"/>
+          <a:ext cx="0" cy="0"/>
+          <a:chOff x="0" y="0"/>
+          <a:chExt cx="0" cy="0"/>
+        </a:xfrm>
+      </p:grpSpPr>
+      <p:sp>
+        <p:nvSpPr>
+          <p:cNvPr id="5" name="TextBox 4"/>
+          <p:cNvSpPr txBox="1"/>
+          <p:nvPr/>
+        </p:nvSpPr>
+        <p:spPr>
+          <a:xfrm>
+            <a:off x="836023" y="195943"/>
+            <a:ext cx="10607040" cy="923330"/>
+          </a:xfrm>
+          <a:prstGeom prst="rect">
+            <a:avLst/>
+          </a:prstGeom>
+          <a:noFill/>
+        </p:spPr>
+        <p:txBody>
+          <a:bodyPr wrap="square" rtlCol="0">
+            <a:spAutoFit/>
+          </a:bodyPr>
+          <a:lstStyle/>
+          <a:p>
+            <a:pPr algn="ctr"/>
+            <a:r>
+              <a:rPr lang="en-US" sz="5400" dirty="0" smtClean="0"/>
+              <a:t>What is </a:t>
+            </a:r>
+            <a:r>
+              <a:rPr lang="en-US" sz="5400" dirty="0" smtClean="0">
+                <a:ln w="0"/>
+                <a:solidFill>
+                  <a:schemeClr val="accent2"/>
+                </a:solidFill>
+              </a:rPr>
+              <a:t>Machine Learning </a:t>
+            </a:r>
+            <a:r>
+              <a:rPr lang="en-US" sz="5400" dirty="0" smtClean="0"/>
+              <a:t>?</a:t>
+            </a:r>
+            <a:endParaRPr lang="en-US" sz="5400" dirty="0"/>
+          </a:p>
+        </p:txBody>
+      </p:sp>
+      <p:sp>
+        <p:nvSpPr>
+          <p:cNvPr id="6" name="TextBox 5"/>
+          <p:cNvSpPr txBox="1"/>
+          <p:nvPr/>
+        </p:nvSpPr>
+        <p:spPr>
+          <a:xfrm>
+            <a:off x="836023" y="1449977"/>
+            <a:ext cx="10607040" cy="523220"/>
+          </a:xfrm>
+          <a:prstGeom prst="rect">
+            <a:avLst/>
+          </a:prstGeom>
+          <a:noFill/>
+        </p:spPr>
+        <p:txBody>
+          <a:bodyPr wrap="square" rtlCol="0">
+            <a:spAutoFit/>
+          </a:bodyPr>
+          <a:lstStyle/>
+          <a:p>
+            <a:pPr marL="457200" lvl="0" indent="-457200">
+              <a:buFont typeface="Arial" panose="020B0604020202020204" pitchFamily="34" charset="0"/>
+              <a:buChar char="•"/>
+            </a:pPr>
+            <a:r>
+              <a:rPr lang="en-US" sz="2800" b="1" dirty="0" smtClean="0">
+                <a:solidFill>
+                  <a:prstClr val="black"/>
+                </a:solidFill>
+              </a:rPr>
+              <a:t>&lt;Dummy&gt;</a:t>
+            </a:r>
+          </a:p>
+        </p:txBody>
+      </p:sp>
+    </p:spTree>
+    <p:extLst>
+      <p:ext uri="{BB962C8B-B14F-4D97-AF65-F5344CB8AC3E}">
+        <p14:creationId xmlns:p14="http://schemas.microsoft.com/office/powerpoint/2010/main" val="2511325930"/>
+      </p:ext>
+    </p:extLst>
+  </p:cSld>
+  <p:clrMapOvr>
+    <a:masterClrMapping/>
+  </p:clrMapOvr>
+  <mc:AlternateContent xmlns:mc="http://schemas.openxmlformats.org/markup-compatibility/2006" xmlns:p15="http://schemas.microsoft.com/office/powerpoint/2012/main">
+    <mc:Choice Requires="p15">
+      <p:transition spd="slow">
+        <p15:prstTrans prst="pageCurlDouble"/>
+      </p:transition>
+    </mc:Choice>
+    <mc:Fallback xmlns="">
+      <p:transition spd="slow">
+        <p:fade/>
+      </p:transition>
+    </mc:Fallback>
+  </mc:AlternateContent>
+  <p:timing>
+    <p:tnLst>
+      <p:par>
+        <p:cTn id="1" dur="indefinite" restart="never" nodeType="tmRoot"/>
+      </p:par>
+    </p:tnLst>
+  </p:timing>
+</p:sld>
+</file>
+
+<file path=ppt/slides/slide13.xml><?xml version="1.0" encoding="utf-8"?>
+<p:sld xmlns:a="http://schemas.openxmlformats.org/drawingml/2006/main" xmlns:r="http://schemas.openxmlformats.org/officeDocument/2006/relationships" xmlns:p="http://schemas.openxmlformats.org/presentationml/2006/main">
+  <p:cSld>
+    <p:spTree>
+      <p:nvGrpSpPr>
+        <p:cNvPr id="1" name=""/>
+        <p:cNvGrpSpPr/>
+        <p:nvPr/>
+      </p:nvGrpSpPr>
+      <p:grpSpPr>
+        <a:xfrm>
+          <a:off x="0" y="0"/>
+          <a:ext cx="0" cy="0"/>
+          <a:chOff x="0" y="0"/>
+          <a:chExt cx="0" cy="0"/>
+        </a:xfrm>
+      </p:grpSpPr>
+      <p:sp>
+        <p:nvSpPr>
+          <p:cNvPr id="5" name="TextBox 4"/>
+          <p:cNvSpPr txBox="1"/>
+          <p:nvPr/>
+        </p:nvSpPr>
+        <p:spPr>
+          <a:xfrm>
+            <a:off x="836023" y="195943"/>
+            <a:ext cx="10607040" cy="923330"/>
+          </a:xfrm>
+          <a:prstGeom prst="rect">
+            <a:avLst/>
+          </a:prstGeom>
+          <a:noFill/>
+        </p:spPr>
+        <p:txBody>
+          <a:bodyPr wrap="square" rtlCol="0">
+            <a:spAutoFit/>
+          </a:bodyPr>
+          <a:lstStyle/>
+          <a:p>
+            <a:pPr algn="ctr"/>
+            <a:r>
+              <a:rPr lang="en-US" sz="5400" dirty="0" smtClean="0"/>
+              <a:t>What </a:t>
+            </a:r>
+            <a:r>
+              <a:rPr lang="en-US" sz="5400" smtClean="0"/>
+              <a:t>is </a:t>
+            </a:r>
+            <a:r>
+              <a:rPr lang="en-US" sz="5400" smtClean="0">
+                <a:ln w="0"/>
+                <a:solidFill>
+                  <a:schemeClr val="accent2"/>
+                </a:solidFill>
+              </a:rPr>
+              <a:t>Deep</a:t>
+            </a:r>
+            <a:r>
+              <a:rPr lang="en-US" sz="5400" smtClean="0">
+                <a:ln w="0"/>
+                <a:solidFill>
+                  <a:schemeClr val="accent2"/>
+                </a:solidFill>
+              </a:rPr>
+              <a:t> </a:t>
+            </a:r>
+            <a:r>
+              <a:rPr lang="en-US" sz="5400" dirty="0" smtClean="0">
+                <a:ln w="0"/>
+                <a:solidFill>
+                  <a:schemeClr val="accent2"/>
+                </a:solidFill>
+              </a:rPr>
+              <a:t>Learning </a:t>
+            </a:r>
+            <a:r>
+              <a:rPr lang="en-US" sz="5400" dirty="0" smtClean="0"/>
+              <a:t>?</a:t>
+            </a:r>
+            <a:endParaRPr lang="en-US" sz="5400" dirty="0"/>
+          </a:p>
+        </p:txBody>
+      </p:sp>
+      <p:sp>
+        <p:nvSpPr>
+          <p:cNvPr id="6" name="TextBox 5"/>
+          <p:cNvSpPr txBox="1"/>
+          <p:nvPr/>
+        </p:nvSpPr>
+        <p:spPr>
+          <a:xfrm>
+            <a:off x="836023" y="1449977"/>
+            <a:ext cx="10607040" cy="523220"/>
+          </a:xfrm>
+          <a:prstGeom prst="rect">
+            <a:avLst/>
+          </a:prstGeom>
+          <a:noFill/>
+        </p:spPr>
+        <p:txBody>
+          <a:bodyPr wrap="square" rtlCol="0">
+            <a:spAutoFit/>
+          </a:bodyPr>
+          <a:lstStyle/>
+          <a:p>
+            <a:pPr marL="457200" lvl="0" indent="-457200">
+              <a:buFont typeface="Arial" panose="020B0604020202020204" pitchFamily="34" charset="0"/>
+              <a:buChar char="•"/>
+            </a:pPr>
+            <a:r>
+              <a:rPr lang="en-US" sz="2800" b="1" dirty="0" smtClean="0">
+                <a:solidFill>
+                  <a:prstClr val="black"/>
+                </a:solidFill>
+              </a:rPr>
+              <a:t>&lt;Dummy&gt;</a:t>
+            </a:r>
+            <a:endParaRPr lang="en-US" sz="2800" dirty="0">
+              <a:solidFill>
+                <a:prstClr val="black"/>
+              </a:solidFill>
+            </a:endParaRPr>
+          </a:p>
+        </p:txBody>
+      </p:sp>
+    </p:spTree>
+    <p:extLst>
+      <p:ext uri="{BB962C8B-B14F-4D97-AF65-F5344CB8AC3E}">
+        <p14:creationId xmlns:p14="http://schemas.microsoft.com/office/powerpoint/2010/main" val="911204302"/>
+      </p:ext>
+    </p:extLst>
+  </p:cSld>
+  <p:clrMapOvr>
+    <a:masterClrMapping/>
+  </p:clrMapOvr>
+  <mc:AlternateContent xmlns:mc="http://schemas.openxmlformats.org/markup-compatibility/2006" xmlns:p15="http://schemas.microsoft.com/office/powerpoint/2012/main">
+    <mc:Choice Requires="p15">
+      <p:transition spd="slow">
+        <p15:prstTrans prst="pageCurlDouble"/>
+      </p:transition>
+    </mc:Choice>
+    <mc:Fallback xmlns="">
+      <p:transition spd="slow">
+        <p:fade/>
+      </p:transition>
+    </mc:Fallback>
+  </mc:AlternateContent>
+  <p:timing>
+    <p:tnLst>
+      <p:par>
+        <p:cTn id="1" dur="indefinite" restart="never" nodeType="tmRoot"/>
+      </p:par>
+    </p:tnLst>
+  </p:timing>
+</p:sld>
+</file>
+
+<file path=ppt/slides/slide14.xml><?xml version="1.0" encoding="utf-8"?>
+<p:sld xmlns:a="http://schemas.openxmlformats.org/drawingml/2006/main" xmlns:r="http://schemas.openxmlformats.org/officeDocument/2006/relationships" xmlns:p="http://schemas.openxmlformats.org/presentationml/2006/main">
+  <p:cSld>
+    <p:spTree>
+      <p:nvGrpSpPr>
+        <p:cNvPr id="1" name=""/>
+        <p:cNvGrpSpPr/>
+        <p:nvPr/>
+      </p:nvGrpSpPr>
+      <p:grpSpPr>
+        <a:xfrm>
+          <a:off x="0" y="0"/>
+          <a:ext cx="0" cy="0"/>
+          <a:chOff x="0" y="0"/>
+          <a:chExt cx="0" cy="0"/>
+        </a:xfrm>
+      </p:grpSpPr>
+      <p:sp>
+        <p:nvSpPr>
+          <p:cNvPr id="5" name="TextBox 4"/>
+          <p:cNvSpPr txBox="1"/>
+          <p:nvPr/>
+        </p:nvSpPr>
+        <p:spPr>
+          <a:xfrm>
+            <a:off x="836023" y="195943"/>
+            <a:ext cx="10607040" cy="1754326"/>
+          </a:xfrm>
+          <a:prstGeom prst="rect">
+            <a:avLst/>
+          </a:prstGeom>
+          <a:noFill/>
+        </p:spPr>
+        <p:txBody>
+          <a:bodyPr wrap="square" rtlCol="0">
+            <a:spAutoFit/>
+          </a:bodyPr>
+          <a:lstStyle/>
+          <a:p>
+            <a:pPr algn="ctr"/>
+            <a:r>
+              <a:rPr lang="en-US" sz="5400" dirty="0" smtClean="0">
+                <a:solidFill>
+                  <a:prstClr val="black"/>
+                </a:solidFill>
+              </a:rPr>
+              <a:t>What's </a:t>
+            </a:r>
+            <a:r>
+              <a:rPr lang="en-US" sz="5400" dirty="0" smtClean="0">
+                <a:solidFill>
+                  <a:schemeClr val="accent2"/>
+                </a:solidFill>
+              </a:rPr>
+              <a:t>required</a:t>
+            </a:r>
+            <a:r>
+              <a:rPr lang="en-US" sz="5400" dirty="0" smtClean="0">
+                <a:solidFill>
+                  <a:prstClr val="black"/>
+                </a:solidFill>
+              </a:rPr>
+              <a:t> to </a:t>
+            </a:r>
+            <a:r>
+              <a:rPr lang="en-US" sz="5400" dirty="0">
+                <a:solidFill>
+                  <a:prstClr val="black"/>
+                </a:solidFill>
+              </a:rPr>
+              <a:t>create </a:t>
+            </a:r>
+            <a:r>
+              <a:rPr lang="en-US" sz="5400" dirty="0">
+                <a:solidFill>
+                  <a:schemeClr val="accent2"/>
+                </a:solidFill>
+              </a:rPr>
+              <a:t>good</a:t>
+            </a:r>
+            <a:r>
+              <a:rPr lang="en-US" sz="5400" dirty="0">
+                <a:solidFill>
+                  <a:prstClr val="black"/>
+                </a:solidFill>
+              </a:rPr>
+              <a:t> </a:t>
+            </a:r>
+            <a:r>
+              <a:rPr lang="en-US" sz="5400" dirty="0">
+                <a:solidFill>
+                  <a:schemeClr val="accent2"/>
+                </a:solidFill>
+              </a:rPr>
+              <a:t>machine learning </a:t>
+            </a:r>
+            <a:r>
+              <a:rPr lang="en-US" sz="5400" dirty="0" smtClean="0">
+                <a:solidFill>
+                  <a:schemeClr val="accent2"/>
+                </a:solidFill>
+              </a:rPr>
+              <a:t>systems</a:t>
+            </a:r>
+            <a:r>
+              <a:rPr lang="en-US" sz="5400" dirty="0" smtClean="0">
+                <a:solidFill>
+                  <a:prstClr val="black"/>
+                </a:solidFill>
+              </a:rPr>
+              <a:t> </a:t>
+            </a:r>
+            <a:r>
+              <a:rPr lang="en-US" sz="5400" dirty="0" smtClean="0"/>
+              <a:t>?</a:t>
+            </a:r>
+            <a:endParaRPr lang="en-US" sz="5400" dirty="0"/>
+          </a:p>
+        </p:txBody>
+      </p:sp>
+      <p:graphicFrame>
+        <p:nvGraphicFramePr>
+          <p:cNvPr id="2" name="Diagram 1"/>
+          <p:cNvGraphicFramePr/>
+          <p:nvPr>
+            <p:extLst>
+              <p:ext uri="{D42A27DB-BD31-4B8C-83A1-F6EECF244321}">
+                <p14:modId xmlns:p14="http://schemas.microsoft.com/office/powerpoint/2010/main" val="3900960734"/>
+              </p:ext>
+            </p:extLst>
+          </p:nvPr>
+        </p:nvGraphicFramePr>
+        <p:xfrm>
+          <a:off x="836023" y="1950269"/>
+          <a:ext cx="10607040" cy="4636524"/>
+        </p:xfrm>
+        <a:graphic>
+          <a:graphicData uri="http://schemas.openxmlformats.org/drawingml/2006/diagram">
+            <dgm:relIds xmlns:dgm="http://schemas.openxmlformats.org/drawingml/2006/diagram" xmlns:r="http://schemas.openxmlformats.org/officeDocument/2006/relationships" r:dm="rId2" r:lo="rId3" r:qs="rId4" r:cs="rId5"/>
+          </a:graphicData>
+        </a:graphic>
+      </p:graphicFrame>
+    </p:spTree>
+    <p:extLst>
+      <p:ext uri="{BB962C8B-B14F-4D97-AF65-F5344CB8AC3E}">
+        <p14:creationId xmlns:p14="http://schemas.microsoft.com/office/powerpoint/2010/main" val="1677007153"/>
+      </p:ext>
+    </p:extLst>
+  </p:cSld>
+  <p:clrMapOvr>
+    <a:masterClrMapping/>
+  </p:clrMapOvr>
+  <mc:AlternateContent xmlns:mc="http://schemas.openxmlformats.org/markup-compatibility/2006" xmlns:p15="http://schemas.microsoft.com/office/powerpoint/2012/main">
+    <mc:Choice Requires="p15">
+      <p:transition spd="slow">
+        <p15:prstTrans prst="pageCurlDouble"/>
+      </p:transition>
+    </mc:Choice>
+    <mc:Fallback xmlns="">
+      <p:transition spd="slow">
+        <p:fade/>
+      </p:transition>
+    </mc:Fallback>
+  </mc:AlternateContent>
+  <p:timing>
+    <p:tnLst>
+      <p:par>
+        <p:cTn id="1" dur="indefinite" restart="never" nodeType="tmRoot"/>
+      </p:par>
+    </p:tnLst>
+  </p:timing>
+</p:sld>
+</file>
+
+<file path=ppt/slides/slide15.xml><?xml version="1.0" encoding="utf-8"?>
 <p:sld xmlns:a="http://schemas.openxmlformats.org/drawingml/2006/main" xmlns:r="http://schemas.openxmlformats.org/officeDocument/2006/relationships" xmlns:p="http://schemas.openxmlformats.org/presentationml/2006/main">
   <p:cSld>
     <p:spTree>
@@ -4051,13 +8479,13 @@
   <p:clrMapOvr>
     <a:masterClrMapping/>
   </p:clrMapOvr>
-  <mc:AlternateContent xmlns:mc="http://schemas.openxmlformats.org/markup-compatibility/2006">
-    <mc:Choice xmlns:p15="http://schemas.microsoft.com/office/powerpoint/2012/main" Requires="p15">
+  <mc:AlternateContent xmlns:mc="http://schemas.openxmlformats.org/markup-compatibility/2006" xmlns:p15="http://schemas.microsoft.com/office/powerpoint/2012/main">
+    <mc:Choice Requires="p15">
       <p:transition spd="slow">
         <p15:prstTrans prst="pageCurlDouble"/>
       </p:transition>
     </mc:Choice>
-    <mc:Fallback>
+    <mc:Fallback xmlns="">
       <p:transition spd="slow">
         <p:fade/>
       </p:transition>
@@ -4116,7 +8544,7 @@
               <a:rPr lang="en-US" sz="5400" dirty="0" smtClean="0">
                 <a:ln w="0"/>
                 <a:solidFill>
-                  <a:schemeClr val="accent1"/>
+                  <a:schemeClr val="accent2"/>
                 </a:solidFill>
               </a:rPr>
               <a:t>Features</a:t>
@@ -4222,11 +8650,7 @@
             </a:pPr>
             <a:r>
               <a:rPr lang="en-US" sz="3200" dirty="0" smtClean="0"/>
-              <a:t>Solidarity </a:t>
-            </a:r>
-            <a:r>
-              <a:rPr lang="en-US" sz="3200" dirty="0" smtClean="0"/>
-              <a:t>taken into account</a:t>
+              <a:t>Solidarity taken into account</a:t>
             </a:r>
           </a:p>
           <a:p>
@@ -4283,13 +8707,13 @@
   <p:clrMapOvr>
     <a:masterClrMapping/>
   </p:clrMapOvr>
-  <mc:AlternateContent xmlns:mc="http://schemas.openxmlformats.org/markup-compatibility/2006">
-    <mc:Choice xmlns:p15="http://schemas.microsoft.com/office/powerpoint/2012/main" Requires="p15">
+  <mc:AlternateContent xmlns:mc="http://schemas.openxmlformats.org/markup-compatibility/2006" xmlns:p15="http://schemas.microsoft.com/office/powerpoint/2012/main">
+    <mc:Choice Requires="p15">
       <p:transition spd="slow">
         <p15:prstTrans prst="pageCurlDouble"/>
       </p:transition>
     </mc:Choice>
-    <mc:Fallback>
+    <mc:Fallback xmlns="">
       <p:transition spd="slow">
         <p:fade/>
       </p:transition>
@@ -4344,11 +8768,7 @@
           <a:p>
             <a:r>
               <a:rPr lang="en-US" sz="5400" dirty="0" smtClean="0"/>
-              <a:t>The </a:t>
-            </a:r>
-            <a:r>
-              <a:rPr lang="en-US" sz="5400" dirty="0" smtClean="0"/>
-              <a:t>Team</a:t>
+              <a:t>The Team</a:t>
             </a:r>
             <a:endParaRPr lang="en-US" sz="5400" dirty="0"/>
           </a:p>
@@ -4451,13 +8871,13 @@
   <p:clrMapOvr>
     <a:masterClrMapping/>
   </p:clrMapOvr>
-  <mc:AlternateContent xmlns:mc="http://schemas.openxmlformats.org/markup-compatibility/2006">
-    <mc:Choice xmlns:p15="http://schemas.microsoft.com/office/powerpoint/2012/main" Requires="p15">
+  <mc:AlternateContent xmlns:mc="http://schemas.openxmlformats.org/markup-compatibility/2006" xmlns:p15="http://schemas.microsoft.com/office/powerpoint/2012/main">
+    <mc:Choice Requires="p15">
       <p:transition spd="slow">
         <p15:prstTrans prst="pageCurlDouble"/>
       </p:transition>
     </mc:Choice>
-    <mc:Fallback>
+    <mc:Fallback xmlns="">
       <p:transition spd="slow">
         <p:fade/>
       </p:transition>
@@ -4530,13 +8950,13 @@
   <p:clrMapOvr>
     <a:masterClrMapping/>
   </p:clrMapOvr>
-  <mc:AlternateContent xmlns:mc="http://schemas.openxmlformats.org/markup-compatibility/2006">
-    <mc:Choice xmlns:p15="http://schemas.microsoft.com/office/powerpoint/2012/main" Requires="p15">
+  <mc:AlternateContent xmlns:mc="http://schemas.openxmlformats.org/markup-compatibility/2006" xmlns:p15="http://schemas.microsoft.com/office/powerpoint/2012/main">
+    <mc:Choice Requires="p15">
       <p:transition spd="slow">
         <p15:prstTrans prst="pageCurlDouble"/>
       </p:transition>
     </mc:Choice>
-    <mc:Fallback>
+    <mc:Fallback xmlns="">
       <p:transition spd="slow">
         <p:fade/>
       </p:transition>
@@ -4593,7 +9013,7 @@
           <a:p>
             <a:pPr algn="ctr"/>
             <a:r>
-              <a:rPr lang="en-US" sz="5400" b="1" dirty="0" smtClean="0">
+              <a:rPr lang="en-US" sz="5400" dirty="0" smtClean="0">
                 <a:ln w="0"/>
                 <a:effectLst>
                   <a:outerShdw blurRad="38100" dist="25400" dir="5400000" algn="ctr" rotWithShape="0">
@@ -4603,10 +9023,10 @@
                   </a:outerShdw>
                 </a:effectLst>
               </a:rPr>
-              <a:t>The </a:t>
-            </a:r>
-            <a:r>
-              <a:rPr lang="en-US" sz="5400" b="1" dirty="0" smtClean="0">
+              <a:t>About</a:t>
+            </a:r>
+            <a:r>
+              <a:rPr lang="en-US" sz="5400" dirty="0" smtClean="0">
                 <a:ln w="0"/>
                 <a:solidFill>
                   <a:schemeClr val="accent1"/>
@@ -4619,26 +9039,13 @@
                   </a:outerShdw>
                 </a:effectLst>
               </a:rPr>
-              <a:t>what</a:t>
-            </a:r>
-            <a:r>
-              <a:rPr lang="en-US" sz="5400" b="1" dirty="0" smtClean="0">
-                <a:ln w="0"/>
-                <a:effectLst>
-                  <a:outerShdw blurRad="38100" dist="25400" dir="5400000" algn="ctr" rotWithShape="0">
-                    <a:srgbClr val="6E747A">
-                      <a:alpha val="43000"/>
-                    </a:srgbClr>
-                  </a:outerShdw>
-                </a:effectLst>
-              </a:rPr>
-              <a:t> and </a:t>
-            </a:r>
-            <a:r>
-              <a:rPr lang="en-US" sz="5400" b="1" dirty="0" smtClean="0">
+              <a:t> </a:t>
+            </a:r>
+            <a:r>
+              <a:rPr lang="en-US" sz="5400" dirty="0" smtClean="0">
                 <a:ln w="0"/>
                 <a:solidFill>
-                  <a:schemeClr val="accent1"/>
+                  <a:schemeClr val="accent2"/>
                 </a:solidFill>
                 <a:effectLst>
                   <a:outerShdw blurRad="38100" dist="25400" dir="5400000" algn="ctr" rotWithShape="0">
@@ -4648,26 +9055,13 @@
                   </a:outerShdw>
                 </a:effectLst>
               </a:rPr>
-              <a:t>why</a:t>
-            </a:r>
-            <a:r>
-              <a:rPr lang="en-US" sz="5400" b="1" dirty="0" smtClean="0">
-                <a:ln w="0"/>
-                <a:effectLst>
-                  <a:outerShdw blurRad="38100" dist="25400" dir="5400000" algn="ctr" rotWithShape="0">
-                    <a:srgbClr val="6E747A">
-                      <a:alpha val="43000"/>
-                    </a:srgbClr>
-                  </a:outerShdw>
-                </a:effectLst>
-              </a:rPr>
-              <a:t> of</a:t>
-            </a:r>
-            <a:r>
-              <a:rPr lang="en-US" sz="5400" b="1" dirty="0" smtClean="0">
+              <a:t>s</a:t>
+            </a:r>
+            <a:r>
+              <a:rPr lang="en-US" sz="5400" cap="none" spc="0" dirty="0" smtClean="0">
                 <a:ln w="0"/>
                 <a:solidFill>
-                  <a:schemeClr val="accent1"/>
+                  <a:schemeClr val="accent2"/>
                 </a:solidFill>
                 <a:effectLst>
                   <a:outerShdw blurRad="38100" dist="25400" dir="5400000" algn="ctr" rotWithShape="0">
@@ -4677,7 +9071,7 @@
                   </a:outerShdw>
                 </a:effectLst>
               </a:rPr>
-              <a:t> s</a:t>
+              <a:t>tocks</a:t>
             </a:r>
             <a:r>
               <a:rPr lang="en-US" sz="5400" b="1" cap="none" spc="0" dirty="0" smtClean="0">
@@ -4693,7 +9087,7 @@
                   </a:outerShdw>
                 </a:effectLst>
               </a:rPr>
-              <a:t>tocks </a:t>
+              <a:t> </a:t>
             </a:r>
             <a:endParaRPr lang="en-US" sz="5400" b="1" cap="none" spc="0" dirty="0">
               <a:ln w="0"/>
@@ -4720,7 +9114,7 @@
         <p:spPr>
           <a:xfrm>
             <a:off x="653143" y="1691546"/>
-            <a:ext cx="5264331" cy="4616648"/>
+            <a:ext cx="5264331" cy="4493538"/>
           </a:xfrm>
           <a:prstGeom prst="rect">
             <a:avLst/>
@@ -4733,32 +9127,6 @@
           </a:bodyPr>
           <a:lstStyle/>
           <a:p>
-            <a:r>
-              <a:rPr lang="en-US" sz="3200" b="1" dirty="0" smtClean="0">
-                <a:solidFill>
-                  <a:srgbClr val="00B050"/>
-                </a:solidFill>
-              </a:rPr>
-              <a:t>What</a:t>
-            </a:r>
-            <a:r>
-              <a:rPr lang="en-US" sz="3200" dirty="0" smtClean="0">
-                <a:solidFill>
-                  <a:srgbClr val="00B050"/>
-                </a:solidFill>
-              </a:rPr>
-              <a:t> </a:t>
-            </a:r>
-            <a:r>
-              <a:rPr lang="en-US" sz="3200" b="1" dirty="0" smtClean="0">
-                <a:solidFill>
-                  <a:srgbClr val="00B050"/>
-                </a:solidFill>
-              </a:rPr>
-              <a:t>?</a:t>
-            </a:r>
-          </a:p>
-          <a:p>
             <a:endParaRPr lang="en-US" sz="1400" dirty="0" smtClean="0"/>
           </a:p>
           <a:p>
@@ -4770,7 +9138,6 @@
               <a:rPr lang="en-US" sz="2400" b="1" dirty="0" smtClean="0"/>
               <a:t>Value depends on firm’s solidarity </a:t>
             </a:r>
-            <a:endParaRPr lang="en-US" sz="2400" b="1" dirty="0" smtClean="0"/>
           </a:p>
           <a:p>
             <a:pPr marL="285750" indent="-285750">
@@ -4795,7 +9162,6 @@
               <a:rPr lang="en-US" sz="2400" b="1" dirty="0" smtClean="0"/>
               <a:t>Prices change in split seconds</a:t>
             </a:r>
-            <a:endParaRPr lang="en-US" sz="2400" b="1" dirty="0" smtClean="0"/>
           </a:p>
           <a:p>
             <a:endParaRPr lang="en-US" sz="2400" b="1" dirty="0" smtClean="0"/>
@@ -4830,11 +9196,17 @@
               <a:buFont typeface="Arial" panose="020B0604020202020204" pitchFamily="34" charset="0"/>
               <a:buChar char="•"/>
             </a:pPr>
+            <a:endParaRPr lang="en-US" sz="2400" b="1" dirty="0" smtClean="0"/>
+          </a:p>
+          <a:p>
+            <a:pPr marL="285750" indent="-285750">
+              <a:buFont typeface="Arial" panose="020B0604020202020204" pitchFamily="34" charset="0"/>
+              <a:buChar char="•"/>
+            </a:pPr>
             <a:r>
               <a:rPr lang="en-US" sz="2400" b="1" dirty="0" smtClean="0"/>
               <a:t>High risks high returns</a:t>
             </a:r>
-            <a:endParaRPr lang="en-US" sz="2400" b="1" dirty="0" smtClean="0"/>
           </a:p>
           <a:p>
             <a:pPr marL="285750" indent="-285750">
@@ -4854,7 +9226,7 @@
         <p:spPr>
           <a:xfrm>
             <a:off x="5917474" y="1691546"/>
-            <a:ext cx="5342708" cy="4924425"/>
+            <a:ext cx="5342708" cy="4801314"/>
           </a:xfrm>
           <a:prstGeom prst="rect">
             <a:avLst/>
@@ -4867,32 +9239,6 @@
           </a:bodyPr>
           <a:lstStyle/>
           <a:p>
-            <a:r>
-              <a:rPr lang="en-US" sz="3200" b="1" dirty="0" smtClean="0">
-                <a:solidFill>
-                  <a:srgbClr val="00B050"/>
-                </a:solidFill>
-              </a:rPr>
-              <a:t>Why</a:t>
-            </a:r>
-            <a:r>
-              <a:rPr lang="en-US" sz="3200" dirty="0" smtClean="0">
-                <a:solidFill>
-                  <a:srgbClr val="00B050"/>
-                </a:solidFill>
-              </a:rPr>
-              <a:t> </a:t>
-            </a:r>
-            <a:r>
-              <a:rPr lang="en-US" sz="3200" b="1" dirty="0" smtClean="0">
-                <a:solidFill>
-                  <a:srgbClr val="00B050"/>
-                </a:solidFill>
-              </a:rPr>
-              <a:t>?</a:t>
-            </a:r>
-          </a:p>
-          <a:p>
             <a:endParaRPr lang="en-US" dirty="0"/>
           </a:p>
           <a:p>
@@ -4925,7 +9271,6 @@
               <a:rPr lang="en-US" sz="2400" b="1" dirty="0" smtClean="0"/>
               <a:t>time</a:t>
             </a:r>
-            <a:endParaRPr lang="en-US" sz="2400" b="1" dirty="0" smtClean="0"/>
           </a:p>
           <a:p>
             <a:pPr marL="285750" indent="-285750">
@@ -4943,6 +9288,13 @@
               <a:rPr lang="en-US" sz="2400" b="1" dirty="0" smtClean="0"/>
               <a:t>Trends can be drawn from data</a:t>
             </a:r>
+          </a:p>
+          <a:p>
+            <a:pPr marL="285750" indent="-285750">
+              <a:buFont typeface="Arial" panose="020B0604020202020204" pitchFamily="34" charset="0"/>
+              <a:buChar char="•"/>
+            </a:pPr>
+            <a:endParaRPr lang="en-US" sz="2400" b="1" dirty="0" smtClean="0"/>
           </a:p>
           <a:p>
             <a:pPr marL="285750" indent="-285750">
@@ -4981,13 +9333,13 @@
   <p:clrMapOvr>
     <a:masterClrMapping/>
   </p:clrMapOvr>
-  <mc:AlternateContent xmlns:mc="http://schemas.openxmlformats.org/markup-compatibility/2006">
-    <mc:Choice xmlns:p15="http://schemas.microsoft.com/office/powerpoint/2012/main" Requires="p15">
+  <mc:AlternateContent xmlns:mc="http://schemas.openxmlformats.org/markup-compatibility/2006" xmlns:p15="http://schemas.microsoft.com/office/powerpoint/2012/main">
+    <mc:Choice Requires="p15">
       <p:transition spd="med">
         <p15:prstTrans prst="pageCurlDouble"/>
       </p:transition>
     </mc:Choice>
-    <mc:Fallback>
+    <mc:Fallback xmlns="">
       <p:transition spd="med">
         <p:fade/>
       </p:transition>
@@ -5044,19 +9396,23 @@
           <a:p>
             <a:pPr algn="ctr"/>
             <a:r>
-              <a:rPr lang="en-US" sz="5400" b="1" dirty="0" smtClean="0"/>
+              <a:rPr lang="en-US" sz="5400" dirty="0" smtClean="0"/>
               <a:t>Our </a:t>
             </a:r>
             <a:r>
-              <a:rPr lang="en-US" sz="5400" b="1" dirty="0" smtClean="0">
+              <a:rPr lang="en-US" sz="5400" dirty="0" smtClean="0">
                 <a:ln w="0"/>
                 <a:solidFill>
-                  <a:schemeClr val="accent1"/>
+                  <a:schemeClr val="accent2"/>
                 </a:solidFill>
               </a:rPr>
               <a:t>Goal</a:t>
             </a:r>
-            <a:endParaRPr lang="en-US" sz="5400" b="1" dirty="0"/>
+            <a:endParaRPr lang="en-US" sz="5400" dirty="0">
+              <a:solidFill>
+                <a:schemeClr val="accent2"/>
+              </a:solidFill>
+            </a:endParaRPr>
           </a:p>
         </p:txBody>
       </p:sp>
@@ -5070,13 +9426,13 @@
   <p:clrMapOvr>
     <a:masterClrMapping/>
   </p:clrMapOvr>
-  <mc:AlternateContent xmlns:mc="http://schemas.openxmlformats.org/markup-compatibility/2006">
-    <mc:Choice xmlns:p15="http://schemas.microsoft.com/office/powerpoint/2012/main" Requires="p15">
+  <mc:AlternateContent xmlns:mc="http://schemas.openxmlformats.org/markup-compatibility/2006" xmlns:p15="http://schemas.microsoft.com/office/powerpoint/2012/main">
+    <mc:Choice Requires="p15">
       <p:transition spd="slow">
         <p15:prstTrans prst="pageCurlDouble"/>
       </p:transition>
     </mc:Choice>
-    <mc:Fallback>
+    <mc:Fallback xmlns="">
       <p:transition spd="slow">
         <p:fade/>
       </p:transition>
@@ -5133,7 +9489,7 @@
           <a:p>
             <a:r>
               <a:rPr lang="en-US" sz="7200" b="1" dirty="0" smtClean="0"/>
-              <a:t>The Core</a:t>
+              <a:t>ANALYTICS</a:t>
             </a:r>
             <a:endParaRPr lang="en-US" sz="7200" b="1" dirty="0"/>
           </a:p>
@@ -5151,7 +9507,7 @@
         </p:nvSpPr>
         <p:spPr>
           <a:xfrm>
-            <a:off x="4924697" y="5016138"/>
+            <a:off x="3985425" y="5238206"/>
             <a:ext cx="4572108" cy="576300"/>
           </a:xfrm>
         </p:spPr>
@@ -5175,13 +9531,13 @@
   <p:clrMapOvr>
     <a:masterClrMapping/>
   </p:clrMapOvr>
-  <mc:AlternateContent xmlns:mc="http://schemas.openxmlformats.org/markup-compatibility/2006">
-    <mc:Choice xmlns:p15="http://schemas.microsoft.com/office/powerpoint/2012/main" Requires="p15">
+  <mc:AlternateContent xmlns:mc="http://schemas.openxmlformats.org/markup-compatibility/2006" xmlns:p15="http://schemas.microsoft.com/office/powerpoint/2012/main">
+    <mc:Choice Requires="p15">
       <p:transition spd="slow">
         <p15:prstTrans prst="pageCurlDouble"/>
       </p:transition>
     </mc:Choice>
-    <mc:Fallback>
+    <mc:Fallback xmlns="">
       <p:transition spd="slow">
         <p:fade/>
       </p:transition>
@@ -5238,90 +9594,192 @@
           <a:p>
             <a:pPr algn="ctr"/>
             <a:r>
-              <a:rPr lang="en-US" sz="5400" b="1" dirty="0" smtClean="0"/>
-              <a:t>What is </a:t>
-            </a:r>
-            <a:r>
-              <a:rPr lang="en-US" sz="5400" b="1" dirty="0" smtClean="0">
-                <a:ln w="0"/>
+              <a:rPr lang="en-US" sz="5400" dirty="0" smtClean="0">
                 <a:solidFill>
-                  <a:schemeClr val="accent1"/>
+                  <a:schemeClr val="accent2"/>
                 </a:solidFill>
               </a:rPr>
-              <a:t>Sentiment Analysis</a:t>
-            </a:r>
-            <a:r>
-              <a:rPr lang="en-US" sz="5400" b="1" dirty="0" smtClean="0">
-                <a:ln w="0"/>
+              <a:t>Data</a:t>
+            </a:r>
+            <a:r>
+              <a:rPr lang="en-US" sz="5400" dirty="0" smtClean="0"/>
+              <a:t> vs </a:t>
+            </a:r>
+            <a:r>
+              <a:rPr lang="en-US" sz="5400" dirty="0" smtClean="0">
                 <a:solidFill>
-                  <a:schemeClr val="accent1"/>
+                  <a:schemeClr val="accent2"/>
                 </a:solidFill>
-                <a:effectLst>
-                  <a:outerShdw blurRad="38100" dist="25400" dir="5400000" algn="ctr" rotWithShape="0">
-                    <a:srgbClr val="6E747A">
-                      <a:alpha val="43000"/>
-                    </a:srgbClr>
-                  </a:outerShdw>
-                </a:effectLst>
               </a:rPr>
-              <a:t> </a:t>
-            </a:r>
-            <a:r>
-              <a:rPr lang="en-US" sz="5400" b="1" dirty="0" smtClean="0"/>
-              <a:t>?</a:t>
-            </a:r>
-            <a:endParaRPr lang="en-US" sz="5400" b="1" dirty="0"/>
+              <a:t>Information</a:t>
+            </a:r>
+            <a:endParaRPr lang="en-US" sz="5400" dirty="0">
+              <a:solidFill>
+                <a:schemeClr val="accent2"/>
+              </a:solidFill>
+            </a:endParaRPr>
           </a:p>
         </p:txBody>
       </p:sp>
       <p:sp>
         <p:nvSpPr>
-          <p:cNvPr id="5" name="TextBox 4"/>
-          <p:cNvSpPr txBox="1"/>
+          <p:cNvPr id="5" name="Rectangle 4"/>
+          <p:cNvSpPr/>
           <p:nvPr/>
         </p:nvSpPr>
         <p:spPr>
           <a:xfrm>
-            <a:off x="836023" y="1449977"/>
-            <a:ext cx="10607040" cy="369332"/>
+            <a:off x="836023" y="1326838"/>
+            <a:ext cx="10607040" cy="4832092"/>
           </a:xfrm>
           <a:prstGeom prst="rect">
             <a:avLst/>
           </a:prstGeom>
-          <a:noFill/>
         </p:spPr>
         <p:txBody>
-          <a:bodyPr wrap="square" rtlCol="0">
+          <a:bodyPr wrap="square">
             <a:spAutoFit/>
           </a:bodyPr>
           <a:lstStyle/>
           <a:p>
-            <a:r>
-              <a:rPr lang="en-US" dirty="0" err="1" smtClean="0"/>
-              <a:t>asdf</a:t>
-            </a:r>
-            <a:endParaRPr lang="en-US" dirty="0"/>
+            <a:pPr marL="457200" lvl="0" indent="-457200">
+              <a:buFont typeface="Arial" panose="020B0604020202020204" pitchFamily="34" charset="0"/>
+              <a:buChar char="•"/>
+            </a:pPr>
+            <a:r>
+              <a:rPr lang="en-US" sz="2800" b="1" dirty="0">
+                <a:solidFill>
+                  <a:prstClr val="black"/>
+                </a:solidFill>
+              </a:rPr>
+              <a:t>It is the process of determining whether a piece of writing is positive, negative or neutral.</a:t>
+            </a:r>
+          </a:p>
+          <a:p>
+            <a:pPr marL="457200" lvl="0" indent="-457200">
+              <a:buFont typeface="Arial" panose="020B0604020202020204" pitchFamily="34" charset="0"/>
+              <a:buChar char="•"/>
+            </a:pPr>
+            <a:endParaRPr lang="en-US" sz="2800" b="1" dirty="0">
+              <a:solidFill>
+                <a:prstClr val="black"/>
+              </a:solidFill>
+            </a:endParaRPr>
+          </a:p>
+          <a:p>
+            <a:pPr marL="457200" lvl="0" indent="-457200">
+              <a:buFont typeface="Arial" panose="020B0604020202020204" pitchFamily="34" charset="0"/>
+              <a:buChar char="•"/>
+            </a:pPr>
+            <a:r>
+              <a:rPr lang="en-US" sz="2800" b="1" dirty="0">
+                <a:solidFill>
+                  <a:prstClr val="black"/>
+                </a:solidFill>
+              </a:rPr>
+              <a:t>It is also known as opinion mining.</a:t>
+            </a:r>
+          </a:p>
+          <a:p>
+            <a:pPr marL="457200" lvl="0" indent="-457200">
+              <a:buFont typeface="Arial" panose="020B0604020202020204" pitchFamily="34" charset="0"/>
+              <a:buChar char="•"/>
+            </a:pPr>
+            <a:endParaRPr lang="en-US" sz="2800" b="1" dirty="0">
+              <a:solidFill>
+                <a:prstClr val="black"/>
+              </a:solidFill>
+            </a:endParaRPr>
+          </a:p>
+          <a:p>
+            <a:pPr marL="457200" lvl="0" indent="-457200">
+              <a:buFont typeface="Arial" panose="020B0604020202020204" pitchFamily="34" charset="0"/>
+              <a:buChar char="•"/>
+            </a:pPr>
+            <a:r>
+              <a:rPr lang="en-US" sz="2800" b="1" dirty="0">
+                <a:solidFill>
+                  <a:prstClr val="black"/>
+                </a:solidFill>
+              </a:rPr>
+              <a:t>It is an important part of DATA MINING</a:t>
+            </a:r>
+          </a:p>
+          <a:p>
+            <a:pPr marL="457200" lvl="0" indent="-457200">
+              <a:buFont typeface="Arial" panose="020B0604020202020204" pitchFamily="34" charset="0"/>
+              <a:buChar char="•"/>
+            </a:pPr>
+            <a:endParaRPr lang="en-US" sz="2800" b="1" dirty="0">
+              <a:solidFill>
+                <a:prstClr val="black"/>
+              </a:solidFill>
+            </a:endParaRPr>
+          </a:p>
+          <a:p>
+            <a:pPr marL="457200" lvl="0" indent="-457200">
+              <a:buFont typeface="Arial" panose="020B0604020202020204" pitchFamily="34" charset="0"/>
+              <a:buChar char="•"/>
+            </a:pPr>
+            <a:r>
+              <a:rPr lang="en-US" sz="2800" b="1" dirty="0">
+                <a:solidFill>
+                  <a:prstClr val="black"/>
+                </a:solidFill>
+              </a:rPr>
+              <a:t>Basically, it is deriving the opinion or attitude of a speaker.</a:t>
+            </a:r>
+          </a:p>
+          <a:p>
+            <a:pPr lvl="0"/>
+            <a:endParaRPr lang="en-US" sz="2800" b="1" dirty="0">
+              <a:solidFill>
+                <a:prstClr val="black"/>
+              </a:solidFill>
+            </a:endParaRPr>
+          </a:p>
+          <a:p>
+            <a:pPr marL="457200" lvl="0" indent="-457200">
+              <a:buFont typeface="Arial" panose="020B0604020202020204" pitchFamily="34" charset="0"/>
+              <a:buChar char="•"/>
+            </a:pPr>
+            <a:r>
+              <a:rPr lang="en-US" sz="2800" b="1" dirty="0">
+                <a:solidFill>
+                  <a:prstClr val="black"/>
+                </a:solidFill>
+              </a:rPr>
+              <a:t>Tells how people feel about a particular topic.</a:t>
+            </a:r>
+          </a:p>
+          <a:p>
+            <a:pPr lvl="0"/>
+            <a:endParaRPr lang="en-US" sz="2800" dirty="0">
+              <a:solidFill>
+                <a:prstClr val="black"/>
+              </a:solidFill>
+            </a:endParaRPr>
           </a:p>
         </p:txBody>
       </p:sp>
     </p:spTree>
     <p:extLst>
       <p:ext uri="{BB962C8B-B14F-4D97-AF65-F5344CB8AC3E}">
-        <p14:creationId xmlns:p14="http://schemas.microsoft.com/office/powerpoint/2010/main" val="545468752"/>
+        <p14:creationId xmlns:p14="http://schemas.microsoft.com/office/powerpoint/2010/main" val="898026705"/>
       </p:ext>
     </p:extLst>
   </p:cSld>
   <p:clrMapOvr>
     <a:masterClrMapping/>
   </p:clrMapOvr>
-  <mc:AlternateContent xmlns:mc="http://schemas.openxmlformats.org/markup-compatibility/2006">
-    <mc:Choice xmlns:p15="http://schemas.microsoft.com/office/powerpoint/2012/main" Requires="p15">
-      <p:transition spd="slow">
+  <mc:AlternateContent xmlns:mc="http://schemas.openxmlformats.org/markup-compatibility/2006" xmlns:p15="http://schemas.microsoft.com/office/powerpoint/2012/main">
+    <mc:Choice Requires="p15">
+      <p:transition>
         <p15:prstTrans prst="pageCurlDouble"/>
       </p:transition>
     </mc:Choice>
-    <mc:Fallback>
-      <p:transition spd="slow">
+    <mc:Fallback xmlns="">
+      <p:transition>
         <p:fade/>
       </p:transition>
     </mc:Fallback>
@@ -5355,7 +9813,7 @@
       </p:grpSpPr>
       <p:sp>
         <p:nvSpPr>
-          <p:cNvPr id="5" name="TextBox 4"/>
+          <p:cNvPr id="2" name="TextBox 1"/>
           <p:cNvSpPr txBox="1"/>
           <p:nvPr/>
         </p:nvSpPr>
@@ -5377,36 +9835,52 @@
           <a:p>
             <a:pPr algn="ctr"/>
             <a:r>
-              <a:rPr lang="en-US" sz="5400" b="1" dirty="0" smtClean="0"/>
+              <a:rPr lang="en-US" sz="5400" dirty="0" smtClean="0"/>
               <a:t>What is </a:t>
             </a:r>
             <a:r>
-              <a:rPr lang="en-US" sz="5400" b="1" dirty="0" smtClean="0">
+              <a:rPr lang="en-US" sz="5400" dirty="0" smtClean="0">
+                <a:ln w="0"/>
+                <a:solidFill>
+                  <a:schemeClr val="accent2"/>
+                </a:solidFill>
+              </a:rPr>
+              <a:t>Data Mining</a:t>
+            </a:r>
+            <a:r>
+              <a:rPr lang="en-US" sz="5400" dirty="0" smtClean="0">
                 <a:ln w="0"/>
                 <a:solidFill>
                   <a:schemeClr val="accent1"/>
                 </a:solidFill>
+                <a:effectLst>
+                  <a:outerShdw blurRad="38100" dist="25400" dir="5400000" algn="ctr" rotWithShape="0">
+                    <a:srgbClr val="6E747A">
+                      <a:alpha val="43000"/>
+                    </a:srgbClr>
+                  </a:outerShdw>
+                </a:effectLst>
               </a:rPr>
-              <a:t>Machine Learning </a:t>
-            </a:r>
-            <a:r>
-              <a:rPr lang="en-US" sz="5400" b="1" dirty="0" smtClean="0"/>
+              <a:t> </a:t>
+            </a:r>
+            <a:r>
+              <a:rPr lang="en-US" sz="5400" dirty="0" smtClean="0"/>
               <a:t>?</a:t>
             </a:r>
-            <a:endParaRPr lang="en-US" sz="5400" b="1" dirty="0"/>
+            <a:endParaRPr lang="en-US" sz="5400" dirty="0"/>
           </a:p>
         </p:txBody>
       </p:sp>
       <p:sp>
         <p:nvSpPr>
-          <p:cNvPr id="6" name="TextBox 5"/>
+          <p:cNvPr id="3" name="TextBox 2"/>
           <p:cNvSpPr txBox="1"/>
           <p:nvPr/>
         </p:nvSpPr>
         <p:spPr>
           <a:xfrm>
             <a:off x="836023" y="1449977"/>
-            <a:ext cx="10607040" cy="369332"/>
+            <a:ext cx="10607040" cy="4832092"/>
           </a:xfrm>
           <a:prstGeom prst="rect">
             <a:avLst/>
@@ -5419,31 +9893,101 @@
           </a:bodyPr>
           <a:lstStyle/>
           <a:p>
-            <a:r>
-              <a:rPr lang="en-US" dirty="0" err="1" smtClean="0"/>
-              <a:t>asdf</a:t>
-            </a:r>
-            <a:endParaRPr lang="en-US" dirty="0"/>
+            <a:pPr marL="457200" indent="-457200">
+              <a:buFont typeface="Arial" panose="020B0604020202020204" pitchFamily="34" charset="0"/>
+              <a:buChar char="•"/>
+            </a:pPr>
+            <a:r>
+              <a:rPr lang="en-US" sz="2800" b="1" dirty="0"/>
+              <a:t>It is the process of determining whether a piece of writing is positive, negative or neutral.</a:t>
+            </a:r>
+          </a:p>
+          <a:p>
+            <a:pPr marL="457200" indent="-457200">
+              <a:buFont typeface="Arial" panose="020B0604020202020204" pitchFamily="34" charset="0"/>
+              <a:buChar char="•"/>
+            </a:pPr>
+            <a:endParaRPr lang="en-US" sz="2800" b="1" dirty="0"/>
+          </a:p>
+          <a:p>
+            <a:pPr marL="457200" indent="-457200">
+              <a:buFont typeface="Arial" panose="020B0604020202020204" pitchFamily="34" charset="0"/>
+              <a:buChar char="•"/>
+            </a:pPr>
+            <a:r>
+              <a:rPr lang="en-US" sz="2800" b="1" dirty="0"/>
+              <a:t>It is also known as opinion mining.</a:t>
+            </a:r>
+          </a:p>
+          <a:p>
+            <a:pPr marL="457200" indent="-457200">
+              <a:buFont typeface="Arial" panose="020B0604020202020204" pitchFamily="34" charset="0"/>
+              <a:buChar char="•"/>
+            </a:pPr>
+            <a:endParaRPr lang="en-US" sz="2800" b="1" dirty="0"/>
+          </a:p>
+          <a:p>
+            <a:pPr marL="457200" indent="-457200">
+              <a:buFont typeface="Arial" panose="020B0604020202020204" pitchFamily="34" charset="0"/>
+              <a:buChar char="•"/>
+            </a:pPr>
+            <a:r>
+              <a:rPr lang="en-US" sz="2800" b="1" dirty="0"/>
+              <a:t>It is an important part of DATA MINING</a:t>
+            </a:r>
+          </a:p>
+          <a:p>
+            <a:pPr marL="457200" indent="-457200">
+              <a:buFont typeface="Arial" panose="020B0604020202020204" pitchFamily="34" charset="0"/>
+              <a:buChar char="•"/>
+            </a:pPr>
+            <a:endParaRPr lang="en-US" sz="2800" b="1" dirty="0"/>
+          </a:p>
+          <a:p>
+            <a:pPr marL="457200" indent="-457200">
+              <a:buFont typeface="Arial" panose="020B0604020202020204" pitchFamily="34" charset="0"/>
+              <a:buChar char="•"/>
+            </a:pPr>
+            <a:r>
+              <a:rPr lang="en-US" sz="2800" b="1" dirty="0"/>
+              <a:t>Basically, it is deriving the opinion or attitude of a speaker.</a:t>
+            </a:r>
+          </a:p>
+          <a:p>
+            <a:endParaRPr lang="en-US" sz="2800" b="1" dirty="0"/>
+          </a:p>
+          <a:p>
+            <a:pPr marL="457200" indent="-457200">
+              <a:buFont typeface="Arial" panose="020B0604020202020204" pitchFamily="34" charset="0"/>
+              <a:buChar char="•"/>
+            </a:pPr>
+            <a:r>
+              <a:rPr lang="en-US" sz="2800" b="1" dirty="0"/>
+              <a:t>Tells how people feel about a particular topic.</a:t>
+            </a:r>
+          </a:p>
+          <a:p>
+            <a:endParaRPr lang="en-US" sz="2800" dirty="0"/>
           </a:p>
         </p:txBody>
       </p:sp>
     </p:spTree>
     <p:extLst>
       <p:ext uri="{BB962C8B-B14F-4D97-AF65-F5344CB8AC3E}">
-        <p14:creationId xmlns:p14="http://schemas.microsoft.com/office/powerpoint/2010/main" val="1677007153"/>
+        <p14:creationId xmlns:p14="http://schemas.microsoft.com/office/powerpoint/2010/main" val="3415551915"/>
       </p:ext>
     </p:extLst>
   </p:cSld>
   <p:clrMapOvr>
     <a:masterClrMapping/>
   </p:clrMapOvr>
-  <mc:AlternateContent xmlns:mc="http://schemas.openxmlformats.org/markup-compatibility/2006">
-    <mc:Choice xmlns:p15="http://schemas.microsoft.com/office/powerpoint/2012/main" Requires="p15">
+  <mc:AlternateContent xmlns:mc="http://schemas.openxmlformats.org/markup-compatibility/2006" xmlns:p15="http://schemas.microsoft.com/office/powerpoint/2012/main">
+    <mc:Choice Requires="p15">
       <p:transition spd="slow">
         <p15:prstTrans prst="pageCurlDouble"/>
       </p:transition>
     </mc:Choice>
-    <mc:Fallback>
+    <mc:Fallback xmlns="">
       <p:transition spd="slow">
         <p:fade/>
       </p:transition>
